--- a/NLP PowerPoint presentation.pptx
+++ b/NLP PowerPoint presentation.pptx
@@ -5,10 +5,10 @@
     <p:sldMasterId id="2147483658" r:id="rId4"/>
   </p:sldMasterIdLst>
   <p:notesMasterIdLst>
-    <p:notesMasterId r:id="rId35"/>
+    <p:notesMasterId r:id="rId37"/>
   </p:notesMasterIdLst>
   <p:handoutMasterIdLst>
-    <p:handoutMasterId r:id="rId36"/>
+    <p:handoutMasterId r:id="rId38"/>
   </p:handoutMasterIdLst>
   <p:sldIdLst>
     <p:sldId id="410" r:id="rId5"/>
@@ -17,30 +17,32 @@
     <p:sldId id="391" r:id="rId8"/>
     <p:sldId id="411" r:id="rId9"/>
     <p:sldId id="414" r:id="rId10"/>
-    <p:sldId id="413" r:id="rId11"/>
-    <p:sldId id="415" r:id="rId12"/>
-    <p:sldId id="416" r:id="rId13"/>
-    <p:sldId id="417" r:id="rId14"/>
-    <p:sldId id="420" r:id="rId15"/>
-    <p:sldId id="418" r:id="rId16"/>
-    <p:sldId id="428" r:id="rId17"/>
-    <p:sldId id="419" r:id="rId18"/>
-    <p:sldId id="421" r:id="rId19"/>
-    <p:sldId id="397" r:id="rId20"/>
-    <p:sldId id="422" r:id="rId21"/>
-    <p:sldId id="423" r:id="rId22"/>
-    <p:sldId id="424" r:id="rId23"/>
-    <p:sldId id="426" r:id="rId24"/>
-    <p:sldId id="425" r:id="rId25"/>
-    <p:sldId id="430" r:id="rId26"/>
-    <p:sldId id="431" r:id="rId27"/>
-    <p:sldId id="429" r:id="rId28"/>
-    <p:sldId id="433" r:id="rId29"/>
-    <p:sldId id="432" r:id="rId30"/>
-    <p:sldId id="434" r:id="rId31"/>
-    <p:sldId id="435" r:id="rId32"/>
-    <p:sldId id="436" r:id="rId33"/>
-    <p:sldId id="398" r:id="rId34"/>
+    <p:sldId id="437" r:id="rId11"/>
+    <p:sldId id="438" r:id="rId12"/>
+    <p:sldId id="413" r:id="rId13"/>
+    <p:sldId id="415" r:id="rId14"/>
+    <p:sldId id="416" r:id="rId15"/>
+    <p:sldId id="417" r:id="rId16"/>
+    <p:sldId id="420" r:id="rId17"/>
+    <p:sldId id="418" r:id="rId18"/>
+    <p:sldId id="428" r:id="rId19"/>
+    <p:sldId id="419" r:id="rId20"/>
+    <p:sldId id="421" r:id="rId21"/>
+    <p:sldId id="397" r:id="rId22"/>
+    <p:sldId id="422" r:id="rId23"/>
+    <p:sldId id="423" r:id="rId24"/>
+    <p:sldId id="424" r:id="rId25"/>
+    <p:sldId id="426" r:id="rId26"/>
+    <p:sldId id="425" r:id="rId27"/>
+    <p:sldId id="430" r:id="rId28"/>
+    <p:sldId id="431" r:id="rId29"/>
+    <p:sldId id="429" r:id="rId30"/>
+    <p:sldId id="433" r:id="rId31"/>
+    <p:sldId id="432" r:id="rId32"/>
+    <p:sldId id="434" r:id="rId33"/>
+    <p:sldId id="435" r:id="rId34"/>
+    <p:sldId id="436" r:id="rId35"/>
+    <p:sldId id="398" r:id="rId36"/>
   </p:sldIdLst>
   <p:sldSz cx="12192000" cy="6858000"/>
   <p:notesSz cx="6858000" cy="9144000"/>
@@ -229,7 +231,7 @@
           <a:p>
             <a:fld id="{1EBEDD12-BCD5-485B-BCBC-34BB01D7923C}" type="datetimeFigureOut">
               <a:rPr lang="en-US" smtClean="0"/>
-              <a:t>5/1/2025</a:t>
+              <a:t>5/2/2025</a:t>
             </a:fld>
             <a:endParaRPr lang="en-US" dirty="0"/>
           </a:p>
@@ -443,7 +445,7 @@
           <a:p>
             <a:fld id="{6EE7A52F-9D89-7442-A8E9-48D1527B5F6B}" type="datetimeFigureOut">
               <a:rPr lang="en-US" smtClean="0"/>
-              <a:t>5/1/2025</a:t>
+              <a:t>5/2/2025</a:t>
             </a:fld>
             <a:endParaRPr lang="en-US" dirty="0"/>
           </a:p>
@@ -802,6 +804,222 @@
         <p:cNvPr id="1" name="">
           <a:extLst>
             <a:ext uri="{FF2B5EF4-FFF2-40B4-BE49-F238E27FC236}">
+              <a16:creationId xmlns:a16="http://schemas.microsoft.com/office/drawing/2014/main" id="{088632BA-D0BF-B9E3-3922-F92266F55D3D}"/>
+            </a:ext>
+          </a:extLst>
+        </p:cNvPr>
+        <p:cNvGrpSpPr/>
+        <p:nvPr/>
+      </p:nvGrpSpPr>
+      <p:grpSpPr>
+        <a:xfrm>
+          <a:off x="0" y="0"/>
+          <a:ext cx="0" cy="0"/>
+          <a:chOff x="0" y="0"/>
+          <a:chExt cx="0" cy="0"/>
+        </a:xfrm>
+      </p:grpSpPr>
+      <p:sp>
+        <p:nvSpPr>
+          <p:cNvPr id="2" name="Slide Image Placeholder 1">
+            <a:extLst>
+              <a:ext uri="{FF2B5EF4-FFF2-40B4-BE49-F238E27FC236}">
+                <a16:creationId xmlns:a16="http://schemas.microsoft.com/office/drawing/2014/main" id="{25779E3D-2303-F5C1-96D6-909684926DB2}"/>
+              </a:ext>
+            </a:extLst>
+          </p:cNvPr>
+          <p:cNvSpPr>
+            <a:spLocks noGrp="1" noRot="1" noChangeAspect="1"/>
+          </p:cNvSpPr>
+          <p:nvPr>
+            <p:ph type="sldImg"/>
+          </p:nvPr>
+        </p:nvSpPr>
+        <p:spPr/>
+      </p:sp>
+      <p:sp>
+        <p:nvSpPr>
+          <p:cNvPr id="3" name="Notes Placeholder 2">
+            <a:extLst>
+              <a:ext uri="{FF2B5EF4-FFF2-40B4-BE49-F238E27FC236}">
+                <a16:creationId xmlns:a16="http://schemas.microsoft.com/office/drawing/2014/main" id="{9D263174-81CF-1289-4E8A-D4F1AFF8A13A}"/>
+              </a:ext>
+            </a:extLst>
+          </p:cNvPr>
+          <p:cNvSpPr>
+            <a:spLocks noGrp="1"/>
+          </p:cNvSpPr>
+          <p:nvPr>
+            <p:ph type="body" idx="1"/>
+          </p:nvPr>
+        </p:nvSpPr>
+        <p:spPr/>
+        <p:txBody>
+          <a:bodyPr/>
+          <a:lstStyle/>
+          <a:p>
+            <a:endParaRPr lang="en-US" dirty="0"/>
+          </a:p>
+        </p:txBody>
+      </p:sp>
+      <p:sp>
+        <p:nvSpPr>
+          <p:cNvPr id="4" name="Slide Number Placeholder 3">
+            <a:extLst>
+              <a:ext uri="{FF2B5EF4-FFF2-40B4-BE49-F238E27FC236}">
+                <a16:creationId xmlns:a16="http://schemas.microsoft.com/office/drawing/2014/main" id="{1B6A7B5B-0D87-7DD3-ED88-9CDCB8C088EC}"/>
+              </a:ext>
+            </a:extLst>
+          </p:cNvPr>
+          <p:cNvSpPr>
+            <a:spLocks noGrp="1"/>
+          </p:cNvSpPr>
+          <p:nvPr>
+            <p:ph type="sldNum" sz="quarter" idx="5"/>
+          </p:nvPr>
+        </p:nvSpPr>
+        <p:spPr/>
+        <p:txBody>
+          <a:bodyPr/>
+          <a:lstStyle/>
+          <a:p>
+            <a:fld id="{A89C7E07-3C67-C64C-8DA0-0404F6303970}" type="slidenum">
+              <a:rPr lang="en-US" smtClean="0"/>
+              <a:t>10</a:t>
+            </a:fld>
+            <a:endParaRPr lang="en-US" dirty="0"/>
+          </a:p>
+        </p:txBody>
+      </p:sp>
+    </p:spTree>
+    <p:extLst>
+      <p:ext uri="{BB962C8B-B14F-4D97-AF65-F5344CB8AC3E}">
+        <p14:creationId xmlns:p14="http://schemas.microsoft.com/office/powerpoint/2010/main" val="3799159640"/>
+      </p:ext>
+    </p:extLst>
+  </p:cSld>
+  <p:clrMapOvr>
+    <a:masterClrMapping/>
+  </p:clrMapOvr>
+</p:notes>
+</file>
+
+<file path=ppt/notesSlides/notesSlide11.xml><?xml version="1.0" encoding="utf-8"?>
+<p:notes xmlns:a="http://schemas.openxmlformats.org/drawingml/2006/main" xmlns:r="http://schemas.openxmlformats.org/officeDocument/2006/relationships" xmlns:p="http://schemas.openxmlformats.org/presentationml/2006/main">
+  <p:cSld>
+    <p:spTree>
+      <p:nvGrpSpPr>
+        <p:cNvPr id="1" name="">
+          <a:extLst>
+            <a:ext uri="{FF2B5EF4-FFF2-40B4-BE49-F238E27FC236}">
+              <a16:creationId xmlns:a16="http://schemas.microsoft.com/office/drawing/2014/main" id="{27071163-BE5C-9C1A-2862-D19B483B83C4}"/>
+            </a:ext>
+          </a:extLst>
+        </p:cNvPr>
+        <p:cNvGrpSpPr/>
+        <p:nvPr/>
+      </p:nvGrpSpPr>
+      <p:grpSpPr>
+        <a:xfrm>
+          <a:off x="0" y="0"/>
+          <a:ext cx="0" cy="0"/>
+          <a:chOff x="0" y="0"/>
+          <a:chExt cx="0" cy="0"/>
+        </a:xfrm>
+      </p:grpSpPr>
+      <p:sp>
+        <p:nvSpPr>
+          <p:cNvPr id="2" name="Slide Image Placeholder 1">
+            <a:extLst>
+              <a:ext uri="{FF2B5EF4-FFF2-40B4-BE49-F238E27FC236}">
+                <a16:creationId xmlns:a16="http://schemas.microsoft.com/office/drawing/2014/main" id="{CF0E2C41-7728-C7D7-9760-C7496EB58DF0}"/>
+              </a:ext>
+            </a:extLst>
+          </p:cNvPr>
+          <p:cNvSpPr>
+            <a:spLocks noGrp="1" noRot="1" noChangeAspect="1"/>
+          </p:cNvSpPr>
+          <p:nvPr>
+            <p:ph type="sldImg"/>
+          </p:nvPr>
+        </p:nvSpPr>
+        <p:spPr/>
+      </p:sp>
+      <p:sp>
+        <p:nvSpPr>
+          <p:cNvPr id="3" name="Notes Placeholder 2">
+            <a:extLst>
+              <a:ext uri="{FF2B5EF4-FFF2-40B4-BE49-F238E27FC236}">
+                <a16:creationId xmlns:a16="http://schemas.microsoft.com/office/drawing/2014/main" id="{B858A80F-42CB-4EA7-A7E3-B37E9675244C}"/>
+              </a:ext>
+            </a:extLst>
+          </p:cNvPr>
+          <p:cNvSpPr>
+            <a:spLocks noGrp="1"/>
+          </p:cNvSpPr>
+          <p:nvPr>
+            <p:ph type="body" idx="1"/>
+          </p:nvPr>
+        </p:nvSpPr>
+        <p:spPr/>
+        <p:txBody>
+          <a:bodyPr/>
+          <a:lstStyle/>
+          <a:p>
+            <a:endParaRPr lang="en-US" dirty="0"/>
+          </a:p>
+        </p:txBody>
+      </p:sp>
+      <p:sp>
+        <p:nvSpPr>
+          <p:cNvPr id="4" name="Slide Number Placeholder 3">
+            <a:extLst>
+              <a:ext uri="{FF2B5EF4-FFF2-40B4-BE49-F238E27FC236}">
+                <a16:creationId xmlns:a16="http://schemas.microsoft.com/office/drawing/2014/main" id="{6606BF43-7689-5757-C471-564D7FFB886C}"/>
+              </a:ext>
+            </a:extLst>
+          </p:cNvPr>
+          <p:cNvSpPr>
+            <a:spLocks noGrp="1"/>
+          </p:cNvSpPr>
+          <p:nvPr>
+            <p:ph type="sldNum" sz="quarter" idx="5"/>
+          </p:nvPr>
+        </p:nvSpPr>
+        <p:spPr/>
+        <p:txBody>
+          <a:bodyPr/>
+          <a:lstStyle/>
+          <a:p>
+            <a:fld id="{A89C7E07-3C67-C64C-8DA0-0404F6303970}" type="slidenum">
+              <a:rPr lang="en-US" smtClean="0"/>
+              <a:t>11</a:t>
+            </a:fld>
+            <a:endParaRPr lang="en-US" dirty="0"/>
+          </a:p>
+        </p:txBody>
+      </p:sp>
+    </p:spTree>
+    <p:extLst>
+      <p:ext uri="{BB962C8B-B14F-4D97-AF65-F5344CB8AC3E}">
+        <p14:creationId xmlns:p14="http://schemas.microsoft.com/office/powerpoint/2010/main" val="4238240120"/>
+      </p:ext>
+    </p:extLst>
+  </p:cSld>
+  <p:clrMapOvr>
+    <a:masterClrMapping/>
+  </p:clrMapOvr>
+</p:notes>
+</file>
+
+<file path=ppt/notesSlides/notesSlide12.xml><?xml version="1.0" encoding="utf-8"?>
+<p:notes xmlns:a="http://schemas.openxmlformats.org/drawingml/2006/main" xmlns:r="http://schemas.openxmlformats.org/officeDocument/2006/relationships" xmlns:p="http://schemas.openxmlformats.org/presentationml/2006/main">
+  <p:cSld>
+    <p:spTree>
+      <p:nvGrpSpPr>
+        <p:cNvPr id="1" name="">
+          <a:extLst>
+            <a:ext uri="{FF2B5EF4-FFF2-40B4-BE49-F238E27FC236}">
               <a16:creationId xmlns:a16="http://schemas.microsoft.com/office/drawing/2014/main" id="{E8D7D4AC-C5F7-6357-C0CC-849B8C5E4F87}"/>
             </a:ext>
           </a:extLst>
@@ -883,7 +1101,7 @@
           <a:p>
             <a:fld id="{A89C7E07-3C67-C64C-8DA0-0404F6303970}" type="slidenum">
               <a:rPr lang="en-US" smtClean="0"/>
-              <a:t>10</a:t>
+              <a:t>12</a:t>
             </a:fld>
             <a:endParaRPr lang="en-US" dirty="0"/>
           </a:p>
@@ -902,7 +1120,7 @@
 </p:notes>
 </file>
 
-<file path=ppt/notesSlides/notesSlide11.xml><?xml version="1.0" encoding="utf-8"?>
+<file path=ppt/notesSlides/notesSlide13.xml><?xml version="1.0" encoding="utf-8"?>
 <p:notes xmlns:a="http://schemas.openxmlformats.org/drawingml/2006/main" xmlns:r="http://schemas.openxmlformats.org/officeDocument/2006/relationships" xmlns:p="http://schemas.openxmlformats.org/presentationml/2006/main">
   <p:cSld>
     <p:spTree>
@@ -991,7 +1209,7 @@
           <a:p>
             <a:fld id="{A89C7E07-3C67-C64C-8DA0-0404F6303970}" type="slidenum">
               <a:rPr lang="en-US" smtClean="0"/>
-              <a:t>11</a:t>
+              <a:t>13</a:t>
             </a:fld>
             <a:endParaRPr lang="en-US" dirty="0"/>
           </a:p>
@@ -1010,7 +1228,7 @@
 </p:notes>
 </file>
 
-<file path=ppt/notesSlides/notesSlide12.xml><?xml version="1.0" encoding="utf-8"?>
+<file path=ppt/notesSlides/notesSlide14.xml><?xml version="1.0" encoding="utf-8"?>
 <p:notes xmlns:a="http://schemas.openxmlformats.org/drawingml/2006/main" xmlns:r="http://schemas.openxmlformats.org/officeDocument/2006/relationships" xmlns:p="http://schemas.openxmlformats.org/presentationml/2006/main">
   <p:cSld>
     <p:spTree>
@@ -1099,7 +1317,7 @@
           <a:p>
             <a:fld id="{A89C7E07-3C67-C64C-8DA0-0404F6303970}" type="slidenum">
               <a:rPr lang="en-US" smtClean="0"/>
-              <a:t>12</a:t>
+              <a:t>14</a:t>
             </a:fld>
             <a:endParaRPr lang="en-US" dirty="0"/>
           </a:p>
@@ -1118,7 +1336,7 @@
 </p:notes>
 </file>
 
-<file path=ppt/notesSlides/notesSlide13.xml><?xml version="1.0" encoding="utf-8"?>
+<file path=ppt/notesSlides/notesSlide15.xml><?xml version="1.0" encoding="utf-8"?>
 <p:notes xmlns:a="http://schemas.openxmlformats.org/drawingml/2006/main" xmlns:r="http://schemas.openxmlformats.org/officeDocument/2006/relationships" xmlns:p="http://schemas.openxmlformats.org/presentationml/2006/main">
   <p:cSld>
     <p:spTree>
@@ -1207,7 +1425,7 @@
           <a:p>
             <a:fld id="{A89C7E07-3C67-C64C-8DA0-0404F6303970}" type="slidenum">
               <a:rPr lang="en-US" smtClean="0"/>
-              <a:t>13</a:t>
+              <a:t>15</a:t>
             </a:fld>
             <a:endParaRPr lang="en-US" dirty="0"/>
           </a:p>
@@ -1226,7 +1444,7 @@
 </p:notes>
 </file>
 
-<file path=ppt/notesSlides/notesSlide14.xml><?xml version="1.0" encoding="utf-8"?>
+<file path=ppt/notesSlides/notesSlide16.xml><?xml version="1.0" encoding="utf-8"?>
 <p:notes xmlns:a="http://schemas.openxmlformats.org/drawingml/2006/main" xmlns:r="http://schemas.openxmlformats.org/officeDocument/2006/relationships" xmlns:p="http://schemas.openxmlformats.org/presentationml/2006/main">
   <p:cSld>
     <p:spTree>
@@ -1315,7 +1533,7 @@
           <a:p>
             <a:fld id="{A89C7E07-3C67-C64C-8DA0-0404F6303970}" type="slidenum">
               <a:rPr lang="en-US" smtClean="0"/>
-              <a:t>14</a:t>
+              <a:t>16</a:t>
             </a:fld>
             <a:endParaRPr lang="en-US" dirty="0"/>
           </a:p>
@@ -1334,7 +1552,7 @@
 </p:notes>
 </file>
 
-<file path=ppt/notesSlides/notesSlide15.xml><?xml version="1.0" encoding="utf-8"?>
+<file path=ppt/notesSlides/notesSlide17.xml><?xml version="1.0" encoding="utf-8"?>
 <p:notes xmlns:a="http://schemas.openxmlformats.org/drawingml/2006/main" xmlns:r="http://schemas.openxmlformats.org/officeDocument/2006/relationships" xmlns:p="http://schemas.openxmlformats.org/presentationml/2006/main">
   <p:cSld>
     <p:spTree>
@@ -1423,7 +1641,7 @@
           <a:p>
             <a:fld id="{A89C7E07-3C67-C64C-8DA0-0404F6303970}" type="slidenum">
               <a:rPr lang="en-US" smtClean="0"/>
-              <a:t>15</a:t>
+              <a:t>17</a:t>
             </a:fld>
             <a:endParaRPr lang="en-US" dirty="0"/>
           </a:p>
@@ -1442,7 +1660,7 @@
 </p:notes>
 </file>
 
-<file path=ppt/notesSlides/notesSlide16.xml><?xml version="1.0" encoding="utf-8"?>
+<file path=ppt/notesSlides/notesSlide18.xml><?xml version="1.0" encoding="utf-8"?>
 <p:notes xmlns:a="http://schemas.openxmlformats.org/drawingml/2006/main" xmlns:r="http://schemas.openxmlformats.org/officeDocument/2006/relationships" xmlns:p="http://schemas.openxmlformats.org/presentationml/2006/main">
   <p:cSld>
     <p:spTree>
@@ -1531,7 +1749,7 @@
           <a:p>
             <a:fld id="{A89C7E07-3C67-C64C-8DA0-0404F6303970}" type="slidenum">
               <a:rPr lang="en-US" smtClean="0"/>
-              <a:t>16</a:t>
+              <a:t>18</a:t>
             </a:fld>
             <a:endParaRPr lang="en-US" dirty="0"/>
           </a:p>
@@ -1550,7 +1768,7 @@
 </p:notes>
 </file>
 
-<file path=ppt/notesSlides/notesSlide17.xml><?xml version="1.0" encoding="utf-8"?>
+<file path=ppt/notesSlides/notesSlide19.xml><?xml version="1.0" encoding="utf-8"?>
 <p:notes xmlns:a="http://schemas.openxmlformats.org/drawingml/2006/main" xmlns:r="http://schemas.openxmlformats.org/officeDocument/2006/relationships" xmlns:p="http://schemas.openxmlformats.org/presentationml/2006/main">
   <p:cSld>
     <p:spTree>
@@ -1639,7 +1857,7 @@
           <a:p>
             <a:fld id="{A89C7E07-3C67-C64C-8DA0-0404F6303970}" type="slidenum">
               <a:rPr lang="en-US" smtClean="0"/>
-              <a:t>17</a:t>
+              <a:t>19</a:t>
             </a:fld>
             <a:endParaRPr lang="en-US" dirty="0"/>
           </a:p>
@@ -1649,222 +1867,6 @@
     <p:extLst>
       <p:ext uri="{BB962C8B-B14F-4D97-AF65-F5344CB8AC3E}">
         <p14:creationId xmlns:p14="http://schemas.microsoft.com/office/powerpoint/2010/main" val="2957935195"/>
-      </p:ext>
-    </p:extLst>
-  </p:cSld>
-  <p:clrMapOvr>
-    <a:masterClrMapping/>
-  </p:clrMapOvr>
-</p:notes>
-</file>
-
-<file path=ppt/notesSlides/notesSlide18.xml><?xml version="1.0" encoding="utf-8"?>
-<p:notes xmlns:a="http://schemas.openxmlformats.org/drawingml/2006/main" xmlns:r="http://schemas.openxmlformats.org/officeDocument/2006/relationships" xmlns:p="http://schemas.openxmlformats.org/presentationml/2006/main">
-  <p:cSld>
-    <p:spTree>
-      <p:nvGrpSpPr>
-        <p:cNvPr id="1" name="">
-          <a:extLst>
-            <a:ext uri="{FF2B5EF4-FFF2-40B4-BE49-F238E27FC236}">
-              <a16:creationId xmlns:a16="http://schemas.microsoft.com/office/drawing/2014/main" id="{CF3A204D-1A65-EC62-AF18-401E519228C5}"/>
-            </a:ext>
-          </a:extLst>
-        </p:cNvPr>
-        <p:cNvGrpSpPr/>
-        <p:nvPr/>
-      </p:nvGrpSpPr>
-      <p:grpSpPr>
-        <a:xfrm>
-          <a:off x="0" y="0"/>
-          <a:ext cx="0" cy="0"/>
-          <a:chOff x="0" y="0"/>
-          <a:chExt cx="0" cy="0"/>
-        </a:xfrm>
-      </p:grpSpPr>
-      <p:sp>
-        <p:nvSpPr>
-          <p:cNvPr id="2" name="Slide Image Placeholder 1">
-            <a:extLst>
-              <a:ext uri="{FF2B5EF4-FFF2-40B4-BE49-F238E27FC236}">
-                <a16:creationId xmlns:a16="http://schemas.microsoft.com/office/drawing/2014/main" id="{B9257C3D-C468-2687-54B2-8A5C20DFAC4B}"/>
-              </a:ext>
-            </a:extLst>
-          </p:cNvPr>
-          <p:cNvSpPr>
-            <a:spLocks noGrp="1" noRot="1" noChangeAspect="1"/>
-          </p:cNvSpPr>
-          <p:nvPr>
-            <p:ph type="sldImg"/>
-          </p:nvPr>
-        </p:nvSpPr>
-        <p:spPr/>
-      </p:sp>
-      <p:sp>
-        <p:nvSpPr>
-          <p:cNvPr id="3" name="Notes Placeholder 2">
-            <a:extLst>
-              <a:ext uri="{FF2B5EF4-FFF2-40B4-BE49-F238E27FC236}">
-                <a16:creationId xmlns:a16="http://schemas.microsoft.com/office/drawing/2014/main" id="{970826B3-6A52-4D8C-7A1A-AD5B233BCE63}"/>
-              </a:ext>
-            </a:extLst>
-          </p:cNvPr>
-          <p:cNvSpPr>
-            <a:spLocks noGrp="1"/>
-          </p:cNvSpPr>
-          <p:nvPr>
-            <p:ph type="body" idx="1"/>
-          </p:nvPr>
-        </p:nvSpPr>
-        <p:spPr/>
-        <p:txBody>
-          <a:bodyPr/>
-          <a:lstStyle/>
-          <a:p>
-            <a:endParaRPr lang="en-US" dirty="0"/>
-          </a:p>
-        </p:txBody>
-      </p:sp>
-      <p:sp>
-        <p:nvSpPr>
-          <p:cNvPr id="4" name="Slide Number Placeholder 3">
-            <a:extLst>
-              <a:ext uri="{FF2B5EF4-FFF2-40B4-BE49-F238E27FC236}">
-                <a16:creationId xmlns:a16="http://schemas.microsoft.com/office/drawing/2014/main" id="{5FCF8EA4-687C-1172-41F2-D29F778E788F}"/>
-              </a:ext>
-            </a:extLst>
-          </p:cNvPr>
-          <p:cNvSpPr>
-            <a:spLocks noGrp="1"/>
-          </p:cNvSpPr>
-          <p:nvPr>
-            <p:ph type="sldNum" sz="quarter" idx="5"/>
-          </p:nvPr>
-        </p:nvSpPr>
-        <p:spPr/>
-        <p:txBody>
-          <a:bodyPr/>
-          <a:lstStyle/>
-          <a:p>
-            <a:fld id="{A89C7E07-3C67-C64C-8DA0-0404F6303970}" type="slidenum">
-              <a:rPr lang="en-US" smtClean="0"/>
-              <a:t>18</a:t>
-            </a:fld>
-            <a:endParaRPr lang="en-US" dirty="0"/>
-          </a:p>
-        </p:txBody>
-      </p:sp>
-    </p:spTree>
-    <p:extLst>
-      <p:ext uri="{BB962C8B-B14F-4D97-AF65-F5344CB8AC3E}">
-        <p14:creationId xmlns:p14="http://schemas.microsoft.com/office/powerpoint/2010/main" val="923123998"/>
-      </p:ext>
-    </p:extLst>
-  </p:cSld>
-  <p:clrMapOvr>
-    <a:masterClrMapping/>
-  </p:clrMapOvr>
-</p:notes>
-</file>
-
-<file path=ppt/notesSlides/notesSlide19.xml><?xml version="1.0" encoding="utf-8"?>
-<p:notes xmlns:a="http://schemas.openxmlformats.org/drawingml/2006/main" xmlns:r="http://schemas.openxmlformats.org/officeDocument/2006/relationships" xmlns:p="http://schemas.openxmlformats.org/presentationml/2006/main">
-  <p:cSld>
-    <p:spTree>
-      <p:nvGrpSpPr>
-        <p:cNvPr id="1" name="">
-          <a:extLst>
-            <a:ext uri="{FF2B5EF4-FFF2-40B4-BE49-F238E27FC236}">
-              <a16:creationId xmlns:a16="http://schemas.microsoft.com/office/drawing/2014/main" id="{F57390C7-397E-69F4-C928-7BFF5274B508}"/>
-            </a:ext>
-          </a:extLst>
-        </p:cNvPr>
-        <p:cNvGrpSpPr/>
-        <p:nvPr/>
-      </p:nvGrpSpPr>
-      <p:grpSpPr>
-        <a:xfrm>
-          <a:off x="0" y="0"/>
-          <a:ext cx="0" cy="0"/>
-          <a:chOff x="0" y="0"/>
-          <a:chExt cx="0" cy="0"/>
-        </a:xfrm>
-      </p:grpSpPr>
-      <p:sp>
-        <p:nvSpPr>
-          <p:cNvPr id="2" name="Slide Image Placeholder 1">
-            <a:extLst>
-              <a:ext uri="{FF2B5EF4-FFF2-40B4-BE49-F238E27FC236}">
-                <a16:creationId xmlns:a16="http://schemas.microsoft.com/office/drawing/2014/main" id="{6D3B0069-DBB6-C331-83F7-24FBB9F34D7E}"/>
-              </a:ext>
-            </a:extLst>
-          </p:cNvPr>
-          <p:cNvSpPr>
-            <a:spLocks noGrp="1" noRot="1" noChangeAspect="1"/>
-          </p:cNvSpPr>
-          <p:nvPr>
-            <p:ph type="sldImg"/>
-          </p:nvPr>
-        </p:nvSpPr>
-        <p:spPr/>
-      </p:sp>
-      <p:sp>
-        <p:nvSpPr>
-          <p:cNvPr id="3" name="Notes Placeholder 2">
-            <a:extLst>
-              <a:ext uri="{FF2B5EF4-FFF2-40B4-BE49-F238E27FC236}">
-                <a16:creationId xmlns:a16="http://schemas.microsoft.com/office/drawing/2014/main" id="{C5F9D26F-F2F7-4662-BA19-4C6FC358F683}"/>
-              </a:ext>
-            </a:extLst>
-          </p:cNvPr>
-          <p:cNvSpPr>
-            <a:spLocks noGrp="1"/>
-          </p:cNvSpPr>
-          <p:nvPr>
-            <p:ph type="body" idx="1"/>
-          </p:nvPr>
-        </p:nvSpPr>
-        <p:spPr/>
-        <p:txBody>
-          <a:bodyPr/>
-          <a:lstStyle/>
-          <a:p>
-            <a:endParaRPr lang="en-US" dirty="0"/>
-          </a:p>
-        </p:txBody>
-      </p:sp>
-      <p:sp>
-        <p:nvSpPr>
-          <p:cNvPr id="4" name="Slide Number Placeholder 3">
-            <a:extLst>
-              <a:ext uri="{FF2B5EF4-FFF2-40B4-BE49-F238E27FC236}">
-                <a16:creationId xmlns:a16="http://schemas.microsoft.com/office/drawing/2014/main" id="{D6B7A14C-B67F-F658-FE80-5F7D2808F870}"/>
-              </a:ext>
-            </a:extLst>
-          </p:cNvPr>
-          <p:cNvSpPr>
-            <a:spLocks noGrp="1"/>
-          </p:cNvSpPr>
-          <p:nvPr>
-            <p:ph type="sldNum" sz="quarter" idx="5"/>
-          </p:nvPr>
-        </p:nvSpPr>
-        <p:spPr/>
-        <p:txBody>
-          <a:bodyPr/>
-          <a:lstStyle/>
-          <a:p>
-            <a:fld id="{A89C7E07-3C67-C64C-8DA0-0404F6303970}" type="slidenum">
-              <a:rPr lang="en-US" smtClean="0"/>
-              <a:t>19</a:t>
-            </a:fld>
-            <a:endParaRPr lang="en-US" dirty="0"/>
-          </a:p>
-        </p:txBody>
-      </p:sp>
-    </p:spTree>
-    <p:extLst>
-      <p:ext uri="{BB962C8B-B14F-4D97-AF65-F5344CB8AC3E}">
-        <p14:creationId xmlns:p14="http://schemas.microsoft.com/office/powerpoint/2010/main" val="130310241"/>
       </p:ext>
     </p:extLst>
   </p:cSld>
@@ -1990,6 +1992,222 @@
         <p:cNvPr id="1" name="">
           <a:extLst>
             <a:ext uri="{FF2B5EF4-FFF2-40B4-BE49-F238E27FC236}">
+              <a16:creationId xmlns:a16="http://schemas.microsoft.com/office/drawing/2014/main" id="{CF3A204D-1A65-EC62-AF18-401E519228C5}"/>
+            </a:ext>
+          </a:extLst>
+        </p:cNvPr>
+        <p:cNvGrpSpPr/>
+        <p:nvPr/>
+      </p:nvGrpSpPr>
+      <p:grpSpPr>
+        <a:xfrm>
+          <a:off x="0" y="0"/>
+          <a:ext cx="0" cy="0"/>
+          <a:chOff x="0" y="0"/>
+          <a:chExt cx="0" cy="0"/>
+        </a:xfrm>
+      </p:grpSpPr>
+      <p:sp>
+        <p:nvSpPr>
+          <p:cNvPr id="2" name="Slide Image Placeholder 1">
+            <a:extLst>
+              <a:ext uri="{FF2B5EF4-FFF2-40B4-BE49-F238E27FC236}">
+                <a16:creationId xmlns:a16="http://schemas.microsoft.com/office/drawing/2014/main" id="{B9257C3D-C468-2687-54B2-8A5C20DFAC4B}"/>
+              </a:ext>
+            </a:extLst>
+          </p:cNvPr>
+          <p:cNvSpPr>
+            <a:spLocks noGrp="1" noRot="1" noChangeAspect="1"/>
+          </p:cNvSpPr>
+          <p:nvPr>
+            <p:ph type="sldImg"/>
+          </p:nvPr>
+        </p:nvSpPr>
+        <p:spPr/>
+      </p:sp>
+      <p:sp>
+        <p:nvSpPr>
+          <p:cNvPr id="3" name="Notes Placeholder 2">
+            <a:extLst>
+              <a:ext uri="{FF2B5EF4-FFF2-40B4-BE49-F238E27FC236}">
+                <a16:creationId xmlns:a16="http://schemas.microsoft.com/office/drawing/2014/main" id="{970826B3-6A52-4D8C-7A1A-AD5B233BCE63}"/>
+              </a:ext>
+            </a:extLst>
+          </p:cNvPr>
+          <p:cNvSpPr>
+            <a:spLocks noGrp="1"/>
+          </p:cNvSpPr>
+          <p:nvPr>
+            <p:ph type="body" idx="1"/>
+          </p:nvPr>
+        </p:nvSpPr>
+        <p:spPr/>
+        <p:txBody>
+          <a:bodyPr/>
+          <a:lstStyle/>
+          <a:p>
+            <a:endParaRPr lang="en-US" dirty="0"/>
+          </a:p>
+        </p:txBody>
+      </p:sp>
+      <p:sp>
+        <p:nvSpPr>
+          <p:cNvPr id="4" name="Slide Number Placeholder 3">
+            <a:extLst>
+              <a:ext uri="{FF2B5EF4-FFF2-40B4-BE49-F238E27FC236}">
+                <a16:creationId xmlns:a16="http://schemas.microsoft.com/office/drawing/2014/main" id="{5FCF8EA4-687C-1172-41F2-D29F778E788F}"/>
+              </a:ext>
+            </a:extLst>
+          </p:cNvPr>
+          <p:cNvSpPr>
+            <a:spLocks noGrp="1"/>
+          </p:cNvSpPr>
+          <p:nvPr>
+            <p:ph type="sldNum" sz="quarter" idx="5"/>
+          </p:nvPr>
+        </p:nvSpPr>
+        <p:spPr/>
+        <p:txBody>
+          <a:bodyPr/>
+          <a:lstStyle/>
+          <a:p>
+            <a:fld id="{A89C7E07-3C67-C64C-8DA0-0404F6303970}" type="slidenum">
+              <a:rPr lang="en-US" smtClean="0"/>
+              <a:t>20</a:t>
+            </a:fld>
+            <a:endParaRPr lang="en-US" dirty="0"/>
+          </a:p>
+        </p:txBody>
+      </p:sp>
+    </p:spTree>
+    <p:extLst>
+      <p:ext uri="{BB962C8B-B14F-4D97-AF65-F5344CB8AC3E}">
+        <p14:creationId xmlns:p14="http://schemas.microsoft.com/office/powerpoint/2010/main" val="923123998"/>
+      </p:ext>
+    </p:extLst>
+  </p:cSld>
+  <p:clrMapOvr>
+    <a:masterClrMapping/>
+  </p:clrMapOvr>
+</p:notes>
+</file>
+
+<file path=ppt/notesSlides/notesSlide21.xml><?xml version="1.0" encoding="utf-8"?>
+<p:notes xmlns:a="http://schemas.openxmlformats.org/drawingml/2006/main" xmlns:r="http://schemas.openxmlformats.org/officeDocument/2006/relationships" xmlns:p="http://schemas.openxmlformats.org/presentationml/2006/main">
+  <p:cSld>
+    <p:spTree>
+      <p:nvGrpSpPr>
+        <p:cNvPr id="1" name="">
+          <a:extLst>
+            <a:ext uri="{FF2B5EF4-FFF2-40B4-BE49-F238E27FC236}">
+              <a16:creationId xmlns:a16="http://schemas.microsoft.com/office/drawing/2014/main" id="{F57390C7-397E-69F4-C928-7BFF5274B508}"/>
+            </a:ext>
+          </a:extLst>
+        </p:cNvPr>
+        <p:cNvGrpSpPr/>
+        <p:nvPr/>
+      </p:nvGrpSpPr>
+      <p:grpSpPr>
+        <a:xfrm>
+          <a:off x="0" y="0"/>
+          <a:ext cx="0" cy="0"/>
+          <a:chOff x="0" y="0"/>
+          <a:chExt cx="0" cy="0"/>
+        </a:xfrm>
+      </p:grpSpPr>
+      <p:sp>
+        <p:nvSpPr>
+          <p:cNvPr id="2" name="Slide Image Placeholder 1">
+            <a:extLst>
+              <a:ext uri="{FF2B5EF4-FFF2-40B4-BE49-F238E27FC236}">
+                <a16:creationId xmlns:a16="http://schemas.microsoft.com/office/drawing/2014/main" id="{6D3B0069-DBB6-C331-83F7-24FBB9F34D7E}"/>
+              </a:ext>
+            </a:extLst>
+          </p:cNvPr>
+          <p:cNvSpPr>
+            <a:spLocks noGrp="1" noRot="1" noChangeAspect="1"/>
+          </p:cNvSpPr>
+          <p:nvPr>
+            <p:ph type="sldImg"/>
+          </p:nvPr>
+        </p:nvSpPr>
+        <p:spPr/>
+      </p:sp>
+      <p:sp>
+        <p:nvSpPr>
+          <p:cNvPr id="3" name="Notes Placeholder 2">
+            <a:extLst>
+              <a:ext uri="{FF2B5EF4-FFF2-40B4-BE49-F238E27FC236}">
+                <a16:creationId xmlns:a16="http://schemas.microsoft.com/office/drawing/2014/main" id="{C5F9D26F-F2F7-4662-BA19-4C6FC358F683}"/>
+              </a:ext>
+            </a:extLst>
+          </p:cNvPr>
+          <p:cNvSpPr>
+            <a:spLocks noGrp="1"/>
+          </p:cNvSpPr>
+          <p:nvPr>
+            <p:ph type="body" idx="1"/>
+          </p:nvPr>
+        </p:nvSpPr>
+        <p:spPr/>
+        <p:txBody>
+          <a:bodyPr/>
+          <a:lstStyle/>
+          <a:p>
+            <a:endParaRPr lang="en-US" dirty="0"/>
+          </a:p>
+        </p:txBody>
+      </p:sp>
+      <p:sp>
+        <p:nvSpPr>
+          <p:cNvPr id="4" name="Slide Number Placeholder 3">
+            <a:extLst>
+              <a:ext uri="{FF2B5EF4-FFF2-40B4-BE49-F238E27FC236}">
+                <a16:creationId xmlns:a16="http://schemas.microsoft.com/office/drawing/2014/main" id="{D6B7A14C-B67F-F658-FE80-5F7D2808F870}"/>
+              </a:ext>
+            </a:extLst>
+          </p:cNvPr>
+          <p:cNvSpPr>
+            <a:spLocks noGrp="1"/>
+          </p:cNvSpPr>
+          <p:nvPr>
+            <p:ph type="sldNum" sz="quarter" idx="5"/>
+          </p:nvPr>
+        </p:nvSpPr>
+        <p:spPr/>
+        <p:txBody>
+          <a:bodyPr/>
+          <a:lstStyle/>
+          <a:p>
+            <a:fld id="{A89C7E07-3C67-C64C-8DA0-0404F6303970}" type="slidenum">
+              <a:rPr lang="en-US" smtClean="0"/>
+              <a:t>21</a:t>
+            </a:fld>
+            <a:endParaRPr lang="en-US" dirty="0"/>
+          </a:p>
+        </p:txBody>
+      </p:sp>
+    </p:spTree>
+    <p:extLst>
+      <p:ext uri="{BB962C8B-B14F-4D97-AF65-F5344CB8AC3E}">
+        <p14:creationId xmlns:p14="http://schemas.microsoft.com/office/powerpoint/2010/main" val="130310241"/>
+      </p:ext>
+    </p:extLst>
+  </p:cSld>
+  <p:clrMapOvr>
+    <a:masterClrMapping/>
+  </p:clrMapOvr>
+</p:notes>
+</file>
+
+<file path=ppt/notesSlides/notesSlide22.xml><?xml version="1.0" encoding="utf-8"?>
+<p:notes xmlns:a="http://schemas.openxmlformats.org/drawingml/2006/main" xmlns:r="http://schemas.openxmlformats.org/officeDocument/2006/relationships" xmlns:p="http://schemas.openxmlformats.org/presentationml/2006/main">
+  <p:cSld>
+    <p:spTree>
+      <p:nvGrpSpPr>
+        <p:cNvPr id="1" name="">
+          <a:extLst>
+            <a:ext uri="{FF2B5EF4-FFF2-40B4-BE49-F238E27FC236}">
               <a16:creationId xmlns:a16="http://schemas.microsoft.com/office/drawing/2014/main" id="{91AF614A-AE29-D14A-6F55-CC343A704343}"/>
             </a:ext>
           </a:extLst>
@@ -2071,7 +2289,7 @@
           <a:p>
             <a:fld id="{A89C7E07-3C67-C64C-8DA0-0404F6303970}" type="slidenum">
               <a:rPr lang="en-US" smtClean="0"/>
-              <a:t>20</a:t>
+              <a:t>22</a:t>
             </a:fld>
             <a:endParaRPr lang="en-US" dirty="0"/>
           </a:p>
@@ -2090,7 +2308,7 @@
 </p:notes>
 </file>
 
-<file path=ppt/notesSlides/notesSlide21.xml><?xml version="1.0" encoding="utf-8"?>
+<file path=ppt/notesSlides/notesSlide23.xml><?xml version="1.0" encoding="utf-8"?>
 <p:notes xmlns:a="http://schemas.openxmlformats.org/drawingml/2006/main" xmlns:r="http://schemas.openxmlformats.org/officeDocument/2006/relationships" xmlns:p="http://schemas.openxmlformats.org/presentationml/2006/main">
   <p:cSld>
     <p:spTree>
@@ -2179,7 +2397,7 @@
           <a:p>
             <a:fld id="{A89C7E07-3C67-C64C-8DA0-0404F6303970}" type="slidenum">
               <a:rPr lang="en-US" smtClean="0"/>
-              <a:t>21</a:t>
+              <a:t>23</a:t>
             </a:fld>
             <a:endParaRPr lang="en-US" dirty="0"/>
           </a:p>
@@ -2198,7 +2416,7 @@
 </p:notes>
 </file>
 
-<file path=ppt/notesSlides/notesSlide22.xml><?xml version="1.0" encoding="utf-8"?>
+<file path=ppt/notesSlides/notesSlide24.xml><?xml version="1.0" encoding="utf-8"?>
 <p:notes xmlns:a="http://schemas.openxmlformats.org/drawingml/2006/main" xmlns:r="http://schemas.openxmlformats.org/officeDocument/2006/relationships" xmlns:p="http://schemas.openxmlformats.org/presentationml/2006/main">
   <p:cSld>
     <p:spTree>
@@ -2287,7 +2505,7 @@
           <a:p>
             <a:fld id="{A89C7E07-3C67-C64C-8DA0-0404F6303970}" type="slidenum">
               <a:rPr lang="en-US" smtClean="0"/>
-              <a:t>22</a:t>
+              <a:t>24</a:t>
             </a:fld>
             <a:endParaRPr lang="en-US" dirty="0"/>
           </a:p>
@@ -2297,222 +2515,6 @@
     <p:extLst>
       <p:ext uri="{BB962C8B-B14F-4D97-AF65-F5344CB8AC3E}">
         <p14:creationId xmlns:p14="http://schemas.microsoft.com/office/powerpoint/2010/main" val="1899486461"/>
-      </p:ext>
-    </p:extLst>
-  </p:cSld>
-  <p:clrMapOvr>
-    <a:masterClrMapping/>
-  </p:clrMapOvr>
-</p:notes>
-</file>
-
-<file path=ppt/notesSlides/notesSlide23.xml><?xml version="1.0" encoding="utf-8"?>
-<p:notes xmlns:a="http://schemas.openxmlformats.org/drawingml/2006/main" xmlns:r="http://schemas.openxmlformats.org/officeDocument/2006/relationships" xmlns:p="http://schemas.openxmlformats.org/presentationml/2006/main">
-  <p:cSld>
-    <p:spTree>
-      <p:nvGrpSpPr>
-        <p:cNvPr id="1" name="">
-          <a:extLst>
-            <a:ext uri="{FF2B5EF4-FFF2-40B4-BE49-F238E27FC236}">
-              <a16:creationId xmlns:a16="http://schemas.microsoft.com/office/drawing/2014/main" id="{4B188394-2DE8-8955-EC7E-8EA88C94412C}"/>
-            </a:ext>
-          </a:extLst>
-        </p:cNvPr>
-        <p:cNvGrpSpPr/>
-        <p:nvPr/>
-      </p:nvGrpSpPr>
-      <p:grpSpPr>
-        <a:xfrm>
-          <a:off x="0" y="0"/>
-          <a:ext cx="0" cy="0"/>
-          <a:chOff x="0" y="0"/>
-          <a:chExt cx="0" cy="0"/>
-        </a:xfrm>
-      </p:grpSpPr>
-      <p:sp>
-        <p:nvSpPr>
-          <p:cNvPr id="2" name="Slide Image Placeholder 1">
-            <a:extLst>
-              <a:ext uri="{FF2B5EF4-FFF2-40B4-BE49-F238E27FC236}">
-                <a16:creationId xmlns:a16="http://schemas.microsoft.com/office/drawing/2014/main" id="{50741C93-42CC-E952-0DAE-ABECC3EEB934}"/>
-              </a:ext>
-            </a:extLst>
-          </p:cNvPr>
-          <p:cNvSpPr>
-            <a:spLocks noGrp="1" noRot="1" noChangeAspect="1"/>
-          </p:cNvSpPr>
-          <p:nvPr>
-            <p:ph type="sldImg"/>
-          </p:nvPr>
-        </p:nvSpPr>
-        <p:spPr/>
-      </p:sp>
-      <p:sp>
-        <p:nvSpPr>
-          <p:cNvPr id="3" name="Notes Placeholder 2">
-            <a:extLst>
-              <a:ext uri="{FF2B5EF4-FFF2-40B4-BE49-F238E27FC236}">
-                <a16:creationId xmlns:a16="http://schemas.microsoft.com/office/drawing/2014/main" id="{A5AD0025-037C-007C-9118-ECDB0482FE4B}"/>
-              </a:ext>
-            </a:extLst>
-          </p:cNvPr>
-          <p:cNvSpPr>
-            <a:spLocks noGrp="1"/>
-          </p:cNvSpPr>
-          <p:nvPr>
-            <p:ph type="body" idx="1"/>
-          </p:nvPr>
-        </p:nvSpPr>
-        <p:spPr/>
-        <p:txBody>
-          <a:bodyPr/>
-          <a:lstStyle/>
-          <a:p>
-            <a:endParaRPr lang="en-US" dirty="0"/>
-          </a:p>
-        </p:txBody>
-      </p:sp>
-      <p:sp>
-        <p:nvSpPr>
-          <p:cNvPr id="4" name="Slide Number Placeholder 3">
-            <a:extLst>
-              <a:ext uri="{FF2B5EF4-FFF2-40B4-BE49-F238E27FC236}">
-                <a16:creationId xmlns:a16="http://schemas.microsoft.com/office/drawing/2014/main" id="{D9D833E8-3A0E-491E-8D9D-2C51A3C76D4A}"/>
-              </a:ext>
-            </a:extLst>
-          </p:cNvPr>
-          <p:cNvSpPr>
-            <a:spLocks noGrp="1"/>
-          </p:cNvSpPr>
-          <p:nvPr>
-            <p:ph type="sldNum" sz="quarter" idx="5"/>
-          </p:nvPr>
-        </p:nvSpPr>
-        <p:spPr/>
-        <p:txBody>
-          <a:bodyPr/>
-          <a:lstStyle/>
-          <a:p>
-            <a:fld id="{A89C7E07-3C67-C64C-8DA0-0404F6303970}" type="slidenum">
-              <a:rPr lang="en-US" smtClean="0"/>
-              <a:t>23</a:t>
-            </a:fld>
-            <a:endParaRPr lang="en-US" dirty="0"/>
-          </a:p>
-        </p:txBody>
-      </p:sp>
-    </p:spTree>
-    <p:extLst>
-      <p:ext uri="{BB962C8B-B14F-4D97-AF65-F5344CB8AC3E}">
-        <p14:creationId xmlns:p14="http://schemas.microsoft.com/office/powerpoint/2010/main" val="1107272112"/>
-      </p:ext>
-    </p:extLst>
-  </p:cSld>
-  <p:clrMapOvr>
-    <a:masterClrMapping/>
-  </p:clrMapOvr>
-</p:notes>
-</file>
-
-<file path=ppt/notesSlides/notesSlide24.xml><?xml version="1.0" encoding="utf-8"?>
-<p:notes xmlns:a="http://schemas.openxmlformats.org/drawingml/2006/main" xmlns:r="http://schemas.openxmlformats.org/officeDocument/2006/relationships" xmlns:p="http://schemas.openxmlformats.org/presentationml/2006/main">
-  <p:cSld>
-    <p:spTree>
-      <p:nvGrpSpPr>
-        <p:cNvPr id="1" name="">
-          <a:extLst>
-            <a:ext uri="{FF2B5EF4-FFF2-40B4-BE49-F238E27FC236}">
-              <a16:creationId xmlns:a16="http://schemas.microsoft.com/office/drawing/2014/main" id="{2E90AD87-F3BF-F90E-4F0B-2430CB3FC207}"/>
-            </a:ext>
-          </a:extLst>
-        </p:cNvPr>
-        <p:cNvGrpSpPr/>
-        <p:nvPr/>
-      </p:nvGrpSpPr>
-      <p:grpSpPr>
-        <a:xfrm>
-          <a:off x="0" y="0"/>
-          <a:ext cx="0" cy="0"/>
-          <a:chOff x="0" y="0"/>
-          <a:chExt cx="0" cy="0"/>
-        </a:xfrm>
-      </p:grpSpPr>
-      <p:sp>
-        <p:nvSpPr>
-          <p:cNvPr id="2" name="Slide Image Placeholder 1">
-            <a:extLst>
-              <a:ext uri="{FF2B5EF4-FFF2-40B4-BE49-F238E27FC236}">
-                <a16:creationId xmlns:a16="http://schemas.microsoft.com/office/drawing/2014/main" id="{7527A050-F530-0D78-C881-D0E2FCB100BE}"/>
-              </a:ext>
-            </a:extLst>
-          </p:cNvPr>
-          <p:cNvSpPr>
-            <a:spLocks noGrp="1" noRot="1" noChangeAspect="1"/>
-          </p:cNvSpPr>
-          <p:nvPr>
-            <p:ph type="sldImg"/>
-          </p:nvPr>
-        </p:nvSpPr>
-        <p:spPr/>
-      </p:sp>
-      <p:sp>
-        <p:nvSpPr>
-          <p:cNvPr id="3" name="Notes Placeholder 2">
-            <a:extLst>
-              <a:ext uri="{FF2B5EF4-FFF2-40B4-BE49-F238E27FC236}">
-                <a16:creationId xmlns:a16="http://schemas.microsoft.com/office/drawing/2014/main" id="{D0A50B65-5D52-F269-243F-7BA17AF3849D}"/>
-              </a:ext>
-            </a:extLst>
-          </p:cNvPr>
-          <p:cNvSpPr>
-            <a:spLocks noGrp="1"/>
-          </p:cNvSpPr>
-          <p:nvPr>
-            <p:ph type="body" idx="1"/>
-          </p:nvPr>
-        </p:nvSpPr>
-        <p:spPr/>
-        <p:txBody>
-          <a:bodyPr/>
-          <a:lstStyle/>
-          <a:p>
-            <a:endParaRPr lang="en-US" dirty="0"/>
-          </a:p>
-        </p:txBody>
-      </p:sp>
-      <p:sp>
-        <p:nvSpPr>
-          <p:cNvPr id="4" name="Slide Number Placeholder 3">
-            <a:extLst>
-              <a:ext uri="{FF2B5EF4-FFF2-40B4-BE49-F238E27FC236}">
-                <a16:creationId xmlns:a16="http://schemas.microsoft.com/office/drawing/2014/main" id="{AB66D066-011D-95F5-2703-A9794B27436A}"/>
-              </a:ext>
-            </a:extLst>
-          </p:cNvPr>
-          <p:cNvSpPr>
-            <a:spLocks noGrp="1"/>
-          </p:cNvSpPr>
-          <p:nvPr>
-            <p:ph type="sldNum" sz="quarter" idx="5"/>
-          </p:nvPr>
-        </p:nvSpPr>
-        <p:spPr/>
-        <p:txBody>
-          <a:bodyPr/>
-          <a:lstStyle/>
-          <a:p>
-            <a:fld id="{A89C7E07-3C67-C64C-8DA0-0404F6303970}" type="slidenum">
-              <a:rPr lang="en-US" smtClean="0"/>
-              <a:t>24</a:t>
-            </a:fld>
-            <a:endParaRPr lang="en-US" dirty="0"/>
-          </a:p>
-        </p:txBody>
-      </p:sp>
-    </p:spTree>
-    <p:extLst>
-      <p:ext uri="{BB962C8B-B14F-4D97-AF65-F5344CB8AC3E}">
-        <p14:creationId xmlns:p14="http://schemas.microsoft.com/office/powerpoint/2010/main" val="1377476220"/>
       </p:ext>
     </p:extLst>
   </p:cSld>
@@ -2620,7 +2622,7 @@
     </p:spTree>
     <p:extLst>
       <p:ext uri="{BB962C8B-B14F-4D97-AF65-F5344CB8AC3E}">
-        <p14:creationId xmlns:p14="http://schemas.microsoft.com/office/powerpoint/2010/main" val="1555953486"/>
+        <p14:creationId xmlns:p14="http://schemas.microsoft.com/office/powerpoint/2010/main" val="1107272112"/>
       </p:ext>
     </p:extLst>
   </p:cSld>
@@ -2638,7 +2640,7 @@
         <p:cNvPr id="1" name="">
           <a:extLst>
             <a:ext uri="{FF2B5EF4-FFF2-40B4-BE49-F238E27FC236}">
-              <a16:creationId xmlns:a16="http://schemas.microsoft.com/office/drawing/2014/main" id="{CBC0C936-C53B-6381-911D-88871613CF38}"/>
+              <a16:creationId xmlns:a16="http://schemas.microsoft.com/office/drawing/2014/main" id="{2E90AD87-F3BF-F90E-4F0B-2430CB3FC207}"/>
             </a:ext>
           </a:extLst>
         </p:cNvPr>
@@ -2658,7 +2660,7 @@
           <p:cNvPr id="2" name="Slide Image Placeholder 1">
             <a:extLst>
               <a:ext uri="{FF2B5EF4-FFF2-40B4-BE49-F238E27FC236}">
-                <a16:creationId xmlns:a16="http://schemas.microsoft.com/office/drawing/2014/main" id="{6775552C-1B8A-4F5B-5358-B4C5BD7766CA}"/>
+                <a16:creationId xmlns:a16="http://schemas.microsoft.com/office/drawing/2014/main" id="{7527A050-F530-0D78-C881-D0E2FCB100BE}"/>
               </a:ext>
             </a:extLst>
           </p:cNvPr>
@@ -2676,7 +2678,7 @@
           <p:cNvPr id="3" name="Notes Placeholder 2">
             <a:extLst>
               <a:ext uri="{FF2B5EF4-FFF2-40B4-BE49-F238E27FC236}">
-                <a16:creationId xmlns:a16="http://schemas.microsoft.com/office/drawing/2014/main" id="{441DF741-CE66-4380-140D-64E54EB726A5}"/>
+                <a16:creationId xmlns:a16="http://schemas.microsoft.com/office/drawing/2014/main" id="{D0A50B65-5D52-F269-243F-7BA17AF3849D}"/>
               </a:ext>
             </a:extLst>
           </p:cNvPr>
@@ -2701,7 +2703,7 @@
           <p:cNvPr id="4" name="Slide Number Placeholder 3">
             <a:extLst>
               <a:ext uri="{FF2B5EF4-FFF2-40B4-BE49-F238E27FC236}">
-                <a16:creationId xmlns:a16="http://schemas.microsoft.com/office/drawing/2014/main" id="{F725769C-31BC-E03F-F967-0C5851DC0AC5}"/>
+                <a16:creationId xmlns:a16="http://schemas.microsoft.com/office/drawing/2014/main" id="{AB66D066-011D-95F5-2703-A9794B27436A}"/>
               </a:ext>
             </a:extLst>
           </p:cNvPr>
@@ -2728,7 +2730,7 @@
     </p:spTree>
     <p:extLst>
       <p:ext uri="{BB962C8B-B14F-4D97-AF65-F5344CB8AC3E}">
-        <p14:creationId xmlns:p14="http://schemas.microsoft.com/office/powerpoint/2010/main" val="3768974038"/>
+        <p14:creationId xmlns:p14="http://schemas.microsoft.com/office/powerpoint/2010/main" val="1377476220"/>
       </p:ext>
     </p:extLst>
   </p:cSld>
@@ -2836,7 +2838,7 @@
     </p:spTree>
     <p:extLst>
       <p:ext uri="{BB962C8B-B14F-4D97-AF65-F5344CB8AC3E}">
-        <p14:creationId xmlns:p14="http://schemas.microsoft.com/office/powerpoint/2010/main" val="2457231263"/>
+        <p14:creationId xmlns:p14="http://schemas.microsoft.com/office/powerpoint/2010/main" val="1555953486"/>
       </p:ext>
     </p:extLst>
   </p:cSld>
@@ -2854,7 +2856,7 @@
         <p:cNvPr id="1" name="">
           <a:extLst>
             <a:ext uri="{FF2B5EF4-FFF2-40B4-BE49-F238E27FC236}">
-              <a16:creationId xmlns:a16="http://schemas.microsoft.com/office/drawing/2014/main" id="{4B188394-2DE8-8955-EC7E-8EA88C94412C}"/>
+              <a16:creationId xmlns:a16="http://schemas.microsoft.com/office/drawing/2014/main" id="{CBC0C936-C53B-6381-911D-88871613CF38}"/>
             </a:ext>
           </a:extLst>
         </p:cNvPr>
@@ -2874,7 +2876,7 @@
           <p:cNvPr id="2" name="Slide Image Placeholder 1">
             <a:extLst>
               <a:ext uri="{FF2B5EF4-FFF2-40B4-BE49-F238E27FC236}">
-                <a16:creationId xmlns:a16="http://schemas.microsoft.com/office/drawing/2014/main" id="{50741C93-42CC-E952-0DAE-ABECC3EEB934}"/>
+                <a16:creationId xmlns:a16="http://schemas.microsoft.com/office/drawing/2014/main" id="{6775552C-1B8A-4F5B-5358-B4C5BD7766CA}"/>
               </a:ext>
             </a:extLst>
           </p:cNvPr>
@@ -2892,7 +2894,7 @@
           <p:cNvPr id="3" name="Notes Placeholder 2">
             <a:extLst>
               <a:ext uri="{FF2B5EF4-FFF2-40B4-BE49-F238E27FC236}">
-                <a16:creationId xmlns:a16="http://schemas.microsoft.com/office/drawing/2014/main" id="{A5AD0025-037C-007C-9118-ECDB0482FE4B}"/>
+                <a16:creationId xmlns:a16="http://schemas.microsoft.com/office/drawing/2014/main" id="{441DF741-CE66-4380-140D-64E54EB726A5}"/>
               </a:ext>
             </a:extLst>
           </p:cNvPr>
@@ -2917,7 +2919,7 @@
           <p:cNvPr id="4" name="Slide Number Placeholder 3">
             <a:extLst>
               <a:ext uri="{FF2B5EF4-FFF2-40B4-BE49-F238E27FC236}">
-                <a16:creationId xmlns:a16="http://schemas.microsoft.com/office/drawing/2014/main" id="{D9D833E8-3A0E-491E-8D9D-2C51A3C76D4A}"/>
+                <a16:creationId xmlns:a16="http://schemas.microsoft.com/office/drawing/2014/main" id="{F725769C-31BC-E03F-F967-0C5851DC0AC5}"/>
               </a:ext>
             </a:extLst>
           </p:cNvPr>
@@ -2944,7 +2946,7 @@
     </p:spTree>
     <p:extLst>
       <p:ext uri="{BB962C8B-B14F-4D97-AF65-F5344CB8AC3E}">
-        <p14:creationId xmlns:p14="http://schemas.microsoft.com/office/powerpoint/2010/main" val="3918293095"/>
+        <p14:creationId xmlns:p14="http://schemas.microsoft.com/office/powerpoint/2010/main" val="3768974038"/>
       </p:ext>
     </p:extLst>
   </p:cSld>
@@ -3052,7 +3054,7 @@
     </p:spTree>
     <p:extLst>
       <p:ext uri="{BB962C8B-B14F-4D97-AF65-F5344CB8AC3E}">
-        <p14:creationId xmlns:p14="http://schemas.microsoft.com/office/powerpoint/2010/main" val="789088456"/>
+        <p14:creationId xmlns:p14="http://schemas.microsoft.com/office/powerpoint/2010/main" val="2457231263"/>
       </p:ext>
     </p:extLst>
   </p:cSld>
@@ -3151,6 +3153,222 @@
   <p:cSld>
     <p:spTree>
       <p:nvGrpSpPr>
+        <p:cNvPr id="1" name="">
+          <a:extLst>
+            <a:ext uri="{FF2B5EF4-FFF2-40B4-BE49-F238E27FC236}">
+              <a16:creationId xmlns:a16="http://schemas.microsoft.com/office/drawing/2014/main" id="{4B188394-2DE8-8955-EC7E-8EA88C94412C}"/>
+            </a:ext>
+          </a:extLst>
+        </p:cNvPr>
+        <p:cNvGrpSpPr/>
+        <p:nvPr/>
+      </p:nvGrpSpPr>
+      <p:grpSpPr>
+        <a:xfrm>
+          <a:off x="0" y="0"/>
+          <a:ext cx="0" cy="0"/>
+          <a:chOff x="0" y="0"/>
+          <a:chExt cx="0" cy="0"/>
+        </a:xfrm>
+      </p:grpSpPr>
+      <p:sp>
+        <p:nvSpPr>
+          <p:cNvPr id="2" name="Slide Image Placeholder 1">
+            <a:extLst>
+              <a:ext uri="{FF2B5EF4-FFF2-40B4-BE49-F238E27FC236}">
+                <a16:creationId xmlns:a16="http://schemas.microsoft.com/office/drawing/2014/main" id="{50741C93-42CC-E952-0DAE-ABECC3EEB934}"/>
+              </a:ext>
+            </a:extLst>
+          </p:cNvPr>
+          <p:cNvSpPr>
+            <a:spLocks noGrp="1" noRot="1" noChangeAspect="1"/>
+          </p:cNvSpPr>
+          <p:nvPr>
+            <p:ph type="sldImg"/>
+          </p:nvPr>
+        </p:nvSpPr>
+        <p:spPr/>
+      </p:sp>
+      <p:sp>
+        <p:nvSpPr>
+          <p:cNvPr id="3" name="Notes Placeholder 2">
+            <a:extLst>
+              <a:ext uri="{FF2B5EF4-FFF2-40B4-BE49-F238E27FC236}">
+                <a16:creationId xmlns:a16="http://schemas.microsoft.com/office/drawing/2014/main" id="{A5AD0025-037C-007C-9118-ECDB0482FE4B}"/>
+              </a:ext>
+            </a:extLst>
+          </p:cNvPr>
+          <p:cNvSpPr>
+            <a:spLocks noGrp="1"/>
+          </p:cNvSpPr>
+          <p:nvPr>
+            <p:ph type="body" idx="1"/>
+          </p:nvPr>
+        </p:nvSpPr>
+        <p:spPr/>
+        <p:txBody>
+          <a:bodyPr/>
+          <a:lstStyle/>
+          <a:p>
+            <a:endParaRPr lang="en-US" dirty="0"/>
+          </a:p>
+        </p:txBody>
+      </p:sp>
+      <p:sp>
+        <p:nvSpPr>
+          <p:cNvPr id="4" name="Slide Number Placeholder 3">
+            <a:extLst>
+              <a:ext uri="{FF2B5EF4-FFF2-40B4-BE49-F238E27FC236}">
+                <a16:creationId xmlns:a16="http://schemas.microsoft.com/office/drawing/2014/main" id="{D9D833E8-3A0E-491E-8D9D-2C51A3C76D4A}"/>
+              </a:ext>
+            </a:extLst>
+          </p:cNvPr>
+          <p:cNvSpPr>
+            <a:spLocks noGrp="1"/>
+          </p:cNvSpPr>
+          <p:nvPr>
+            <p:ph type="sldNum" sz="quarter" idx="5"/>
+          </p:nvPr>
+        </p:nvSpPr>
+        <p:spPr/>
+        <p:txBody>
+          <a:bodyPr/>
+          <a:lstStyle/>
+          <a:p>
+            <a:fld id="{A89C7E07-3C67-C64C-8DA0-0404F6303970}" type="slidenum">
+              <a:rPr lang="en-US" smtClean="0"/>
+              <a:t>30</a:t>
+            </a:fld>
+            <a:endParaRPr lang="en-US" dirty="0"/>
+          </a:p>
+        </p:txBody>
+      </p:sp>
+    </p:spTree>
+    <p:extLst>
+      <p:ext uri="{BB962C8B-B14F-4D97-AF65-F5344CB8AC3E}">
+        <p14:creationId xmlns:p14="http://schemas.microsoft.com/office/powerpoint/2010/main" val="3918293095"/>
+      </p:ext>
+    </p:extLst>
+  </p:cSld>
+  <p:clrMapOvr>
+    <a:masterClrMapping/>
+  </p:clrMapOvr>
+</p:notes>
+</file>
+
+<file path=ppt/notesSlides/notesSlide31.xml><?xml version="1.0" encoding="utf-8"?>
+<p:notes xmlns:a="http://schemas.openxmlformats.org/drawingml/2006/main" xmlns:r="http://schemas.openxmlformats.org/officeDocument/2006/relationships" xmlns:p="http://schemas.openxmlformats.org/presentationml/2006/main">
+  <p:cSld>
+    <p:spTree>
+      <p:nvGrpSpPr>
+        <p:cNvPr id="1" name="">
+          <a:extLst>
+            <a:ext uri="{FF2B5EF4-FFF2-40B4-BE49-F238E27FC236}">
+              <a16:creationId xmlns:a16="http://schemas.microsoft.com/office/drawing/2014/main" id="{4B188394-2DE8-8955-EC7E-8EA88C94412C}"/>
+            </a:ext>
+          </a:extLst>
+        </p:cNvPr>
+        <p:cNvGrpSpPr/>
+        <p:nvPr/>
+      </p:nvGrpSpPr>
+      <p:grpSpPr>
+        <a:xfrm>
+          <a:off x="0" y="0"/>
+          <a:ext cx="0" cy="0"/>
+          <a:chOff x="0" y="0"/>
+          <a:chExt cx="0" cy="0"/>
+        </a:xfrm>
+      </p:grpSpPr>
+      <p:sp>
+        <p:nvSpPr>
+          <p:cNvPr id="2" name="Slide Image Placeholder 1">
+            <a:extLst>
+              <a:ext uri="{FF2B5EF4-FFF2-40B4-BE49-F238E27FC236}">
+                <a16:creationId xmlns:a16="http://schemas.microsoft.com/office/drawing/2014/main" id="{50741C93-42CC-E952-0DAE-ABECC3EEB934}"/>
+              </a:ext>
+            </a:extLst>
+          </p:cNvPr>
+          <p:cNvSpPr>
+            <a:spLocks noGrp="1" noRot="1" noChangeAspect="1"/>
+          </p:cNvSpPr>
+          <p:nvPr>
+            <p:ph type="sldImg"/>
+          </p:nvPr>
+        </p:nvSpPr>
+        <p:spPr/>
+      </p:sp>
+      <p:sp>
+        <p:nvSpPr>
+          <p:cNvPr id="3" name="Notes Placeholder 2">
+            <a:extLst>
+              <a:ext uri="{FF2B5EF4-FFF2-40B4-BE49-F238E27FC236}">
+                <a16:creationId xmlns:a16="http://schemas.microsoft.com/office/drawing/2014/main" id="{A5AD0025-037C-007C-9118-ECDB0482FE4B}"/>
+              </a:ext>
+            </a:extLst>
+          </p:cNvPr>
+          <p:cNvSpPr>
+            <a:spLocks noGrp="1"/>
+          </p:cNvSpPr>
+          <p:nvPr>
+            <p:ph type="body" idx="1"/>
+          </p:nvPr>
+        </p:nvSpPr>
+        <p:spPr/>
+        <p:txBody>
+          <a:bodyPr/>
+          <a:lstStyle/>
+          <a:p>
+            <a:endParaRPr lang="en-US" dirty="0"/>
+          </a:p>
+        </p:txBody>
+      </p:sp>
+      <p:sp>
+        <p:nvSpPr>
+          <p:cNvPr id="4" name="Slide Number Placeholder 3">
+            <a:extLst>
+              <a:ext uri="{FF2B5EF4-FFF2-40B4-BE49-F238E27FC236}">
+                <a16:creationId xmlns:a16="http://schemas.microsoft.com/office/drawing/2014/main" id="{D9D833E8-3A0E-491E-8D9D-2C51A3C76D4A}"/>
+              </a:ext>
+            </a:extLst>
+          </p:cNvPr>
+          <p:cNvSpPr>
+            <a:spLocks noGrp="1"/>
+          </p:cNvSpPr>
+          <p:nvPr>
+            <p:ph type="sldNum" sz="quarter" idx="5"/>
+          </p:nvPr>
+        </p:nvSpPr>
+        <p:spPr/>
+        <p:txBody>
+          <a:bodyPr/>
+          <a:lstStyle/>
+          <a:p>
+            <a:fld id="{A89C7E07-3C67-C64C-8DA0-0404F6303970}" type="slidenum">
+              <a:rPr lang="en-US" smtClean="0"/>
+              <a:t>31</a:t>
+            </a:fld>
+            <a:endParaRPr lang="en-US" dirty="0"/>
+          </a:p>
+        </p:txBody>
+      </p:sp>
+    </p:spTree>
+    <p:extLst>
+      <p:ext uri="{BB962C8B-B14F-4D97-AF65-F5344CB8AC3E}">
+        <p14:creationId xmlns:p14="http://schemas.microsoft.com/office/powerpoint/2010/main" val="789088456"/>
+      </p:ext>
+    </p:extLst>
+  </p:cSld>
+  <p:clrMapOvr>
+    <a:masterClrMapping/>
+  </p:clrMapOvr>
+</p:notes>
+</file>
+
+<file path=ppt/notesSlides/notesSlide32.xml><?xml version="1.0" encoding="utf-8"?>
+<p:notes xmlns:a="http://schemas.openxmlformats.org/drawingml/2006/main" xmlns:r="http://schemas.openxmlformats.org/officeDocument/2006/relationships" xmlns:p="http://schemas.openxmlformats.org/presentationml/2006/main">
+  <p:cSld>
+    <p:spTree>
+      <p:nvGrpSpPr>
         <p:cNvPr id="1" name=""/>
         <p:cNvGrpSpPr/>
         <p:nvPr/>
@@ -3211,7 +3429,7 @@
           <a:p>
             <a:fld id="{A89C7E07-3C67-C64C-8DA0-0404F6303970}" type="slidenum">
               <a:rPr lang="en-US" smtClean="0"/>
-              <a:t>30</a:t>
+              <a:t>32</a:t>
             </a:fld>
             <a:endParaRPr lang="en-US" dirty="0"/>
           </a:p>
@@ -3538,6 +3756,222 @@
         <p:cNvPr id="1" name="">
           <a:extLst>
             <a:ext uri="{FF2B5EF4-FFF2-40B4-BE49-F238E27FC236}">
+              <a16:creationId xmlns:a16="http://schemas.microsoft.com/office/drawing/2014/main" id="{4BA41D66-132F-D5AB-7664-0F8971C8C3B1}"/>
+            </a:ext>
+          </a:extLst>
+        </p:cNvPr>
+        <p:cNvGrpSpPr/>
+        <p:nvPr/>
+      </p:nvGrpSpPr>
+      <p:grpSpPr>
+        <a:xfrm>
+          <a:off x="0" y="0"/>
+          <a:ext cx="0" cy="0"/>
+          <a:chOff x="0" y="0"/>
+          <a:chExt cx="0" cy="0"/>
+        </a:xfrm>
+      </p:grpSpPr>
+      <p:sp>
+        <p:nvSpPr>
+          <p:cNvPr id="2" name="Slide Image Placeholder 1">
+            <a:extLst>
+              <a:ext uri="{FF2B5EF4-FFF2-40B4-BE49-F238E27FC236}">
+                <a16:creationId xmlns:a16="http://schemas.microsoft.com/office/drawing/2014/main" id="{FA99A24A-60F0-7B82-11FD-1557EA9EB63B}"/>
+              </a:ext>
+            </a:extLst>
+          </p:cNvPr>
+          <p:cNvSpPr>
+            <a:spLocks noGrp="1" noRot="1" noChangeAspect="1"/>
+          </p:cNvSpPr>
+          <p:nvPr>
+            <p:ph type="sldImg"/>
+          </p:nvPr>
+        </p:nvSpPr>
+        <p:spPr/>
+      </p:sp>
+      <p:sp>
+        <p:nvSpPr>
+          <p:cNvPr id="3" name="Notes Placeholder 2">
+            <a:extLst>
+              <a:ext uri="{FF2B5EF4-FFF2-40B4-BE49-F238E27FC236}">
+                <a16:creationId xmlns:a16="http://schemas.microsoft.com/office/drawing/2014/main" id="{C57AA29B-C349-8EF1-7029-E624266BC9A3}"/>
+              </a:ext>
+            </a:extLst>
+          </p:cNvPr>
+          <p:cNvSpPr>
+            <a:spLocks noGrp="1"/>
+          </p:cNvSpPr>
+          <p:nvPr>
+            <p:ph type="body" idx="1"/>
+          </p:nvPr>
+        </p:nvSpPr>
+        <p:spPr/>
+        <p:txBody>
+          <a:bodyPr/>
+          <a:lstStyle/>
+          <a:p>
+            <a:endParaRPr lang="en-US" dirty="0"/>
+          </a:p>
+        </p:txBody>
+      </p:sp>
+      <p:sp>
+        <p:nvSpPr>
+          <p:cNvPr id="4" name="Slide Number Placeholder 3">
+            <a:extLst>
+              <a:ext uri="{FF2B5EF4-FFF2-40B4-BE49-F238E27FC236}">
+                <a16:creationId xmlns:a16="http://schemas.microsoft.com/office/drawing/2014/main" id="{A53199D6-7F3B-E326-D72A-0B4FB934B9B2}"/>
+              </a:ext>
+            </a:extLst>
+          </p:cNvPr>
+          <p:cNvSpPr>
+            <a:spLocks noGrp="1"/>
+          </p:cNvSpPr>
+          <p:nvPr>
+            <p:ph type="sldNum" sz="quarter" idx="5"/>
+          </p:nvPr>
+        </p:nvSpPr>
+        <p:spPr/>
+        <p:txBody>
+          <a:bodyPr/>
+          <a:lstStyle/>
+          <a:p>
+            <a:fld id="{A89C7E07-3C67-C64C-8DA0-0404F6303970}" type="slidenum">
+              <a:rPr lang="en-US" smtClean="0"/>
+              <a:t>7</a:t>
+            </a:fld>
+            <a:endParaRPr lang="en-US" dirty="0"/>
+          </a:p>
+        </p:txBody>
+      </p:sp>
+    </p:spTree>
+    <p:extLst>
+      <p:ext uri="{BB962C8B-B14F-4D97-AF65-F5344CB8AC3E}">
+        <p14:creationId xmlns:p14="http://schemas.microsoft.com/office/powerpoint/2010/main" val="2067715178"/>
+      </p:ext>
+    </p:extLst>
+  </p:cSld>
+  <p:clrMapOvr>
+    <a:masterClrMapping/>
+  </p:clrMapOvr>
+</p:notes>
+</file>
+
+<file path=ppt/notesSlides/notesSlide8.xml><?xml version="1.0" encoding="utf-8"?>
+<p:notes xmlns:a="http://schemas.openxmlformats.org/drawingml/2006/main" xmlns:r="http://schemas.openxmlformats.org/officeDocument/2006/relationships" xmlns:p="http://schemas.openxmlformats.org/presentationml/2006/main">
+  <p:cSld>
+    <p:spTree>
+      <p:nvGrpSpPr>
+        <p:cNvPr id="1" name="">
+          <a:extLst>
+            <a:ext uri="{FF2B5EF4-FFF2-40B4-BE49-F238E27FC236}">
+              <a16:creationId xmlns:a16="http://schemas.microsoft.com/office/drawing/2014/main" id="{4BA41D66-132F-D5AB-7664-0F8971C8C3B1}"/>
+            </a:ext>
+          </a:extLst>
+        </p:cNvPr>
+        <p:cNvGrpSpPr/>
+        <p:nvPr/>
+      </p:nvGrpSpPr>
+      <p:grpSpPr>
+        <a:xfrm>
+          <a:off x="0" y="0"/>
+          <a:ext cx="0" cy="0"/>
+          <a:chOff x="0" y="0"/>
+          <a:chExt cx="0" cy="0"/>
+        </a:xfrm>
+      </p:grpSpPr>
+      <p:sp>
+        <p:nvSpPr>
+          <p:cNvPr id="2" name="Slide Image Placeholder 1">
+            <a:extLst>
+              <a:ext uri="{FF2B5EF4-FFF2-40B4-BE49-F238E27FC236}">
+                <a16:creationId xmlns:a16="http://schemas.microsoft.com/office/drawing/2014/main" id="{FA99A24A-60F0-7B82-11FD-1557EA9EB63B}"/>
+              </a:ext>
+            </a:extLst>
+          </p:cNvPr>
+          <p:cNvSpPr>
+            <a:spLocks noGrp="1" noRot="1" noChangeAspect="1"/>
+          </p:cNvSpPr>
+          <p:nvPr>
+            <p:ph type="sldImg"/>
+          </p:nvPr>
+        </p:nvSpPr>
+        <p:spPr/>
+      </p:sp>
+      <p:sp>
+        <p:nvSpPr>
+          <p:cNvPr id="3" name="Notes Placeholder 2">
+            <a:extLst>
+              <a:ext uri="{FF2B5EF4-FFF2-40B4-BE49-F238E27FC236}">
+                <a16:creationId xmlns:a16="http://schemas.microsoft.com/office/drawing/2014/main" id="{C57AA29B-C349-8EF1-7029-E624266BC9A3}"/>
+              </a:ext>
+            </a:extLst>
+          </p:cNvPr>
+          <p:cNvSpPr>
+            <a:spLocks noGrp="1"/>
+          </p:cNvSpPr>
+          <p:nvPr>
+            <p:ph type="body" idx="1"/>
+          </p:nvPr>
+        </p:nvSpPr>
+        <p:spPr/>
+        <p:txBody>
+          <a:bodyPr/>
+          <a:lstStyle/>
+          <a:p>
+            <a:endParaRPr lang="en-US" dirty="0"/>
+          </a:p>
+        </p:txBody>
+      </p:sp>
+      <p:sp>
+        <p:nvSpPr>
+          <p:cNvPr id="4" name="Slide Number Placeholder 3">
+            <a:extLst>
+              <a:ext uri="{FF2B5EF4-FFF2-40B4-BE49-F238E27FC236}">
+                <a16:creationId xmlns:a16="http://schemas.microsoft.com/office/drawing/2014/main" id="{A53199D6-7F3B-E326-D72A-0B4FB934B9B2}"/>
+              </a:ext>
+            </a:extLst>
+          </p:cNvPr>
+          <p:cNvSpPr>
+            <a:spLocks noGrp="1"/>
+          </p:cNvSpPr>
+          <p:nvPr>
+            <p:ph type="sldNum" sz="quarter" idx="5"/>
+          </p:nvPr>
+        </p:nvSpPr>
+        <p:spPr/>
+        <p:txBody>
+          <a:bodyPr/>
+          <a:lstStyle/>
+          <a:p>
+            <a:fld id="{A89C7E07-3C67-C64C-8DA0-0404F6303970}" type="slidenum">
+              <a:rPr lang="en-US" smtClean="0"/>
+              <a:t>8</a:t>
+            </a:fld>
+            <a:endParaRPr lang="en-US" dirty="0"/>
+          </a:p>
+        </p:txBody>
+      </p:sp>
+    </p:spTree>
+    <p:extLst>
+      <p:ext uri="{BB962C8B-B14F-4D97-AF65-F5344CB8AC3E}">
+        <p14:creationId xmlns:p14="http://schemas.microsoft.com/office/powerpoint/2010/main" val="1291949938"/>
+      </p:ext>
+    </p:extLst>
+  </p:cSld>
+  <p:clrMapOvr>
+    <a:masterClrMapping/>
+  </p:clrMapOvr>
+</p:notes>
+</file>
+
+<file path=ppt/notesSlides/notesSlide9.xml><?xml version="1.0" encoding="utf-8"?>
+<p:notes xmlns:a="http://schemas.openxmlformats.org/drawingml/2006/main" xmlns:r="http://schemas.openxmlformats.org/officeDocument/2006/relationships" xmlns:p="http://schemas.openxmlformats.org/presentationml/2006/main">
+  <p:cSld>
+    <p:spTree>
+      <p:nvGrpSpPr>
+        <p:cNvPr id="1" name="">
+          <a:extLst>
+            <a:ext uri="{FF2B5EF4-FFF2-40B4-BE49-F238E27FC236}">
               <a16:creationId xmlns:a16="http://schemas.microsoft.com/office/drawing/2014/main" id="{9A4B4C6E-C408-B268-DE97-8F7BA2292545}"/>
             </a:ext>
           </a:extLst>
@@ -3619,7 +4053,7 @@
           <a:p>
             <a:fld id="{A89C7E07-3C67-C64C-8DA0-0404F6303970}" type="slidenum">
               <a:rPr lang="en-US" smtClean="0"/>
-              <a:t>7</a:t>
+              <a:t>9</a:t>
             </a:fld>
             <a:endParaRPr lang="en-US" dirty="0"/>
           </a:p>
@@ -3629,222 +4063,6 @@
     <p:extLst>
       <p:ext uri="{BB962C8B-B14F-4D97-AF65-F5344CB8AC3E}">
         <p14:creationId xmlns:p14="http://schemas.microsoft.com/office/powerpoint/2010/main" val="1812549468"/>
-      </p:ext>
-    </p:extLst>
-  </p:cSld>
-  <p:clrMapOvr>
-    <a:masterClrMapping/>
-  </p:clrMapOvr>
-</p:notes>
-</file>
-
-<file path=ppt/notesSlides/notesSlide8.xml><?xml version="1.0" encoding="utf-8"?>
-<p:notes xmlns:a="http://schemas.openxmlformats.org/drawingml/2006/main" xmlns:r="http://schemas.openxmlformats.org/officeDocument/2006/relationships" xmlns:p="http://schemas.openxmlformats.org/presentationml/2006/main">
-  <p:cSld>
-    <p:spTree>
-      <p:nvGrpSpPr>
-        <p:cNvPr id="1" name="">
-          <a:extLst>
-            <a:ext uri="{FF2B5EF4-FFF2-40B4-BE49-F238E27FC236}">
-              <a16:creationId xmlns:a16="http://schemas.microsoft.com/office/drawing/2014/main" id="{088632BA-D0BF-B9E3-3922-F92266F55D3D}"/>
-            </a:ext>
-          </a:extLst>
-        </p:cNvPr>
-        <p:cNvGrpSpPr/>
-        <p:nvPr/>
-      </p:nvGrpSpPr>
-      <p:grpSpPr>
-        <a:xfrm>
-          <a:off x="0" y="0"/>
-          <a:ext cx="0" cy="0"/>
-          <a:chOff x="0" y="0"/>
-          <a:chExt cx="0" cy="0"/>
-        </a:xfrm>
-      </p:grpSpPr>
-      <p:sp>
-        <p:nvSpPr>
-          <p:cNvPr id="2" name="Slide Image Placeholder 1">
-            <a:extLst>
-              <a:ext uri="{FF2B5EF4-FFF2-40B4-BE49-F238E27FC236}">
-                <a16:creationId xmlns:a16="http://schemas.microsoft.com/office/drawing/2014/main" id="{25779E3D-2303-F5C1-96D6-909684926DB2}"/>
-              </a:ext>
-            </a:extLst>
-          </p:cNvPr>
-          <p:cNvSpPr>
-            <a:spLocks noGrp="1" noRot="1" noChangeAspect="1"/>
-          </p:cNvSpPr>
-          <p:nvPr>
-            <p:ph type="sldImg"/>
-          </p:nvPr>
-        </p:nvSpPr>
-        <p:spPr/>
-      </p:sp>
-      <p:sp>
-        <p:nvSpPr>
-          <p:cNvPr id="3" name="Notes Placeholder 2">
-            <a:extLst>
-              <a:ext uri="{FF2B5EF4-FFF2-40B4-BE49-F238E27FC236}">
-                <a16:creationId xmlns:a16="http://schemas.microsoft.com/office/drawing/2014/main" id="{9D263174-81CF-1289-4E8A-D4F1AFF8A13A}"/>
-              </a:ext>
-            </a:extLst>
-          </p:cNvPr>
-          <p:cNvSpPr>
-            <a:spLocks noGrp="1"/>
-          </p:cNvSpPr>
-          <p:nvPr>
-            <p:ph type="body" idx="1"/>
-          </p:nvPr>
-        </p:nvSpPr>
-        <p:spPr/>
-        <p:txBody>
-          <a:bodyPr/>
-          <a:lstStyle/>
-          <a:p>
-            <a:endParaRPr lang="en-US" dirty="0"/>
-          </a:p>
-        </p:txBody>
-      </p:sp>
-      <p:sp>
-        <p:nvSpPr>
-          <p:cNvPr id="4" name="Slide Number Placeholder 3">
-            <a:extLst>
-              <a:ext uri="{FF2B5EF4-FFF2-40B4-BE49-F238E27FC236}">
-                <a16:creationId xmlns:a16="http://schemas.microsoft.com/office/drawing/2014/main" id="{1B6A7B5B-0D87-7DD3-ED88-9CDCB8C088EC}"/>
-              </a:ext>
-            </a:extLst>
-          </p:cNvPr>
-          <p:cNvSpPr>
-            <a:spLocks noGrp="1"/>
-          </p:cNvSpPr>
-          <p:nvPr>
-            <p:ph type="sldNum" sz="quarter" idx="5"/>
-          </p:nvPr>
-        </p:nvSpPr>
-        <p:spPr/>
-        <p:txBody>
-          <a:bodyPr/>
-          <a:lstStyle/>
-          <a:p>
-            <a:fld id="{A89C7E07-3C67-C64C-8DA0-0404F6303970}" type="slidenum">
-              <a:rPr lang="en-US" smtClean="0"/>
-              <a:t>8</a:t>
-            </a:fld>
-            <a:endParaRPr lang="en-US" dirty="0"/>
-          </a:p>
-        </p:txBody>
-      </p:sp>
-    </p:spTree>
-    <p:extLst>
-      <p:ext uri="{BB962C8B-B14F-4D97-AF65-F5344CB8AC3E}">
-        <p14:creationId xmlns:p14="http://schemas.microsoft.com/office/powerpoint/2010/main" val="3799159640"/>
-      </p:ext>
-    </p:extLst>
-  </p:cSld>
-  <p:clrMapOvr>
-    <a:masterClrMapping/>
-  </p:clrMapOvr>
-</p:notes>
-</file>
-
-<file path=ppt/notesSlides/notesSlide9.xml><?xml version="1.0" encoding="utf-8"?>
-<p:notes xmlns:a="http://schemas.openxmlformats.org/drawingml/2006/main" xmlns:r="http://schemas.openxmlformats.org/officeDocument/2006/relationships" xmlns:p="http://schemas.openxmlformats.org/presentationml/2006/main">
-  <p:cSld>
-    <p:spTree>
-      <p:nvGrpSpPr>
-        <p:cNvPr id="1" name="">
-          <a:extLst>
-            <a:ext uri="{FF2B5EF4-FFF2-40B4-BE49-F238E27FC236}">
-              <a16:creationId xmlns:a16="http://schemas.microsoft.com/office/drawing/2014/main" id="{27071163-BE5C-9C1A-2862-D19B483B83C4}"/>
-            </a:ext>
-          </a:extLst>
-        </p:cNvPr>
-        <p:cNvGrpSpPr/>
-        <p:nvPr/>
-      </p:nvGrpSpPr>
-      <p:grpSpPr>
-        <a:xfrm>
-          <a:off x="0" y="0"/>
-          <a:ext cx="0" cy="0"/>
-          <a:chOff x="0" y="0"/>
-          <a:chExt cx="0" cy="0"/>
-        </a:xfrm>
-      </p:grpSpPr>
-      <p:sp>
-        <p:nvSpPr>
-          <p:cNvPr id="2" name="Slide Image Placeholder 1">
-            <a:extLst>
-              <a:ext uri="{FF2B5EF4-FFF2-40B4-BE49-F238E27FC236}">
-                <a16:creationId xmlns:a16="http://schemas.microsoft.com/office/drawing/2014/main" id="{CF0E2C41-7728-C7D7-9760-C7496EB58DF0}"/>
-              </a:ext>
-            </a:extLst>
-          </p:cNvPr>
-          <p:cNvSpPr>
-            <a:spLocks noGrp="1" noRot="1" noChangeAspect="1"/>
-          </p:cNvSpPr>
-          <p:nvPr>
-            <p:ph type="sldImg"/>
-          </p:nvPr>
-        </p:nvSpPr>
-        <p:spPr/>
-      </p:sp>
-      <p:sp>
-        <p:nvSpPr>
-          <p:cNvPr id="3" name="Notes Placeholder 2">
-            <a:extLst>
-              <a:ext uri="{FF2B5EF4-FFF2-40B4-BE49-F238E27FC236}">
-                <a16:creationId xmlns:a16="http://schemas.microsoft.com/office/drawing/2014/main" id="{B858A80F-42CB-4EA7-A7E3-B37E9675244C}"/>
-              </a:ext>
-            </a:extLst>
-          </p:cNvPr>
-          <p:cNvSpPr>
-            <a:spLocks noGrp="1"/>
-          </p:cNvSpPr>
-          <p:nvPr>
-            <p:ph type="body" idx="1"/>
-          </p:nvPr>
-        </p:nvSpPr>
-        <p:spPr/>
-        <p:txBody>
-          <a:bodyPr/>
-          <a:lstStyle/>
-          <a:p>
-            <a:endParaRPr lang="en-US" dirty="0"/>
-          </a:p>
-        </p:txBody>
-      </p:sp>
-      <p:sp>
-        <p:nvSpPr>
-          <p:cNvPr id="4" name="Slide Number Placeholder 3">
-            <a:extLst>
-              <a:ext uri="{FF2B5EF4-FFF2-40B4-BE49-F238E27FC236}">
-                <a16:creationId xmlns:a16="http://schemas.microsoft.com/office/drawing/2014/main" id="{6606BF43-7689-5757-C471-564D7FFB886C}"/>
-              </a:ext>
-            </a:extLst>
-          </p:cNvPr>
-          <p:cNvSpPr>
-            <a:spLocks noGrp="1"/>
-          </p:cNvSpPr>
-          <p:nvPr>
-            <p:ph type="sldNum" sz="quarter" idx="5"/>
-          </p:nvPr>
-        </p:nvSpPr>
-        <p:spPr/>
-        <p:txBody>
-          <a:bodyPr/>
-          <a:lstStyle/>
-          <a:p>
-            <a:fld id="{A89C7E07-3C67-C64C-8DA0-0404F6303970}" type="slidenum">
-              <a:rPr lang="en-US" smtClean="0"/>
-              <a:t>9</a:t>
-            </a:fld>
-            <a:endParaRPr lang="en-US" dirty="0"/>
-          </a:p>
-        </p:txBody>
-      </p:sp>
-    </p:spTree>
-    <p:extLst>
-      <p:ext uri="{BB962C8B-B14F-4D97-AF65-F5344CB8AC3E}">
-        <p14:creationId xmlns:p14="http://schemas.microsoft.com/office/powerpoint/2010/main" val="4238240120"/>
       </p:ext>
     </p:extLst>
   </p:cSld>
@@ -3937,7 +4155,7 @@
                 <a16:creationId xmlns:a16="http://schemas.microsoft.com/office/drawing/2014/main" id="{C26C18C3-ED25-DD4B-BA72-24932D54DE37}"/>
               </a:ext>
               <a:ext uri="{C183D7F6-B498-43B3-948B-1728B52AA6E4}">
-                <adec:decorative xmlns="" xmlns:adec="http://schemas.microsoft.com/office/drawing/2017/decorative" val="1"/>
+                <adec:decorative xmlns:adec="http://schemas.microsoft.com/office/drawing/2017/decorative" xmlns="" val="1"/>
               </a:ext>
             </a:extLst>
           </p:cNvPr>
@@ -4269,7 +4487,7 @@
                 <a16:creationId xmlns:a16="http://schemas.microsoft.com/office/drawing/2014/main" id="{A69706A2-3726-FE4E-B923-E75D48597816}"/>
               </a:ext>
               <a:ext uri="{C183D7F6-B498-43B3-948B-1728B52AA6E4}">
-                <adec:decorative xmlns="" xmlns:adec="http://schemas.microsoft.com/office/drawing/2017/decorative" val="1"/>
+                <adec:decorative xmlns:adec="http://schemas.microsoft.com/office/drawing/2017/decorative" xmlns="" val="1"/>
               </a:ext>
             </a:extLst>
           </p:cNvPr>
@@ -4355,7 +4573,7 @@
                 <a16:creationId xmlns:a16="http://schemas.microsoft.com/office/drawing/2014/main" id="{CF555767-B3D8-BD57-1D42-7F6E1E66892B}"/>
               </a:ext>
               <a:ext uri="{C183D7F6-B498-43B3-948B-1728B52AA6E4}">
-                <adec:decorative xmlns="" xmlns:adec="http://schemas.microsoft.com/office/drawing/2017/decorative" val="1"/>
+                <adec:decorative xmlns:adec="http://schemas.microsoft.com/office/drawing/2017/decorative" xmlns="" val="1"/>
               </a:ext>
             </a:extLst>
           </p:cNvPr>
@@ -4734,7 +4952,7 @@
                 <a16:creationId xmlns:a16="http://schemas.microsoft.com/office/drawing/2014/main" id="{E66081BA-9135-73B1-DCE5-77FD12431F13}"/>
               </a:ext>
               <a:ext uri="{C183D7F6-B498-43B3-948B-1728B52AA6E4}">
-                <adec:decorative xmlns="" xmlns:adec="http://schemas.microsoft.com/office/drawing/2017/decorative" val="1"/>
+                <adec:decorative xmlns:adec="http://schemas.microsoft.com/office/drawing/2017/decorative" xmlns="" val="1"/>
               </a:ext>
             </a:extLst>
           </p:cNvPr>
@@ -5127,7 +5345,7 @@
                 <a16:creationId xmlns:a16="http://schemas.microsoft.com/office/drawing/2014/main" id="{C97D5AF2-684A-4A8D-3D82-B57D7AC44677}"/>
               </a:ext>
               <a:ext uri="{C183D7F6-B498-43B3-948B-1728B52AA6E4}">
-                <adec:decorative xmlns="" xmlns:adec="http://schemas.microsoft.com/office/drawing/2017/decorative" val="1"/>
+                <adec:decorative xmlns:adec="http://schemas.microsoft.com/office/drawing/2017/decorative" xmlns="" val="1"/>
               </a:ext>
             </a:extLst>
           </p:cNvPr>
@@ -5506,7 +5724,7 @@
                 <a16:creationId xmlns:a16="http://schemas.microsoft.com/office/drawing/2014/main" id="{E66081BA-9135-73B1-DCE5-77FD12431F13}"/>
               </a:ext>
               <a:ext uri="{C183D7F6-B498-43B3-948B-1728B52AA6E4}">
-                <adec:decorative xmlns="" xmlns:adec="http://schemas.microsoft.com/office/drawing/2017/decorative" val="1"/>
+                <adec:decorative xmlns:adec="http://schemas.microsoft.com/office/drawing/2017/decorative" xmlns="" val="1"/>
               </a:ext>
             </a:extLst>
           </p:cNvPr>
@@ -6040,7 +6258,7 @@
                 <a16:creationId xmlns:a16="http://schemas.microsoft.com/office/drawing/2014/main" id="{E66081BA-9135-73B1-DCE5-77FD12431F13}"/>
               </a:ext>
               <a:ext uri="{C183D7F6-B498-43B3-948B-1728B52AA6E4}">
-                <adec:decorative xmlns="" xmlns:adec="http://schemas.microsoft.com/office/drawing/2017/decorative" val="1"/>
+                <adec:decorative xmlns:adec="http://schemas.microsoft.com/office/drawing/2017/decorative" xmlns="" val="1"/>
               </a:ext>
             </a:extLst>
           </p:cNvPr>
@@ -6227,7 +6445,7 @@
                 <a16:creationId xmlns:a16="http://schemas.microsoft.com/office/drawing/2014/main" id="{C26C18C3-ED25-DD4B-BA72-24932D54DE37}"/>
               </a:ext>
               <a:ext uri="{C183D7F6-B498-43B3-948B-1728B52AA6E4}">
-                <adec:decorative xmlns="" xmlns:adec="http://schemas.microsoft.com/office/drawing/2017/decorative" val="1"/>
+                <adec:decorative xmlns:adec="http://schemas.microsoft.com/office/drawing/2017/decorative" xmlns="" val="1"/>
               </a:ext>
             </a:extLst>
           </p:cNvPr>
@@ -6619,7 +6837,7 @@
                 <a16:creationId xmlns:a16="http://schemas.microsoft.com/office/drawing/2014/main" id="{58B149C6-5AAC-B8E5-5411-EA38821F6754}"/>
               </a:ext>
               <a:ext uri="{C183D7F6-B498-43B3-948B-1728B52AA6E4}">
-                <adec:decorative xmlns="" xmlns:adec="http://schemas.microsoft.com/office/drawing/2017/decorative" val="1"/>
+                <adec:decorative xmlns:adec="http://schemas.microsoft.com/office/drawing/2017/decorative" xmlns="" val="1"/>
               </a:ext>
             </a:extLst>
           </p:cNvPr>
@@ -6697,7 +6915,7 @@
                 <a16:creationId xmlns:a16="http://schemas.microsoft.com/office/drawing/2014/main" id="{806C6F65-35CD-D64B-992A-0C1C1E00384D}"/>
               </a:ext>
               <a:ext uri="{C183D7F6-B498-43B3-948B-1728B52AA6E4}">
-                <adec:decorative xmlns="" xmlns:adec="http://schemas.microsoft.com/office/drawing/2017/decorative" val="1"/>
+                <adec:decorative xmlns:adec="http://schemas.microsoft.com/office/drawing/2017/decorative" xmlns="" val="1"/>
               </a:ext>
             </a:extLst>
           </p:cNvPr>
@@ -7505,7 +7723,7 @@
                 <a16:creationId xmlns:a16="http://schemas.microsoft.com/office/drawing/2014/main" id="{979826C1-7A52-DA25-F422-EE62DED7D1B6}"/>
               </a:ext>
               <a:ext uri="{C183D7F6-B498-43B3-948B-1728B52AA6E4}">
-                <adec:decorative xmlns="" xmlns:adec="http://schemas.microsoft.com/office/drawing/2017/decorative" val="1"/>
+                <adec:decorative xmlns:adec="http://schemas.microsoft.com/office/drawing/2017/decorative" xmlns="" val="1"/>
               </a:ext>
             </a:extLst>
           </p:cNvPr>
@@ -7761,7 +7979,7 @@
                 <a16:creationId xmlns:a16="http://schemas.microsoft.com/office/drawing/2014/main" id="{D96BA398-1ED2-1FCA-63B9-8915A8C7A524}"/>
               </a:ext>
               <a:ext uri="{C183D7F6-B498-43B3-948B-1728B52AA6E4}">
-                <adec:decorative xmlns="" xmlns:adec="http://schemas.microsoft.com/office/drawing/2017/decorative" val="1"/>
+                <adec:decorative xmlns:adec="http://schemas.microsoft.com/office/drawing/2017/decorative" xmlns="" val="1"/>
               </a:ext>
             </a:extLst>
           </p:cNvPr>
@@ -8030,7 +8248,7 @@
                 <a16:creationId xmlns:a16="http://schemas.microsoft.com/office/drawing/2014/main" id="{29169ED6-4B82-6844-119F-AC15CDF2D3E5}"/>
               </a:ext>
               <a:ext uri="{C183D7F6-B498-43B3-948B-1728B52AA6E4}">
-                <adec:decorative xmlns="" xmlns:adec="http://schemas.microsoft.com/office/drawing/2017/decorative" val="1"/>
+                <adec:decorative xmlns:adec="http://schemas.microsoft.com/office/drawing/2017/decorative" xmlns="" val="1"/>
               </a:ext>
             </a:extLst>
           </p:cNvPr>
@@ -8116,7 +8334,7 @@
                 <a16:creationId xmlns:a16="http://schemas.microsoft.com/office/drawing/2014/main" id="{C57F1500-1A16-D1EF-4F0C-030852B291FC}"/>
               </a:ext>
               <a:ext uri="{C183D7F6-B498-43B3-948B-1728B52AA6E4}">
-                <adec:decorative xmlns="" xmlns:adec="http://schemas.microsoft.com/office/drawing/2017/decorative" val="1"/>
+                <adec:decorative xmlns:adec="http://schemas.microsoft.com/office/drawing/2017/decorative" xmlns="" val="1"/>
               </a:ext>
             </a:extLst>
           </p:cNvPr>
@@ -8164,7 +8382,7 @@
                 <a16:creationId xmlns:a16="http://schemas.microsoft.com/office/drawing/2014/main" id="{2D07A0BE-3890-193E-9439-F294E61A71B9}"/>
               </a:ext>
               <a:ext uri="{C183D7F6-B498-43B3-948B-1728B52AA6E4}">
-                <adec:decorative xmlns="" xmlns:adec="http://schemas.microsoft.com/office/drawing/2017/decorative" val="1"/>
+                <adec:decorative xmlns:adec="http://schemas.microsoft.com/office/drawing/2017/decorative" xmlns="" val="1"/>
               </a:ext>
             </a:extLst>
           </p:cNvPr>
@@ -8845,7 +9063,7 @@
                 <a16:creationId xmlns:a16="http://schemas.microsoft.com/office/drawing/2014/main" id="{C26C18C3-ED25-DD4B-BA72-24932D54DE37}"/>
               </a:ext>
               <a:ext uri="{C183D7F6-B498-43B3-948B-1728B52AA6E4}">
-                <adec:decorative xmlns="" xmlns:adec="http://schemas.microsoft.com/office/drawing/2017/decorative" val="1"/>
+                <adec:decorative xmlns:adec="http://schemas.microsoft.com/office/drawing/2017/decorative" xmlns="" val="1"/>
               </a:ext>
             </a:extLst>
           </p:cNvPr>
@@ -9177,7 +9395,7 @@
                 <a16:creationId xmlns:a16="http://schemas.microsoft.com/office/drawing/2014/main" id="{A69706A2-3726-FE4E-B923-E75D48597816}"/>
               </a:ext>
               <a:ext uri="{C183D7F6-B498-43B3-948B-1728B52AA6E4}">
-                <adec:decorative xmlns="" xmlns:adec="http://schemas.microsoft.com/office/drawing/2017/decorative" val="1"/>
+                <adec:decorative xmlns:adec="http://schemas.microsoft.com/office/drawing/2017/decorative" xmlns="" val="1"/>
               </a:ext>
             </a:extLst>
           </p:cNvPr>
@@ -9323,7 +9541,7 @@
                 <a16:creationId xmlns:a16="http://schemas.microsoft.com/office/drawing/2014/main" id="{C97D5AF2-684A-4A8D-3D82-B57D7AC44677}"/>
               </a:ext>
               <a:ext uri="{C183D7F6-B498-43B3-948B-1728B52AA6E4}">
-                <adec:decorative xmlns="" xmlns:adec="http://schemas.microsoft.com/office/drawing/2017/decorative" val="1"/>
+                <adec:decorative xmlns:adec="http://schemas.microsoft.com/office/drawing/2017/decorative" xmlns="" val="1"/>
               </a:ext>
             </a:extLst>
           </p:cNvPr>
@@ -9955,7 +10173,7 @@
                 <a16:creationId xmlns:a16="http://schemas.microsoft.com/office/drawing/2014/main" id="{E66081BA-9135-73B1-DCE5-77FD12431F13}"/>
               </a:ext>
               <a:ext uri="{C183D7F6-B498-43B3-948B-1728B52AA6E4}">
-                <adec:decorative xmlns="" xmlns:adec="http://schemas.microsoft.com/office/drawing/2017/decorative" val="1"/>
+                <adec:decorative xmlns:adec="http://schemas.microsoft.com/office/drawing/2017/decorative" xmlns="" val="1"/>
               </a:ext>
             </a:extLst>
           </p:cNvPr>
@@ -10092,7 +10310,7 @@
                 <a16:creationId xmlns:a16="http://schemas.microsoft.com/office/drawing/2014/main" id="{42E558A9-6DD6-E21D-3A8F-6707E1DD19F1}"/>
               </a:ext>
               <a:ext uri="{C183D7F6-B498-43B3-948B-1728B52AA6E4}">
-                <adec:decorative xmlns="" xmlns:adec="http://schemas.microsoft.com/office/drawing/2017/decorative" val="1"/>
+                <adec:decorative xmlns:adec="http://schemas.microsoft.com/office/drawing/2017/decorative" xmlns="" val="1"/>
               </a:ext>
             </a:extLst>
           </p:cNvPr>
@@ -10735,7 +10953,7 @@
                 <a16:creationId xmlns:a16="http://schemas.microsoft.com/office/drawing/2014/main" id="{E66081BA-9135-73B1-DCE5-77FD12431F13}"/>
               </a:ext>
               <a:ext uri="{C183D7F6-B498-43B3-948B-1728B52AA6E4}">
-                <adec:decorative xmlns="" xmlns:adec="http://schemas.microsoft.com/office/drawing/2017/decorative" val="1"/>
+                <adec:decorative xmlns:adec="http://schemas.microsoft.com/office/drawing/2017/decorative" xmlns="" val="1"/>
               </a:ext>
             </a:extLst>
           </p:cNvPr>
@@ -11267,7 +11485,7 @@
                 <a16:creationId xmlns:a16="http://schemas.microsoft.com/office/drawing/2014/main" id="{E66081BA-9135-73B1-DCE5-77FD12431F13}"/>
               </a:ext>
               <a:ext uri="{C183D7F6-B498-43B3-948B-1728B52AA6E4}">
-                <adec:decorative xmlns="" xmlns:adec="http://schemas.microsoft.com/office/drawing/2017/decorative" val="1"/>
+                <adec:decorative xmlns:adec="http://schemas.microsoft.com/office/drawing/2017/decorative" xmlns="" val="1"/>
               </a:ext>
             </a:extLst>
           </p:cNvPr>
@@ -12297,6 +12515,1204 @@
         <p:cNvPr id="1" name="">
           <a:extLst>
             <a:ext uri="{FF2B5EF4-FFF2-40B4-BE49-F238E27FC236}">
+              <a16:creationId xmlns:a16="http://schemas.microsoft.com/office/drawing/2014/main" id="{A1CA9DEB-1659-1720-6331-90A181A99134}"/>
+            </a:ext>
+          </a:extLst>
+        </p:cNvPr>
+        <p:cNvGrpSpPr/>
+        <p:nvPr/>
+      </p:nvGrpSpPr>
+      <p:grpSpPr>
+        <a:xfrm>
+          <a:off x="0" y="0"/>
+          <a:ext cx="0" cy="0"/>
+          <a:chOff x="0" y="0"/>
+          <a:chExt cx="0" cy="0"/>
+        </a:xfrm>
+      </p:grpSpPr>
+      <p:grpSp>
+        <p:nvGrpSpPr>
+          <p:cNvPr id="19" name="Group 18">
+            <a:extLst>
+              <a:ext uri="{FF2B5EF4-FFF2-40B4-BE49-F238E27FC236}">
+                <a16:creationId xmlns:a16="http://schemas.microsoft.com/office/drawing/2014/main" id="{60E31E3B-F309-CAB4-A260-3DC8009D8D1F}"/>
+              </a:ext>
+              <a:ext uri="{C183D7F6-B498-43B3-948B-1728B52AA6E4}">
+                <adec:decorative xmlns:adec="http://schemas.microsoft.com/office/drawing/2017/decorative" xmlns="" val="1"/>
+              </a:ext>
+            </a:extLst>
+          </p:cNvPr>
+          <p:cNvGrpSpPr>
+            <a:grpSpLocks/>
+          </p:cNvGrpSpPr>
+          <p:nvPr/>
+        </p:nvGrpSpPr>
+        <p:grpSpPr bwMode="auto">
+          <a:xfrm rot="16200000" flipV="1">
+            <a:off x="0" y="3900132"/>
+            <a:ext cx="2959226" cy="2959226"/>
+            <a:chOff x="0" y="12289"/>
+            <a:chExt cx="3550" cy="3551"/>
+          </a:xfrm>
+        </p:grpSpPr>
+        <p:sp>
+          <p:nvSpPr>
+            <p:cNvPr id="20" name="Freeform 19">
+              <a:extLst>
+                <a:ext uri="{FF2B5EF4-FFF2-40B4-BE49-F238E27FC236}">
+                  <a16:creationId xmlns:a16="http://schemas.microsoft.com/office/drawing/2014/main" id="{5B142E7E-60DA-5D74-6895-694B531BF2AF}"/>
+                </a:ext>
+              </a:extLst>
+            </p:cNvPr>
+            <p:cNvSpPr>
+              <a:spLocks/>
+            </p:cNvSpPr>
+            <p:nvPr/>
+          </p:nvSpPr>
+          <p:spPr bwMode="auto">
+            <a:xfrm>
+              <a:off x="0" y="12289"/>
+              <a:ext cx="1789" cy="2386"/>
+            </a:xfrm>
+            <a:custGeom>
+              <a:avLst/>
+              <a:gdLst>
+                <a:gd name="T0" fmla="*/ 0 w 1789"/>
+                <a:gd name="T1" fmla="+- 0 12290 12290"/>
+                <a:gd name="T2" fmla="*/ 12290 h 2386"/>
+                <a:gd name="T3" fmla="*/ 0 w 1789"/>
+                <a:gd name="T4" fmla="+- 0 13484 12290"/>
+                <a:gd name="T5" fmla="*/ 13484 h 2386"/>
+                <a:gd name="T6" fmla="*/ 1192 w 1789"/>
+                <a:gd name="T7" fmla="+- 0 14676 12290"/>
+                <a:gd name="T8" fmla="*/ 14676 h 2386"/>
+                <a:gd name="T9" fmla="*/ 1789 w 1789"/>
+                <a:gd name="T10" fmla="+- 0 14079 12290"/>
+                <a:gd name="T11" fmla="*/ 14079 h 2386"/>
+                <a:gd name="T12" fmla="*/ 0 w 1789"/>
+                <a:gd name="T13" fmla="+- 0 12290 12290"/>
+                <a:gd name="T14" fmla="*/ 12290 h 2386"/>
+              </a:gdLst>
+              <a:ahLst/>
+              <a:cxnLst>
+                <a:cxn ang="0">
+                  <a:pos x="T0" y="T2"/>
+                </a:cxn>
+                <a:cxn ang="0">
+                  <a:pos x="T3" y="T5"/>
+                </a:cxn>
+                <a:cxn ang="0">
+                  <a:pos x="T6" y="T8"/>
+                </a:cxn>
+                <a:cxn ang="0">
+                  <a:pos x="T9" y="T11"/>
+                </a:cxn>
+                <a:cxn ang="0">
+                  <a:pos x="T12" y="T14"/>
+                </a:cxn>
+              </a:cxnLst>
+              <a:rect l="0" t="0" r="r" b="b"/>
+              <a:pathLst>
+                <a:path w="1789" h="2386">
+                  <a:moveTo>
+                    <a:pt x="0" y="0"/>
+                  </a:moveTo>
+                  <a:lnTo>
+                    <a:pt x="0" y="1194"/>
+                  </a:lnTo>
+                  <a:lnTo>
+                    <a:pt x="1192" y="2386"/>
+                  </a:lnTo>
+                  <a:lnTo>
+                    <a:pt x="1789" y="1789"/>
+                  </a:lnTo>
+                  <a:lnTo>
+                    <a:pt x="0" y="0"/>
+                  </a:lnTo>
+                  <a:close/>
+                </a:path>
+              </a:pathLst>
+            </a:custGeom>
+            <a:solidFill>
+              <a:schemeClr val="accent6"/>
+            </a:solidFill>
+            <a:ln>
+              <a:noFill/>
+            </a:ln>
+            <a:extLst>
+              <a:ext uri="{91240B29-F687-4F45-9708-019B960494DF}">
+                <a14:hiddenLine xmlns:a14="http://schemas.microsoft.com/office/drawing/2010/main" w="9525">
+                  <a:solidFill>
+                    <a:srgbClr val="000000"/>
+                  </a:solidFill>
+                  <a:round/>
+                  <a:headEnd/>
+                  <a:tailEnd/>
+                </a14:hiddenLine>
+              </a:ext>
+            </a:extLst>
+          </p:spPr>
+          <p:txBody>
+            <a:bodyPr rot="0" vert="horz" wrap="square" lIns="91440" tIns="45720" rIns="91440" bIns="45720" anchor="t" anchorCtr="0" upright="1">
+              <a:noAutofit/>
+            </a:bodyPr>
+            <a:lstStyle/>
+            <a:p>
+              <a:endParaRPr lang="en-US" dirty="0"/>
+            </a:p>
+          </p:txBody>
+        </p:sp>
+        <p:sp>
+          <p:nvSpPr>
+            <p:cNvPr id="21" name="Freeform 20">
+              <a:extLst>
+                <a:ext uri="{FF2B5EF4-FFF2-40B4-BE49-F238E27FC236}">
+                  <a16:creationId xmlns:a16="http://schemas.microsoft.com/office/drawing/2014/main" id="{DBD51F7C-CF3F-FF6F-2B71-A709970EB8BB}"/>
+                </a:ext>
+              </a:extLst>
+            </p:cNvPr>
+            <p:cNvSpPr>
+              <a:spLocks/>
+            </p:cNvSpPr>
+            <p:nvPr/>
+          </p:nvSpPr>
+          <p:spPr bwMode="auto">
+            <a:xfrm>
+              <a:off x="0" y="14678"/>
+              <a:ext cx="1162" cy="1162"/>
+            </a:xfrm>
+            <a:custGeom>
+              <a:avLst/>
+              <a:gdLst>
+                <a:gd name="T0" fmla="*/ 0 w 1162"/>
+                <a:gd name="T1" fmla="+- 0 14679 14679"/>
+                <a:gd name="T2" fmla="*/ 14679 h 1162"/>
+                <a:gd name="T3" fmla="*/ 0 w 1162"/>
+                <a:gd name="T4" fmla="+- 0 15840 14679"/>
+                <a:gd name="T5" fmla="*/ 15840 h 1162"/>
+                <a:gd name="T6" fmla="*/ 1161 w 1162"/>
+                <a:gd name="T7" fmla="+- 0 15840 14679"/>
+                <a:gd name="T8" fmla="*/ 15840 h 1162"/>
+                <a:gd name="T9" fmla="*/ 0 w 1162"/>
+                <a:gd name="T10" fmla="+- 0 14679 14679"/>
+                <a:gd name="T11" fmla="*/ 14679 h 1162"/>
+              </a:gdLst>
+              <a:ahLst/>
+              <a:cxnLst>
+                <a:cxn ang="0">
+                  <a:pos x="T0" y="T2"/>
+                </a:cxn>
+                <a:cxn ang="0">
+                  <a:pos x="T3" y="T5"/>
+                </a:cxn>
+                <a:cxn ang="0">
+                  <a:pos x="T6" y="T8"/>
+                </a:cxn>
+                <a:cxn ang="0">
+                  <a:pos x="T9" y="T11"/>
+                </a:cxn>
+              </a:cxnLst>
+              <a:rect l="0" t="0" r="r" b="b"/>
+              <a:pathLst>
+                <a:path w="1162" h="1162">
+                  <a:moveTo>
+                    <a:pt x="0" y="0"/>
+                  </a:moveTo>
+                  <a:lnTo>
+                    <a:pt x="0" y="1161"/>
+                  </a:lnTo>
+                  <a:lnTo>
+                    <a:pt x="1161" y="1161"/>
+                  </a:lnTo>
+                  <a:lnTo>
+                    <a:pt x="0" y="0"/>
+                  </a:lnTo>
+                  <a:close/>
+                </a:path>
+              </a:pathLst>
+            </a:custGeom>
+            <a:solidFill>
+              <a:schemeClr val="tx2"/>
+            </a:solidFill>
+            <a:ln>
+              <a:noFill/>
+            </a:ln>
+            <a:extLst>
+              <a:ext uri="{91240B29-F687-4F45-9708-019B960494DF}">
+                <a14:hiddenLine xmlns:a14="http://schemas.microsoft.com/office/drawing/2010/main" w="9525">
+                  <a:solidFill>
+                    <a:srgbClr val="000000"/>
+                  </a:solidFill>
+                  <a:round/>
+                  <a:headEnd/>
+                  <a:tailEnd/>
+                </a14:hiddenLine>
+              </a:ext>
+            </a:extLst>
+          </p:spPr>
+          <p:txBody>
+            <a:bodyPr rot="0" vert="horz" wrap="square" lIns="91440" tIns="45720" rIns="91440" bIns="45720" anchor="t" anchorCtr="0" upright="1">
+              <a:noAutofit/>
+            </a:bodyPr>
+            <a:lstStyle/>
+            <a:p>
+              <a:endParaRPr lang="en-US" dirty="0"/>
+            </a:p>
+          </p:txBody>
+        </p:sp>
+        <p:sp>
+          <p:nvSpPr>
+            <p:cNvPr id="22" name="Freeform 21">
+              <a:extLst>
+                <a:ext uri="{FF2B5EF4-FFF2-40B4-BE49-F238E27FC236}">
+                  <a16:creationId xmlns:a16="http://schemas.microsoft.com/office/drawing/2014/main" id="{2A6D4575-C877-AB24-D303-E0DA6B915DB2}"/>
+                </a:ext>
+              </a:extLst>
+            </p:cNvPr>
+            <p:cNvSpPr>
+              <a:spLocks/>
+            </p:cNvSpPr>
+            <p:nvPr/>
+          </p:nvSpPr>
+          <p:spPr bwMode="auto">
+            <a:xfrm>
+              <a:off x="1221" y="14675"/>
+              <a:ext cx="2329" cy="1165"/>
+            </a:xfrm>
+            <a:custGeom>
+              <a:avLst/>
+              <a:gdLst>
+                <a:gd name="T0" fmla="+- 0 3550 1221"/>
+                <a:gd name="T1" fmla="*/ T0 w 2329"/>
+                <a:gd name="T2" fmla="+- 0 15840 14676"/>
+                <a:gd name="T3" fmla="*/ 15840 h 1165"/>
+                <a:gd name="T4" fmla="+- 0 2386 1221"/>
+                <a:gd name="T5" fmla="*/ T4 w 2329"/>
+                <a:gd name="T6" fmla="+- 0 14676 14676"/>
+                <a:gd name="T7" fmla="*/ 14676 h 1165"/>
+                <a:gd name="T8" fmla="+- 0 1221 1221"/>
+                <a:gd name="T9" fmla="*/ T8 w 2329"/>
+                <a:gd name="T10" fmla="+- 0 15840 14676"/>
+                <a:gd name="T11" fmla="*/ 15840 h 1165"/>
+                <a:gd name="T12" fmla="+- 0 3550 1221"/>
+                <a:gd name="T13" fmla="*/ T12 w 2329"/>
+                <a:gd name="T14" fmla="+- 0 15840 14676"/>
+                <a:gd name="T15" fmla="*/ 15840 h 1165"/>
+              </a:gdLst>
+              <a:ahLst/>
+              <a:cxnLst>
+                <a:cxn ang="0">
+                  <a:pos x="T1" y="T3"/>
+                </a:cxn>
+                <a:cxn ang="0">
+                  <a:pos x="T5" y="T7"/>
+                </a:cxn>
+                <a:cxn ang="0">
+                  <a:pos x="T9" y="T11"/>
+                </a:cxn>
+                <a:cxn ang="0">
+                  <a:pos x="T13" y="T15"/>
+                </a:cxn>
+              </a:cxnLst>
+              <a:rect l="0" t="0" r="r" b="b"/>
+              <a:pathLst>
+                <a:path w="2329" h="1165">
+                  <a:moveTo>
+                    <a:pt x="2329" y="1164"/>
+                  </a:moveTo>
+                  <a:lnTo>
+                    <a:pt x="1165" y="0"/>
+                  </a:lnTo>
+                  <a:lnTo>
+                    <a:pt x="0" y="1164"/>
+                  </a:lnTo>
+                  <a:lnTo>
+                    <a:pt x="2329" y="1164"/>
+                  </a:lnTo>
+                </a:path>
+              </a:pathLst>
+            </a:custGeom>
+            <a:solidFill>
+              <a:schemeClr val="accent3"/>
+            </a:solidFill>
+            <a:ln>
+              <a:noFill/>
+            </a:ln>
+            <a:extLst>
+              <a:ext uri="{91240B29-F687-4F45-9708-019B960494DF}">
+                <a14:hiddenLine xmlns:a14="http://schemas.microsoft.com/office/drawing/2010/main" w="9525">
+                  <a:solidFill>
+                    <a:srgbClr val="000000"/>
+                  </a:solidFill>
+                  <a:round/>
+                  <a:headEnd/>
+                  <a:tailEnd/>
+                </a14:hiddenLine>
+              </a:ext>
+            </a:extLst>
+          </p:spPr>
+          <p:txBody>
+            <a:bodyPr rot="0" vert="horz" wrap="square" lIns="91440" tIns="45720" rIns="91440" bIns="45720" anchor="t" anchorCtr="0" upright="1">
+              <a:noAutofit/>
+            </a:bodyPr>
+            <a:lstStyle/>
+            <a:p>
+              <a:endParaRPr lang="en-US" dirty="0"/>
+            </a:p>
+          </p:txBody>
+        </p:sp>
+      </p:grpSp>
+      <p:sp>
+        <p:nvSpPr>
+          <p:cNvPr id="3" name="Title 2">
+            <a:extLst>
+              <a:ext uri="{FF2B5EF4-FFF2-40B4-BE49-F238E27FC236}">
+                <a16:creationId xmlns:a16="http://schemas.microsoft.com/office/drawing/2014/main" id="{0B47985B-C67E-0EBE-39A8-190432713717}"/>
+              </a:ext>
+            </a:extLst>
+          </p:cNvPr>
+          <p:cNvSpPr>
+            <a:spLocks noGrp="1"/>
+          </p:cNvSpPr>
+          <p:nvPr>
+            <p:ph type="title"/>
+          </p:nvPr>
+        </p:nvSpPr>
+        <p:spPr>
+          <a:xfrm>
+            <a:off x="594360" y="102875"/>
+            <a:ext cx="10873740" cy="1680205"/>
+          </a:xfrm>
+        </p:spPr>
+        <p:txBody>
+          <a:bodyPr/>
+          <a:lstStyle/>
+          <a:p>
+            <a:r>
+              <a:rPr lang="en-US" dirty="0">
+                <a:solidFill>
+                  <a:srgbClr val="002060"/>
+                </a:solidFill>
+              </a:rPr>
+              <a:t>Data Understanding</a:t>
+            </a:r>
+          </a:p>
+        </p:txBody>
+      </p:sp>
+      <p:sp>
+        <p:nvSpPr>
+          <p:cNvPr id="7" name="Text Placeholder 6">
+            <a:extLst>
+              <a:ext uri="{FF2B5EF4-FFF2-40B4-BE49-F238E27FC236}">
+                <a16:creationId xmlns:a16="http://schemas.microsoft.com/office/drawing/2014/main" id="{ACF687D9-FAA5-114A-5A40-B2DF6D29A276}"/>
+              </a:ext>
+            </a:extLst>
+          </p:cNvPr>
+          <p:cNvSpPr>
+            <a:spLocks noGrp="1"/>
+          </p:cNvSpPr>
+          <p:nvPr>
+            <p:ph sz="quarter" idx="13"/>
+          </p:nvPr>
+        </p:nvSpPr>
+        <p:spPr>
+          <a:xfrm>
+            <a:off x="1001487" y="2422752"/>
+            <a:ext cx="8452757" cy="3624261"/>
+          </a:xfrm>
+        </p:spPr>
+        <p:txBody>
+          <a:bodyPr vert="horz" lIns="0" tIns="228600" rIns="0" bIns="0" rtlCol="0" anchor="t">
+            <a:normAutofit/>
+          </a:bodyPr>
+          <a:lstStyle/>
+          <a:p>
+            <a:pPr marL="0" indent="0">
+              <a:buNone/>
+            </a:pPr>
+            <a:r>
+              <a:rPr lang="en-US" b="1" dirty="0">
+                <a:ea typeface="+mn-lt"/>
+                <a:cs typeface="+mn-lt"/>
+              </a:rPr>
+              <a:t>The data contains :</a:t>
+            </a:r>
+          </a:p>
+          <a:p>
+            <a:pPr marL="283210" indent="-283210">
+              <a:buFont typeface="Arial"/>
+              <a:buChar char="•"/>
+            </a:pPr>
+            <a:r>
+              <a:rPr lang="en-US" b="1" dirty="0">
+                <a:ea typeface="+mn-lt"/>
+                <a:cs typeface="+mn-lt"/>
+              </a:rPr>
+              <a:t>Tweet ID</a:t>
+            </a:r>
+            <a:r>
+              <a:rPr lang="en-US" dirty="0">
+                <a:ea typeface="+mn-lt"/>
+                <a:cs typeface="+mn-lt"/>
+              </a:rPr>
+              <a:t>: Unique tweet identifier for traceability.</a:t>
+            </a:r>
+            <a:endParaRPr lang="en-US" dirty="0"/>
+          </a:p>
+          <a:p>
+            <a:pPr marL="283210" indent="-283210">
+              <a:buFont typeface="Arial"/>
+              <a:buChar char="•"/>
+            </a:pPr>
+            <a:r>
+              <a:rPr lang="en-US" b="1" dirty="0">
+                <a:ea typeface="+mn-lt"/>
+                <a:cs typeface="+mn-lt"/>
+              </a:rPr>
+              <a:t>Likes</a:t>
+            </a:r>
+            <a:r>
+              <a:rPr lang="en-US" dirty="0">
+                <a:ea typeface="+mn-lt"/>
+                <a:cs typeface="+mn-lt"/>
+              </a:rPr>
+              <a:t>: Number of likes — measures tweet popularity.</a:t>
+            </a:r>
+            <a:endParaRPr lang="en-US" dirty="0"/>
+          </a:p>
+          <a:p>
+            <a:pPr marL="283210" indent="-283210">
+              <a:buFont typeface="Arial"/>
+              <a:buChar char="•"/>
+            </a:pPr>
+            <a:r>
+              <a:rPr lang="en-US" b="1" dirty="0">
+                <a:ea typeface="+mn-lt"/>
+                <a:cs typeface="+mn-lt"/>
+              </a:rPr>
+              <a:t>Retweets</a:t>
+            </a:r>
+            <a:r>
+              <a:rPr lang="en-US" dirty="0">
+                <a:ea typeface="+mn-lt"/>
+                <a:cs typeface="+mn-lt"/>
+              </a:rPr>
+              <a:t>: Number of retweets — indicates content spread.</a:t>
+            </a:r>
+            <a:endParaRPr lang="en-US" dirty="0"/>
+          </a:p>
+          <a:p>
+            <a:pPr marL="283210" indent="-283210">
+              <a:buFont typeface="Arial"/>
+              <a:buChar char="•"/>
+            </a:pPr>
+            <a:r>
+              <a:rPr lang="en-US" b="1" dirty="0">
+                <a:ea typeface="+mn-lt"/>
+                <a:cs typeface="+mn-lt"/>
+              </a:rPr>
+              <a:t>Total Replies</a:t>
+            </a:r>
+            <a:r>
+              <a:rPr lang="en-US" dirty="0">
+                <a:ea typeface="+mn-lt"/>
+                <a:cs typeface="+mn-lt"/>
+              </a:rPr>
+              <a:t>: Direct user responses — reflects engagement/controversy.</a:t>
+            </a:r>
+            <a:endParaRPr lang="en-US" dirty="0"/>
+          </a:p>
+          <a:p>
+            <a:pPr marL="283210" indent="-283210">
+              <a:buFont typeface="Arial"/>
+              <a:buChar char="•"/>
+            </a:pPr>
+            <a:r>
+              <a:rPr lang="en-US" b="1" dirty="0">
+                <a:ea typeface="+mn-lt"/>
+                <a:cs typeface="+mn-lt"/>
+              </a:rPr>
+              <a:t>Texts</a:t>
+            </a:r>
+            <a:r>
+              <a:rPr lang="en-US" dirty="0">
+                <a:ea typeface="+mn-lt"/>
+                <a:cs typeface="+mn-lt"/>
+              </a:rPr>
+              <a:t>: Full tweet text — primary input for NLP tasks.</a:t>
+            </a:r>
+            <a:endParaRPr lang="en-US" dirty="0"/>
+          </a:p>
+          <a:p>
+            <a:pPr marL="283210" indent="-283210">
+              <a:buFont typeface="Arial"/>
+              <a:buChar char="•"/>
+            </a:pPr>
+            <a:r>
+              <a:rPr lang="en-US" b="1" dirty="0">
+                <a:ea typeface="+mn-lt"/>
+                <a:cs typeface="+mn-lt"/>
+              </a:rPr>
+              <a:t>Created At</a:t>
+            </a:r>
+            <a:r>
+              <a:rPr lang="en-US" dirty="0">
+                <a:ea typeface="+mn-lt"/>
+                <a:cs typeface="+mn-lt"/>
+              </a:rPr>
+              <a:t>: Timestamp — enables temporal analysis.</a:t>
+            </a:r>
+            <a:endParaRPr lang="en-US" dirty="0"/>
+          </a:p>
+          <a:p>
+            <a:pPr marL="0" indent="0">
+              <a:buNone/>
+            </a:pPr>
+            <a:endParaRPr lang="en-US" dirty="0"/>
+          </a:p>
+          <a:p>
+            <a:pPr marL="283210" indent="-283210"/>
+            <a:endParaRPr lang="en-US" dirty="0"/>
+          </a:p>
+          <a:p>
+            <a:pPr marL="283210" indent="-283210"/>
+            <a:endParaRPr lang="en-US" dirty="0"/>
+          </a:p>
+        </p:txBody>
+      </p:sp>
+      <p:pic>
+        <p:nvPicPr>
+          <p:cNvPr id="4" name="Picture 3" descr="A blue square with a white bird logo&#10;&#10;AI-generated content may be incorrect.">
+            <a:extLst>
+              <a:ext uri="{FF2B5EF4-FFF2-40B4-BE49-F238E27FC236}">
+                <a16:creationId xmlns:a16="http://schemas.microsoft.com/office/drawing/2014/main" id="{B0A3373C-5403-C70E-6EDD-F9BE42FA591C}"/>
+              </a:ext>
+            </a:extLst>
+          </p:cNvPr>
+          <p:cNvPicPr>
+            <a:picLocks noChangeAspect="1"/>
+          </p:cNvPicPr>
+          <p:nvPr/>
+        </p:nvPicPr>
+        <p:blipFill>
+          <a:blip r:embed="rId3"/>
+          <a:stretch>
+            <a:fillRect/>
+          </a:stretch>
+        </p:blipFill>
+        <p:spPr>
+          <a:xfrm>
+            <a:off x="9034010" y="4225699"/>
+            <a:ext cx="3155496" cy="2369003"/>
+          </a:xfrm>
+          <a:prstGeom prst="rect">
+            <a:avLst/>
+          </a:prstGeom>
+        </p:spPr>
+      </p:pic>
+    </p:spTree>
+    <p:extLst>
+      <p:ext uri="{BB962C8B-B14F-4D97-AF65-F5344CB8AC3E}">
+        <p14:creationId xmlns:p14="http://schemas.microsoft.com/office/powerpoint/2010/main" val="3968324975"/>
+      </p:ext>
+    </p:extLst>
+  </p:cSld>
+  <p:clrMapOvr>
+    <a:masterClrMapping/>
+  </p:clrMapOvr>
+  <p:timing>
+    <p:tnLst>
+      <p:par>
+        <p:cTn id="1" dur="indefinite" restart="never" nodeType="tmRoot"/>
+      </p:par>
+    </p:tnLst>
+  </p:timing>
+</p:sld>
+</file>
+
+<file path=ppt/slides/slide11.xml><?xml version="1.0" encoding="utf-8"?>
+<p:sld xmlns:a="http://schemas.openxmlformats.org/drawingml/2006/main" xmlns:r="http://schemas.openxmlformats.org/officeDocument/2006/relationships" xmlns:p="http://schemas.openxmlformats.org/presentationml/2006/main">
+  <p:cSld>
+    <p:spTree>
+      <p:nvGrpSpPr>
+        <p:cNvPr id="1" name="">
+          <a:extLst>
+            <a:ext uri="{FF2B5EF4-FFF2-40B4-BE49-F238E27FC236}">
+              <a16:creationId xmlns:a16="http://schemas.microsoft.com/office/drawing/2014/main" id="{847D763C-E7AB-9F20-A672-2DE83D823D22}"/>
+            </a:ext>
+          </a:extLst>
+        </p:cNvPr>
+        <p:cNvGrpSpPr/>
+        <p:nvPr/>
+      </p:nvGrpSpPr>
+      <p:grpSpPr>
+        <a:xfrm>
+          <a:off x="0" y="0"/>
+          <a:ext cx="0" cy="0"/>
+          <a:chOff x="0" y="0"/>
+          <a:chExt cx="0" cy="0"/>
+        </a:xfrm>
+      </p:grpSpPr>
+      <p:grpSp>
+        <p:nvGrpSpPr>
+          <p:cNvPr id="19" name="Group 18">
+            <a:extLst>
+              <a:ext uri="{FF2B5EF4-FFF2-40B4-BE49-F238E27FC236}">
+                <a16:creationId xmlns:a16="http://schemas.microsoft.com/office/drawing/2014/main" id="{206733B7-37B0-C9E5-F87F-9265485614CF}"/>
+              </a:ext>
+              <a:ext uri="{C183D7F6-B498-43B3-948B-1728B52AA6E4}">
+                <adec:decorative xmlns:adec="http://schemas.microsoft.com/office/drawing/2017/decorative" xmlns="" val="1"/>
+              </a:ext>
+            </a:extLst>
+          </p:cNvPr>
+          <p:cNvGrpSpPr>
+            <a:grpSpLocks/>
+          </p:cNvGrpSpPr>
+          <p:nvPr/>
+        </p:nvGrpSpPr>
+        <p:grpSpPr bwMode="auto">
+          <a:xfrm rot="16200000" flipV="1">
+            <a:off x="0" y="3900132"/>
+            <a:ext cx="2959226" cy="2959226"/>
+            <a:chOff x="0" y="12289"/>
+            <a:chExt cx="3550" cy="3551"/>
+          </a:xfrm>
+        </p:grpSpPr>
+        <p:sp>
+          <p:nvSpPr>
+            <p:cNvPr id="20" name="Freeform 19">
+              <a:extLst>
+                <a:ext uri="{FF2B5EF4-FFF2-40B4-BE49-F238E27FC236}">
+                  <a16:creationId xmlns:a16="http://schemas.microsoft.com/office/drawing/2014/main" id="{B70F7061-45AA-88B6-E0FE-B75D760B2945}"/>
+                </a:ext>
+              </a:extLst>
+            </p:cNvPr>
+            <p:cNvSpPr>
+              <a:spLocks/>
+            </p:cNvSpPr>
+            <p:nvPr/>
+          </p:nvSpPr>
+          <p:spPr bwMode="auto">
+            <a:xfrm>
+              <a:off x="0" y="12289"/>
+              <a:ext cx="1789" cy="2386"/>
+            </a:xfrm>
+            <a:custGeom>
+              <a:avLst/>
+              <a:gdLst>
+                <a:gd name="T0" fmla="*/ 0 w 1789"/>
+                <a:gd name="T1" fmla="+- 0 12290 12290"/>
+                <a:gd name="T2" fmla="*/ 12290 h 2386"/>
+                <a:gd name="T3" fmla="*/ 0 w 1789"/>
+                <a:gd name="T4" fmla="+- 0 13484 12290"/>
+                <a:gd name="T5" fmla="*/ 13484 h 2386"/>
+                <a:gd name="T6" fmla="*/ 1192 w 1789"/>
+                <a:gd name="T7" fmla="+- 0 14676 12290"/>
+                <a:gd name="T8" fmla="*/ 14676 h 2386"/>
+                <a:gd name="T9" fmla="*/ 1789 w 1789"/>
+                <a:gd name="T10" fmla="+- 0 14079 12290"/>
+                <a:gd name="T11" fmla="*/ 14079 h 2386"/>
+                <a:gd name="T12" fmla="*/ 0 w 1789"/>
+                <a:gd name="T13" fmla="+- 0 12290 12290"/>
+                <a:gd name="T14" fmla="*/ 12290 h 2386"/>
+              </a:gdLst>
+              <a:ahLst/>
+              <a:cxnLst>
+                <a:cxn ang="0">
+                  <a:pos x="T0" y="T2"/>
+                </a:cxn>
+                <a:cxn ang="0">
+                  <a:pos x="T3" y="T5"/>
+                </a:cxn>
+                <a:cxn ang="0">
+                  <a:pos x="T6" y="T8"/>
+                </a:cxn>
+                <a:cxn ang="0">
+                  <a:pos x="T9" y="T11"/>
+                </a:cxn>
+                <a:cxn ang="0">
+                  <a:pos x="T12" y="T14"/>
+                </a:cxn>
+              </a:cxnLst>
+              <a:rect l="0" t="0" r="r" b="b"/>
+              <a:pathLst>
+                <a:path w="1789" h="2386">
+                  <a:moveTo>
+                    <a:pt x="0" y="0"/>
+                  </a:moveTo>
+                  <a:lnTo>
+                    <a:pt x="0" y="1194"/>
+                  </a:lnTo>
+                  <a:lnTo>
+                    <a:pt x="1192" y="2386"/>
+                  </a:lnTo>
+                  <a:lnTo>
+                    <a:pt x="1789" y="1789"/>
+                  </a:lnTo>
+                  <a:lnTo>
+                    <a:pt x="0" y="0"/>
+                  </a:lnTo>
+                  <a:close/>
+                </a:path>
+              </a:pathLst>
+            </a:custGeom>
+            <a:solidFill>
+              <a:schemeClr val="accent6"/>
+            </a:solidFill>
+            <a:ln>
+              <a:noFill/>
+            </a:ln>
+            <a:extLst>
+              <a:ext uri="{91240B29-F687-4F45-9708-019B960494DF}">
+                <a14:hiddenLine xmlns:a14="http://schemas.microsoft.com/office/drawing/2010/main" w="9525">
+                  <a:solidFill>
+                    <a:srgbClr val="000000"/>
+                  </a:solidFill>
+                  <a:round/>
+                  <a:headEnd/>
+                  <a:tailEnd/>
+                </a14:hiddenLine>
+              </a:ext>
+            </a:extLst>
+          </p:spPr>
+          <p:txBody>
+            <a:bodyPr rot="0" vert="horz" wrap="square" lIns="91440" tIns="45720" rIns="91440" bIns="45720" anchor="t" anchorCtr="0" upright="1">
+              <a:noAutofit/>
+            </a:bodyPr>
+            <a:lstStyle/>
+            <a:p>
+              <a:endParaRPr lang="en-US" dirty="0"/>
+            </a:p>
+          </p:txBody>
+        </p:sp>
+        <p:sp>
+          <p:nvSpPr>
+            <p:cNvPr id="21" name="Freeform 20">
+              <a:extLst>
+                <a:ext uri="{FF2B5EF4-FFF2-40B4-BE49-F238E27FC236}">
+                  <a16:creationId xmlns:a16="http://schemas.microsoft.com/office/drawing/2014/main" id="{4086AA96-8B04-2CAA-2C0E-4E834BD02308}"/>
+                </a:ext>
+              </a:extLst>
+            </p:cNvPr>
+            <p:cNvSpPr>
+              <a:spLocks/>
+            </p:cNvSpPr>
+            <p:nvPr/>
+          </p:nvSpPr>
+          <p:spPr bwMode="auto">
+            <a:xfrm>
+              <a:off x="0" y="14678"/>
+              <a:ext cx="1162" cy="1162"/>
+            </a:xfrm>
+            <a:custGeom>
+              <a:avLst/>
+              <a:gdLst>
+                <a:gd name="T0" fmla="*/ 0 w 1162"/>
+                <a:gd name="T1" fmla="+- 0 14679 14679"/>
+                <a:gd name="T2" fmla="*/ 14679 h 1162"/>
+                <a:gd name="T3" fmla="*/ 0 w 1162"/>
+                <a:gd name="T4" fmla="+- 0 15840 14679"/>
+                <a:gd name="T5" fmla="*/ 15840 h 1162"/>
+                <a:gd name="T6" fmla="*/ 1161 w 1162"/>
+                <a:gd name="T7" fmla="+- 0 15840 14679"/>
+                <a:gd name="T8" fmla="*/ 15840 h 1162"/>
+                <a:gd name="T9" fmla="*/ 0 w 1162"/>
+                <a:gd name="T10" fmla="+- 0 14679 14679"/>
+                <a:gd name="T11" fmla="*/ 14679 h 1162"/>
+              </a:gdLst>
+              <a:ahLst/>
+              <a:cxnLst>
+                <a:cxn ang="0">
+                  <a:pos x="T0" y="T2"/>
+                </a:cxn>
+                <a:cxn ang="0">
+                  <a:pos x="T3" y="T5"/>
+                </a:cxn>
+                <a:cxn ang="0">
+                  <a:pos x="T6" y="T8"/>
+                </a:cxn>
+                <a:cxn ang="0">
+                  <a:pos x="T9" y="T11"/>
+                </a:cxn>
+              </a:cxnLst>
+              <a:rect l="0" t="0" r="r" b="b"/>
+              <a:pathLst>
+                <a:path w="1162" h="1162">
+                  <a:moveTo>
+                    <a:pt x="0" y="0"/>
+                  </a:moveTo>
+                  <a:lnTo>
+                    <a:pt x="0" y="1161"/>
+                  </a:lnTo>
+                  <a:lnTo>
+                    <a:pt x="1161" y="1161"/>
+                  </a:lnTo>
+                  <a:lnTo>
+                    <a:pt x="0" y="0"/>
+                  </a:lnTo>
+                  <a:close/>
+                </a:path>
+              </a:pathLst>
+            </a:custGeom>
+            <a:solidFill>
+              <a:schemeClr val="tx2"/>
+            </a:solidFill>
+            <a:ln>
+              <a:noFill/>
+            </a:ln>
+            <a:extLst>
+              <a:ext uri="{91240B29-F687-4F45-9708-019B960494DF}">
+                <a14:hiddenLine xmlns:a14="http://schemas.microsoft.com/office/drawing/2010/main" w="9525">
+                  <a:solidFill>
+                    <a:srgbClr val="000000"/>
+                  </a:solidFill>
+                  <a:round/>
+                  <a:headEnd/>
+                  <a:tailEnd/>
+                </a14:hiddenLine>
+              </a:ext>
+            </a:extLst>
+          </p:spPr>
+          <p:txBody>
+            <a:bodyPr rot="0" vert="horz" wrap="square" lIns="91440" tIns="45720" rIns="91440" bIns="45720" anchor="t" anchorCtr="0" upright="1">
+              <a:noAutofit/>
+            </a:bodyPr>
+            <a:lstStyle/>
+            <a:p>
+              <a:endParaRPr lang="en-US" dirty="0"/>
+            </a:p>
+          </p:txBody>
+        </p:sp>
+        <p:sp>
+          <p:nvSpPr>
+            <p:cNvPr id="22" name="Freeform 21">
+              <a:extLst>
+                <a:ext uri="{FF2B5EF4-FFF2-40B4-BE49-F238E27FC236}">
+                  <a16:creationId xmlns:a16="http://schemas.microsoft.com/office/drawing/2014/main" id="{342B55F3-43AC-E164-4459-A2A3CE1B2A6A}"/>
+                </a:ext>
+              </a:extLst>
+            </p:cNvPr>
+            <p:cNvSpPr>
+              <a:spLocks/>
+            </p:cNvSpPr>
+            <p:nvPr/>
+          </p:nvSpPr>
+          <p:spPr bwMode="auto">
+            <a:xfrm>
+              <a:off x="1221" y="14675"/>
+              <a:ext cx="2329" cy="1165"/>
+            </a:xfrm>
+            <a:custGeom>
+              <a:avLst/>
+              <a:gdLst>
+                <a:gd name="T0" fmla="+- 0 3550 1221"/>
+                <a:gd name="T1" fmla="*/ T0 w 2329"/>
+                <a:gd name="T2" fmla="+- 0 15840 14676"/>
+                <a:gd name="T3" fmla="*/ 15840 h 1165"/>
+                <a:gd name="T4" fmla="+- 0 2386 1221"/>
+                <a:gd name="T5" fmla="*/ T4 w 2329"/>
+                <a:gd name="T6" fmla="+- 0 14676 14676"/>
+                <a:gd name="T7" fmla="*/ 14676 h 1165"/>
+                <a:gd name="T8" fmla="+- 0 1221 1221"/>
+                <a:gd name="T9" fmla="*/ T8 w 2329"/>
+                <a:gd name="T10" fmla="+- 0 15840 14676"/>
+                <a:gd name="T11" fmla="*/ 15840 h 1165"/>
+                <a:gd name="T12" fmla="+- 0 3550 1221"/>
+                <a:gd name="T13" fmla="*/ T12 w 2329"/>
+                <a:gd name="T14" fmla="+- 0 15840 14676"/>
+                <a:gd name="T15" fmla="*/ 15840 h 1165"/>
+              </a:gdLst>
+              <a:ahLst/>
+              <a:cxnLst>
+                <a:cxn ang="0">
+                  <a:pos x="T1" y="T3"/>
+                </a:cxn>
+                <a:cxn ang="0">
+                  <a:pos x="T5" y="T7"/>
+                </a:cxn>
+                <a:cxn ang="0">
+                  <a:pos x="T9" y="T11"/>
+                </a:cxn>
+                <a:cxn ang="0">
+                  <a:pos x="T13" y="T15"/>
+                </a:cxn>
+              </a:cxnLst>
+              <a:rect l="0" t="0" r="r" b="b"/>
+              <a:pathLst>
+                <a:path w="2329" h="1165">
+                  <a:moveTo>
+                    <a:pt x="2329" y="1164"/>
+                  </a:moveTo>
+                  <a:lnTo>
+                    <a:pt x="1165" y="0"/>
+                  </a:lnTo>
+                  <a:lnTo>
+                    <a:pt x="0" y="1164"/>
+                  </a:lnTo>
+                  <a:lnTo>
+                    <a:pt x="2329" y="1164"/>
+                  </a:lnTo>
+                </a:path>
+              </a:pathLst>
+            </a:custGeom>
+            <a:solidFill>
+              <a:schemeClr val="accent3"/>
+            </a:solidFill>
+            <a:ln>
+              <a:noFill/>
+            </a:ln>
+            <a:extLst>
+              <a:ext uri="{91240B29-F687-4F45-9708-019B960494DF}">
+                <a14:hiddenLine xmlns:a14="http://schemas.microsoft.com/office/drawing/2010/main" w="9525">
+                  <a:solidFill>
+                    <a:srgbClr val="000000"/>
+                  </a:solidFill>
+                  <a:round/>
+                  <a:headEnd/>
+                  <a:tailEnd/>
+                </a14:hiddenLine>
+              </a:ext>
+            </a:extLst>
+          </p:spPr>
+          <p:txBody>
+            <a:bodyPr rot="0" vert="horz" wrap="square" lIns="91440" tIns="45720" rIns="91440" bIns="45720" anchor="t" anchorCtr="0" upright="1">
+              <a:noAutofit/>
+            </a:bodyPr>
+            <a:lstStyle/>
+            <a:p>
+              <a:endParaRPr lang="en-US" dirty="0"/>
+            </a:p>
+          </p:txBody>
+        </p:sp>
+      </p:grpSp>
+      <p:pic>
+        <p:nvPicPr>
+          <p:cNvPr id="5" name="Picture 4" descr="A diagram of a pie chart&#10;&#10;AI-generated content may be incorrect.">
+            <a:extLst>
+              <a:ext uri="{FF2B5EF4-FFF2-40B4-BE49-F238E27FC236}">
+                <a16:creationId xmlns:a16="http://schemas.microsoft.com/office/drawing/2014/main" id="{E6442F42-3522-8187-F66B-6AF40323BD0C}"/>
+              </a:ext>
+            </a:extLst>
+          </p:cNvPr>
+          <p:cNvPicPr>
+            <a:picLocks noChangeAspect="1"/>
+          </p:cNvPicPr>
+          <p:nvPr/>
+        </p:nvPicPr>
+        <p:blipFill>
+          <a:blip r:embed="rId3"/>
+          <a:stretch>
+            <a:fillRect/>
+          </a:stretch>
+        </p:blipFill>
+        <p:spPr>
+          <a:xfrm>
+            <a:off x="1507516" y="2645317"/>
+            <a:ext cx="4446222" cy="4201785"/>
+          </a:xfrm>
+          <a:prstGeom prst="rect">
+            <a:avLst/>
+          </a:prstGeom>
+        </p:spPr>
+      </p:pic>
+      <p:sp>
+        <p:nvSpPr>
+          <p:cNvPr id="3" name="Title 2">
+            <a:extLst>
+              <a:ext uri="{FF2B5EF4-FFF2-40B4-BE49-F238E27FC236}">
+                <a16:creationId xmlns:a16="http://schemas.microsoft.com/office/drawing/2014/main" id="{B26B39E3-5356-78C1-CF2E-8EE5C5C73854}"/>
+              </a:ext>
+            </a:extLst>
+          </p:cNvPr>
+          <p:cNvSpPr>
+            <a:spLocks noGrp="1"/>
+          </p:cNvSpPr>
+          <p:nvPr>
+            <p:ph type="title"/>
+          </p:nvPr>
+        </p:nvSpPr>
+        <p:spPr>
+          <a:xfrm>
+            <a:off x="594360" y="529078"/>
+            <a:ext cx="10718757" cy="1202341"/>
+          </a:xfrm>
+        </p:spPr>
+        <p:txBody>
+          <a:bodyPr/>
+          <a:lstStyle/>
+          <a:p>
+            <a:r>
+              <a:rPr lang="en-US" b="0" dirty="0">
+                <a:solidFill>
+                  <a:srgbClr val="002060"/>
+                </a:solidFill>
+                <a:ea typeface="+mj-lt"/>
+                <a:cs typeface="+mj-lt"/>
+              </a:rPr>
+              <a:t>Class Distribution</a:t>
+            </a:r>
+            <a:endParaRPr lang="en-US" dirty="0">
+              <a:solidFill>
+                <a:srgbClr val="002060"/>
+              </a:solidFill>
+            </a:endParaRPr>
+          </a:p>
+        </p:txBody>
+      </p:sp>
+      <p:pic>
+        <p:nvPicPr>
+          <p:cNvPr id="4" name="Picture 3" descr="A blue square with a white bird logo&#10;&#10;AI-generated content may be incorrect.">
+            <a:extLst>
+              <a:ext uri="{FF2B5EF4-FFF2-40B4-BE49-F238E27FC236}">
+                <a16:creationId xmlns:a16="http://schemas.microsoft.com/office/drawing/2014/main" id="{71753ED9-6ECE-2964-B238-0F17DA3ED728}"/>
+              </a:ext>
+            </a:extLst>
+          </p:cNvPr>
+          <p:cNvPicPr>
+            <a:picLocks noChangeAspect="1"/>
+          </p:cNvPicPr>
+          <p:nvPr/>
+        </p:nvPicPr>
+        <p:blipFill>
+          <a:blip r:embed="rId4"/>
+          <a:stretch>
+            <a:fillRect/>
+          </a:stretch>
+        </p:blipFill>
+        <p:spPr>
+          <a:xfrm>
+            <a:off x="9242499" y="5183639"/>
+            <a:ext cx="2947008" cy="1663463"/>
+          </a:xfrm>
+          <a:prstGeom prst="rect">
+            <a:avLst/>
+          </a:prstGeom>
+        </p:spPr>
+      </p:pic>
+      <p:sp>
+        <p:nvSpPr>
+          <p:cNvPr id="6" name="TextBox 5">
+            <a:extLst>
+              <a:ext uri="{FF2B5EF4-FFF2-40B4-BE49-F238E27FC236}">
+                <a16:creationId xmlns:a16="http://schemas.microsoft.com/office/drawing/2014/main" id="{64F96A85-6FDD-F0DD-06BC-BC24EFE2CFF3}"/>
+              </a:ext>
+            </a:extLst>
+          </p:cNvPr>
+          <p:cNvSpPr txBox="1"/>
+          <p:nvPr/>
+        </p:nvSpPr>
+        <p:spPr>
+          <a:xfrm>
+            <a:off x="7564627" y="2064497"/>
+            <a:ext cx="4459829" cy="2215991"/>
+          </a:xfrm>
+          <a:prstGeom prst="rect">
+            <a:avLst/>
+          </a:prstGeom>
+          <a:noFill/>
+        </p:spPr>
+        <p:txBody>
+          <a:bodyPr rot="0" spcFirstLastPara="0" vertOverflow="overflow" horzOverflow="overflow" vert="horz" wrap="square" lIns="91440" tIns="45720" rIns="91440" bIns="45720" numCol="1" spcCol="0" rtlCol="0" fromWordArt="0" anchor="t" anchorCtr="0" forceAA="0" compatLnSpc="1">
+            <a:prstTxWarp prst="textNoShape">
+              <a:avLst/>
+            </a:prstTxWarp>
+            <a:spAutoFit/>
+          </a:bodyPr>
+          <a:lstStyle/>
+          <a:p>
+            <a:r>
+              <a:rPr lang="en-US" sz="2000" b="1" dirty="0">
+                <a:solidFill>
+                  <a:srgbClr val="000000"/>
+                </a:solidFill>
+                <a:highlight>
+                  <a:srgbClr val="FFFFFF"/>
+                </a:highlight>
+                <a:latin typeface="Arial"/>
+                <a:cs typeface="Arial"/>
+              </a:rPr>
+              <a:t>Observations</a:t>
+            </a:r>
+          </a:p>
+          <a:p>
+            <a:endParaRPr lang="en-US" sz="2000" b="1" dirty="0">
+              <a:solidFill>
+                <a:srgbClr val="000000"/>
+              </a:solidFill>
+              <a:highlight>
+                <a:srgbClr val="FFFFFF"/>
+              </a:highlight>
+              <a:latin typeface="Arial"/>
+              <a:cs typeface="Arial"/>
+            </a:endParaRPr>
+          </a:p>
+          <a:p>
+            <a:r>
+              <a:rPr lang="en-US" sz="2000" dirty="0">
+                <a:solidFill>
+                  <a:srgbClr val="000000"/>
+                </a:solidFill>
+                <a:highlight>
+                  <a:srgbClr val="FFFFFF"/>
+                </a:highlight>
+                <a:ea typeface="+mn-lt"/>
+                <a:cs typeface="+mn-lt"/>
+              </a:rPr>
+              <a:t>The chart visually depicts a significant class imbalance in the dataset.</a:t>
+            </a:r>
+            <a:endParaRPr lang="en-US" dirty="0">
+              <a:ea typeface="+mn-lt"/>
+              <a:cs typeface="+mn-lt"/>
+            </a:endParaRPr>
+          </a:p>
+          <a:p>
+            <a:endParaRPr lang="en-US" dirty="0"/>
+          </a:p>
+          <a:p>
+            <a:r>
+              <a:rPr lang="en-US" sz="2000" dirty="0">
+                <a:solidFill>
+                  <a:srgbClr val="000000"/>
+                </a:solidFill>
+                <a:highlight>
+                  <a:srgbClr val="FFFFFF"/>
+                </a:highlight>
+                <a:ea typeface="+mn-lt"/>
+                <a:cs typeface="+mn-lt"/>
+              </a:rPr>
+              <a:t>The "neutral" class has the highest percentage of 62.0%, and "hate" 38.0% </a:t>
+            </a:r>
+          </a:p>
+        </p:txBody>
+      </p:sp>
+    </p:spTree>
+    <p:extLst>
+      <p:ext uri="{BB962C8B-B14F-4D97-AF65-F5344CB8AC3E}">
+        <p14:creationId xmlns:p14="http://schemas.microsoft.com/office/powerpoint/2010/main" val="4094257643"/>
+      </p:ext>
+    </p:extLst>
+  </p:cSld>
+  <p:clrMapOvr>
+    <a:masterClrMapping/>
+  </p:clrMapOvr>
+  <p:timing>
+    <p:tnLst>
+      <p:par>
+        <p:cTn id="1" dur="indefinite" restart="never" nodeType="tmRoot"/>
+      </p:par>
+    </p:tnLst>
+  </p:timing>
+</p:sld>
+</file>
+
+<file path=ppt/slides/slide12.xml><?xml version="1.0" encoding="utf-8"?>
+<p:sld xmlns:a="http://schemas.openxmlformats.org/drawingml/2006/main" xmlns:r="http://schemas.openxmlformats.org/officeDocument/2006/relationships" xmlns:p="http://schemas.openxmlformats.org/presentationml/2006/main">
+  <p:cSld>
+    <p:spTree>
+      <p:nvGrpSpPr>
+        <p:cNvPr id="1" name="">
+          <a:extLst>
+            <a:ext uri="{FF2B5EF4-FFF2-40B4-BE49-F238E27FC236}">
               <a16:creationId xmlns:a16="http://schemas.microsoft.com/office/drawing/2014/main" id="{C0348416-727F-2789-C34D-6BA476684C40}"/>
             </a:ext>
           </a:extLst>
@@ -12364,7 +13780,7 @@
                 <a16:creationId xmlns:a16="http://schemas.microsoft.com/office/drawing/2014/main" id="{9331AC30-9262-9C9E-7E27-C5AD522C913F}"/>
               </a:ext>
               <a:ext uri="{C183D7F6-B498-43B3-948B-1728B52AA6E4}">
-                <adec:decorative xmlns="" xmlns:adec="http://schemas.microsoft.com/office/drawing/2017/decorative" val="1"/>
+                <adec:decorative xmlns:adec="http://schemas.microsoft.com/office/drawing/2017/decorative" xmlns="" val="1"/>
               </a:ext>
             </a:extLst>
           </p:cNvPr>
@@ -13017,7 +14433,7 @@
 </p:sld>
 </file>
 
-<file path=ppt/slides/slide11.xml><?xml version="1.0" encoding="utf-8"?>
+<file path=ppt/slides/slide13.xml><?xml version="1.0" encoding="utf-8"?>
 <p:sld xmlns:a="http://schemas.openxmlformats.org/drawingml/2006/main" xmlns:r="http://schemas.openxmlformats.org/officeDocument/2006/relationships" xmlns:p="http://schemas.openxmlformats.org/presentationml/2006/main">
   <p:cSld>
     <p:spTree>
@@ -13092,7 +14508,7 @@
                 <a16:creationId xmlns:a16="http://schemas.microsoft.com/office/drawing/2014/main" id="{DBAE1FB7-8BD7-0A31-98CB-AD4CD728EAC7}"/>
               </a:ext>
               <a:ext uri="{C183D7F6-B498-43B3-948B-1728B52AA6E4}">
-                <adec:decorative xmlns="" xmlns:adec="http://schemas.microsoft.com/office/drawing/2017/decorative" val="1"/>
+                <adec:decorative xmlns:adec="http://schemas.microsoft.com/office/drawing/2017/decorative" xmlns="" val="1"/>
               </a:ext>
             </a:extLst>
           </p:cNvPr>
@@ -13819,7 +15235,7 @@
 </p:sld>
 </file>
 
-<file path=ppt/slides/slide12.xml><?xml version="1.0" encoding="utf-8"?>
+<file path=ppt/slides/slide14.xml><?xml version="1.0" encoding="utf-8"?>
 <p:sld xmlns:a="http://schemas.openxmlformats.org/drawingml/2006/main" xmlns:r="http://schemas.openxmlformats.org/officeDocument/2006/relationships" xmlns:p="http://schemas.openxmlformats.org/presentationml/2006/main">
   <p:cSld>
     <p:spTree>
@@ -13894,7 +15310,7 @@
                 <a16:creationId xmlns:a16="http://schemas.microsoft.com/office/drawing/2014/main" id="{C776E931-0951-A2D1-1220-9D4AB2CB9F41}"/>
               </a:ext>
               <a:ext uri="{C183D7F6-B498-43B3-948B-1728B52AA6E4}">
-                <adec:decorative xmlns="" xmlns:adec="http://schemas.microsoft.com/office/drawing/2017/decorative" val="1"/>
+                <adec:decorative xmlns:adec="http://schemas.microsoft.com/office/drawing/2017/decorative" xmlns="" val="1"/>
               </a:ext>
             </a:extLst>
           </p:cNvPr>
@@ -14548,7 +15964,7 @@
 </p:sld>
 </file>
 
-<file path=ppt/slides/slide13.xml><?xml version="1.0" encoding="utf-8"?>
+<file path=ppt/slides/slide15.xml><?xml version="1.0" encoding="utf-8"?>
 <p:sld xmlns:a="http://schemas.openxmlformats.org/drawingml/2006/main" xmlns:r="http://schemas.openxmlformats.org/officeDocument/2006/relationships" xmlns:p="http://schemas.openxmlformats.org/presentationml/2006/main">
   <p:cSld>
     <p:spTree>
@@ -14623,7 +16039,7 @@
                 <a16:creationId xmlns:a16="http://schemas.microsoft.com/office/drawing/2014/main" id="{6BD7FB08-CFB5-B717-113B-28FDCB0CEF94}"/>
               </a:ext>
               <a:ext uri="{C183D7F6-B498-43B3-948B-1728B52AA6E4}">
-                <adec:decorative xmlns="" xmlns:adec="http://schemas.microsoft.com/office/drawing/2017/decorative" val="1"/>
+                <adec:decorative xmlns:adec="http://schemas.microsoft.com/office/drawing/2017/decorative" xmlns="" val="1"/>
               </a:ext>
             </a:extLst>
           </p:cNvPr>
@@ -15185,7 +16601,7 @@
 </p:sld>
 </file>
 
-<file path=ppt/slides/slide14.xml><?xml version="1.0" encoding="utf-8"?>
+<file path=ppt/slides/slide16.xml><?xml version="1.0" encoding="utf-8"?>
 <p:sld xmlns:a="http://schemas.openxmlformats.org/drawingml/2006/main" xmlns:r="http://schemas.openxmlformats.org/officeDocument/2006/relationships" xmlns:p="http://schemas.openxmlformats.org/presentationml/2006/main">
   <p:cSld>
     <p:spTree>
@@ -15258,7 +16674,7 @@
                 <a16:creationId xmlns:a16="http://schemas.microsoft.com/office/drawing/2014/main" id="{8EC412A9-B856-E9B3-3F1E-02483AB8F8A7}"/>
               </a:ext>
               <a:ext uri="{C183D7F6-B498-43B3-948B-1728B52AA6E4}">
-                <adec:decorative xmlns="" xmlns:adec="http://schemas.microsoft.com/office/drawing/2017/decorative" val="1"/>
+                <adec:decorative xmlns:adec="http://schemas.microsoft.com/office/drawing/2017/decorative" xmlns="" val="1"/>
               </a:ext>
             </a:extLst>
           </p:cNvPr>
@@ -15769,7 +17185,7 @@
 </p:sld>
 </file>
 
-<file path=ppt/slides/slide15.xml><?xml version="1.0" encoding="utf-8"?>
+<file path=ppt/slides/slide17.xml><?xml version="1.0" encoding="utf-8"?>
 <p:sld xmlns:a="http://schemas.openxmlformats.org/drawingml/2006/main" xmlns:r="http://schemas.openxmlformats.org/officeDocument/2006/relationships" xmlns:p="http://schemas.openxmlformats.org/presentationml/2006/main">
   <p:cSld>
     <p:spTree>
@@ -15844,7 +17260,7 @@
                 <a16:creationId xmlns:a16="http://schemas.microsoft.com/office/drawing/2014/main" id="{2415387C-13A4-4A57-356F-7EB0CF9AB2EE}"/>
               </a:ext>
               <a:ext uri="{C183D7F6-B498-43B3-948B-1728B52AA6E4}">
-                <adec:decorative xmlns="" xmlns:adec="http://schemas.microsoft.com/office/drawing/2017/decorative" val="1"/>
+                <adec:decorative xmlns:adec="http://schemas.microsoft.com/office/drawing/2017/decorative" xmlns="" val="1"/>
               </a:ext>
             </a:extLst>
           </p:cNvPr>
@@ -16429,7 +17845,7 @@
 </p:sld>
 </file>
 
-<file path=ppt/slides/slide16.xml><?xml version="1.0" encoding="utf-8"?>
+<file path=ppt/slides/slide18.xml><?xml version="1.0" encoding="utf-8"?>
 <p:sld xmlns:a="http://schemas.openxmlformats.org/drawingml/2006/main" xmlns:r="http://schemas.openxmlformats.org/officeDocument/2006/relationships" xmlns:p="http://schemas.openxmlformats.org/presentationml/2006/main">
   <p:cSld>
     <p:bg>
@@ -16546,7 +17962,7 @@
 </p:sld>
 </file>
 
-<file path=ppt/slides/slide17.xml><?xml version="1.0" encoding="utf-8"?>
+<file path=ppt/slides/slide19.xml><?xml version="1.0" encoding="utf-8"?>
 <p:sld xmlns:a="http://schemas.openxmlformats.org/drawingml/2006/main" xmlns:r="http://schemas.openxmlformats.org/officeDocument/2006/relationships" xmlns:p="http://schemas.openxmlformats.org/presentationml/2006/main">
   <p:cSld>
     <p:spTree>
@@ -16811,7 +18227,7 @@
                 <a16:creationId xmlns:a16="http://schemas.microsoft.com/office/drawing/2014/main" id="{A73C316E-45D6-69D7-7F67-5A6516CBC10A}"/>
               </a:ext>
               <a:ext uri="{C183D7F6-B498-43B3-948B-1728B52AA6E4}">
-                <adec:decorative xmlns="" xmlns:adec="http://schemas.microsoft.com/office/drawing/2017/decorative" val="1"/>
+                <adec:decorative xmlns:adec="http://schemas.microsoft.com/office/drawing/2017/decorative" xmlns="" val="1"/>
               </a:ext>
             </a:extLst>
           </p:cNvPr>
@@ -17185,7 +18601,408 @@
 </p:sld>
 </file>
 
-<file path=ppt/slides/slide18.xml><?xml version="1.0" encoding="utf-8"?>
+<file path=ppt/slides/slide2.xml><?xml version="1.0" encoding="utf-8"?>
+<p:sld xmlns:a="http://schemas.openxmlformats.org/drawingml/2006/main" xmlns:r="http://schemas.openxmlformats.org/officeDocument/2006/relationships" xmlns:p="http://schemas.openxmlformats.org/presentationml/2006/main">
+  <p:cSld>
+    <p:spTree>
+      <p:nvGrpSpPr>
+        <p:cNvPr id="1" name="">
+          <a:extLst>
+            <a:ext uri="{FF2B5EF4-FFF2-40B4-BE49-F238E27FC236}">
+              <a16:creationId xmlns:a16="http://schemas.microsoft.com/office/drawing/2014/main" id="{58640B40-BA1F-3226-F059-2B755A2983C1}"/>
+            </a:ext>
+          </a:extLst>
+        </p:cNvPr>
+        <p:cNvGrpSpPr/>
+        <p:nvPr/>
+      </p:nvGrpSpPr>
+      <p:grpSpPr>
+        <a:xfrm>
+          <a:off x="0" y="0"/>
+          <a:ext cx="0" cy="0"/>
+          <a:chOff x="0" y="0"/>
+          <a:chExt cx="0" cy="0"/>
+        </a:xfrm>
+      </p:grpSpPr>
+      <p:sp>
+        <p:nvSpPr>
+          <p:cNvPr id="2" name="Title 1">
+            <a:extLst>
+              <a:ext uri="{FF2B5EF4-FFF2-40B4-BE49-F238E27FC236}">
+                <a16:creationId xmlns:a16="http://schemas.microsoft.com/office/drawing/2014/main" id="{F7546441-8AFC-E866-012F-82556C65B4E7}"/>
+              </a:ext>
+            </a:extLst>
+          </p:cNvPr>
+          <p:cNvSpPr>
+            <a:spLocks noGrp="1"/>
+          </p:cNvSpPr>
+          <p:nvPr>
+            <p:ph type="ctrTitle"/>
+          </p:nvPr>
+        </p:nvSpPr>
+        <p:spPr>
+          <a:xfrm>
+            <a:off x="6305729" y="2961616"/>
+            <a:ext cx="5361381" cy="2383399"/>
+          </a:xfrm>
+        </p:spPr>
+        <p:txBody>
+          <a:bodyPr/>
+          <a:lstStyle/>
+          <a:p>
+            <a:r>
+              <a:rPr lang="en-US" sz="2400" i="1" dirty="0">
+                <a:latin typeface="Arial"/>
+                <a:cs typeface="Arial"/>
+              </a:rPr>
+              <a:t/>
+            </a:r>
+            <a:br>
+              <a:rPr lang="en-US" sz="2400" i="1" dirty="0">
+                <a:latin typeface="Arial"/>
+                <a:cs typeface="Arial"/>
+              </a:rPr>
+            </a:br>
+            <a:r>
+              <a:rPr lang="en-US" sz="2400" i="1" dirty="0">
+                <a:latin typeface="Arial"/>
+                <a:cs typeface="Arial"/>
+              </a:rPr>
+              <a:t/>
+            </a:r>
+            <a:br>
+              <a:rPr lang="en-US" sz="2400" i="1" dirty="0">
+                <a:latin typeface="Arial"/>
+                <a:cs typeface="Arial"/>
+              </a:rPr>
+            </a:br>
+            <a:r>
+              <a:rPr lang="en-US" sz="2000" i="1" dirty="0">
+                <a:latin typeface="Arial"/>
+                <a:cs typeface="Arial"/>
+              </a:rPr>
+              <a:t/>
+            </a:r>
+            <a:br>
+              <a:rPr lang="en-US" sz="2000" i="1" dirty="0">
+                <a:latin typeface="Arial"/>
+                <a:cs typeface="Arial"/>
+              </a:rPr>
+            </a:br>
+            <a:r>
+              <a:rPr lang="en-US" sz="2000" i="1" dirty="0">
+                <a:latin typeface="Arial"/>
+                <a:cs typeface="Arial"/>
+              </a:rPr>
+              <a:t/>
+            </a:r>
+            <a:br>
+              <a:rPr lang="en-US" sz="2000" i="1" dirty="0">
+                <a:latin typeface="Arial"/>
+                <a:cs typeface="Arial"/>
+              </a:rPr>
+            </a:br>
+            <a:r>
+              <a:rPr lang="en-US" sz="2000" i="1" dirty="0">
+                <a:latin typeface="Arial"/>
+                <a:cs typeface="Arial"/>
+              </a:rPr>
+              <a:t/>
+            </a:r>
+            <a:br>
+              <a:rPr lang="en-US" sz="2000" i="1" dirty="0">
+                <a:latin typeface="Arial"/>
+                <a:cs typeface="Arial"/>
+              </a:rPr>
+            </a:br>
+            <a:r>
+              <a:rPr lang="en-US" sz="2000" i="1" dirty="0">
+                <a:latin typeface="Arial"/>
+                <a:cs typeface="Arial"/>
+              </a:rPr>
+              <a:t/>
+            </a:r>
+            <a:br>
+              <a:rPr lang="en-US" sz="2000" i="1" dirty="0">
+                <a:latin typeface="Arial"/>
+                <a:cs typeface="Arial"/>
+              </a:rPr>
+            </a:br>
+            <a:r>
+              <a:rPr lang="en-US" sz="2000" i="1" dirty="0">
+                <a:latin typeface="Arial"/>
+                <a:cs typeface="Arial"/>
+              </a:rPr>
+              <a:t/>
+            </a:r>
+            <a:br>
+              <a:rPr lang="en-US" sz="2000" i="1" dirty="0">
+                <a:latin typeface="Arial"/>
+                <a:cs typeface="Arial"/>
+              </a:rPr>
+            </a:br>
+            <a:r>
+              <a:rPr lang="en-US" sz="2000" i="1" dirty="0">
+                <a:latin typeface="Arial"/>
+                <a:cs typeface="Arial"/>
+              </a:rPr>
+              <a:t/>
+            </a:r>
+            <a:br>
+              <a:rPr lang="en-US" sz="2000" i="1" dirty="0">
+                <a:latin typeface="Arial"/>
+                <a:cs typeface="Arial"/>
+              </a:rPr>
+            </a:br>
+            <a:r>
+              <a:rPr lang="en-US" sz="2000" i="1" dirty="0">
+                <a:latin typeface="Arial"/>
+                <a:cs typeface="Arial"/>
+              </a:rPr>
+              <a:t/>
+            </a:r>
+            <a:br>
+              <a:rPr lang="en-US" sz="2000" i="1" dirty="0">
+                <a:latin typeface="Arial"/>
+                <a:cs typeface="Arial"/>
+              </a:rPr>
+            </a:br>
+            <a:r>
+              <a:rPr lang="en-US" sz="2000" i="1" dirty="0">
+                <a:solidFill>
+                  <a:srgbClr val="0070C0"/>
+                </a:solidFill>
+                <a:latin typeface="Franklin Gothic Book"/>
+                <a:ea typeface="Calibri"/>
+                <a:cs typeface="Arial"/>
+              </a:rPr>
+              <a:t>Imagine a Twitter-like platform where users can post freely.</a:t>
+            </a:r>
+            <a:r>
+              <a:rPr lang="en-US" sz="2000" i="1" dirty="0">
+                <a:solidFill>
+                  <a:srgbClr val="0070C0"/>
+                </a:solidFill>
+                <a:latin typeface="Franklin Gothic Book"/>
+                <a:cs typeface="Arial"/>
+              </a:rPr>
+              <a:t/>
+            </a:r>
+            <a:br>
+              <a:rPr lang="en-US" sz="2000" i="1" dirty="0">
+                <a:solidFill>
+                  <a:srgbClr val="0070C0"/>
+                </a:solidFill>
+                <a:latin typeface="Franklin Gothic Book"/>
+                <a:cs typeface="Arial"/>
+              </a:rPr>
+            </a:br>
+            <a:r>
+              <a:rPr lang="en-US" sz="2000" i="1" dirty="0">
+                <a:solidFill>
+                  <a:srgbClr val="0070C0"/>
+                </a:solidFill>
+                <a:latin typeface="Franklin Gothic Book"/>
+                <a:cs typeface="Arial"/>
+              </a:rPr>
+              <a:t/>
+            </a:r>
+            <a:br>
+              <a:rPr lang="en-US" sz="2000" i="1" dirty="0">
+                <a:solidFill>
+                  <a:srgbClr val="0070C0"/>
+                </a:solidFill>
+                <a:latin typeface="Franklin Gothic Book"/>
+                <a:cs typeface="Arial"/>
+              </a:rPr>
+            </a:br>
+            <a:r>
+              <a:rPr lang="en-US" sz="2000" i="1" dirty="0">
+                <a:solidFill>
+                  <a:srgbClr val="0070C0"/>
+                </a:solidFill>
+                <a:latin typeface="Franklin Gothic Book"/>
+                <a:ea typeface="Calibri"/>
+                <a:cs typeface="Arial"/>
+              </a:rPr>
+              <a:t> A place where hate speech posts can be automatically flagged or hidden within seconds—drastically improving the experience for users and reducing platform liability.</a:t>
+            </a:r>
+            <a:endParaRPr lang="en-US" sz="2000" i="1" dirty="0">
+              <a:solidFill>
+                <a:srgbClr val="0070C0"/>
+              </a:solidFill>
+              <a:latin typeface="Franklin Gothic Book"/>
+              <a:ea typeface="Calibri"/>
+            </a:endParaRPr>
+          </a:p>
+        </p:txBody>
+      </p:sp>
+      <p:sp>
+        <p:nvSpPr>
+          <p:cNvPr id="7" name="TextBox 6">
+            <a:extLst>
+              <a:ext uri="{FF2B5EF4-FFF2-40B4-BE49-F238E27FC236}">
+                <a16:creationId xmlns:a16="http://schemas.microsoft.com/office/drawing/2014/main" id="{2948DC3D-5627-7192-1EE4-118CD8E2F193}"/>
+              </a:ext>
+            </a:extLst>
+          </p:cNvPr>
+          <p:cNvSpPr txBox="1"/>
+          <p:nvPr/>
+        </p:nvSpPr>
+        <p:spPr>
+          <a:xfrm>
+            <a:off x="892630" y="1170214"/>
+            <a:ext cx="9544246" cy="718929"/>
+          </a:xfrm>
+          <a:prstGeom prst="rect">
+            <a:avLst/>
+          </a:prstGeom>
+          <a:noFill/>
+        </p:spPr>
+        <p:txBody>
+          <a:bodyPr rot="0" spcFirstLastPara="0" vertOverflow="overflow" horzOverflow="overflow" vert="horz" wrap="square" lIns="91440" tIns="45720" rIns="91440" bIns="45720" numCol="1" spcCol="0" rtlCol="0" fromWordArt="0" anchor="t" anchorCtr="0" forceAA="0" compatLnSpc="1">
+            <a:prstTxWarp prst="textNoShape">
+              <a:avLst/>
+            </a:prstTxWarp>
+            <a:spAutoFit/>
+          </a:bodyPr>
+          <a:lstStyle/>
+          <a:p>
+            <a:r>
+              <a:rPr lang="en-US" sz="2000" dirty="0">
+                <a:solidFill>
+                  <a:schemeClr val="bg1"/>
+                </a:solidFill>
+                <a:latin typeface="Arial"/>
+                <a:cs typeface="Arial"/>
+              </a:rPr>
+              <a:t>In today's digital age, political discourse has increasingly shifted online.​</a:t>
+            </a:r>
+            <a:r>
+              <a:rPr lang="en-US" sz="2000" dirty="0">
+                <a:latin typeface="Arial"/>
+              </a:rPr>
+              <a:t/>
+            </a:r>
+            <a:br>
+              <a:rPr lang="en-US" sz="2000" dirty="0">
+                <a:latin typeface="Arial"/>
+              </a:rPr>
+            </a:br>
+            <a:r>
+              <a:rPr lang="en-US" sz="2000" dirty="0">
+                <a:solidFill>
+                  <a:schemeClr val="bg1"/>
+                </a:solidFill>
+                <a:latin typeface="Arial"/>
+                <a:cs typeface="Arial"/>
+              </a:rPr>
+              <a:t>However, with this shift comes a rise in harmful content — hate speech.</a:t>
+            </a:r>
+            <a:endParaRPr lang="en-US" dirty="0">
+              <a:solidFill>
+                <a:schemeClr val="bg1"/>
+              </a:solidFill>
+              <a:latin typeface="Arial"/>
+              <a:cs typeface="Arial"/>
+            </a:endParaRPr>
+          </a:p>
+        </p:txBody>
+      </p:sp>
+      <p:sp>
+        <p:nvSpPr>
+          <p:cNvPr id="11" name="TextBox 10">
+            <a:extLst>
+              <a:ext uri="{FF2B5EF4-FFF2-40B4-BE49-F238E27FC236}">
+                <a16:creationId xmlns:a16="http://schemas.microsoft.com/office/drawing/2014/main" id="{99777378-6C2A-3718-9ABF-5D2A42DE9E58}"/>
+              </a:ext>
+            </a:extLst>
+          </p:cNvPr>
+          <p:cNvSpPr txBox="1"/>
+          <p:nvPr/>
+        </p:nvSpPr>
+        <p:spPr>
+          <a:xfrm>
+            <a:off x="892629" y="391886"/>
+            <a:ext cx="3135086" cy="584775"/>
+          </a:xfrm>
+          <a:prstGeom prst="rect">
+            <a:avLst/>
+          </a:prstGeom>
+          <a:noFill/>
+        </p:spPr>
+        <p:txBody>
+          <a:bodyPr rot="0" spcFirstLastPara="0" vertOverflow="overflow" horzOverflow="overflow" vert="horz" wrap="square" lIns="91440" tIns="45720" rIns="91440" bIns="45720" numCol="1" spcCol="0" rtlCol="0" fromWordArt="0" anchor="t" anchorCtr="0" forceAA="0" compatLnSpc="1">
+            <a:prstTxWarp prst="textNoShape">
+              <a:avLst/>
+            </a:prstTxWarp>
+            <a:spAutoFit/>
+          </a:bodyPr>
+          <a:lstStyle/>
+          <a:p>
+            <a:r>
+              <a:rPr lang="en-US" sz="3200" b="1" dirty="0">
+                <a:solidFill>
+                  <a:srgbClr val="002060"/>
+                </a:solidFill>
+                <a:latin typeface="Franklin Gothic Demi"/>
+              </a:rPr>
+              <a:t>INTRODUCTION</a:t>
+            </a:r>
+          </a:p>
+        </p:txBody>
+      </p:sp>
+      <p:pic>
+        <p:nvPicPr>
+          <p:cNvPr id="3" name="Picture 2">
+            <a:extLst>
+              <a:ext uri="{FF2B5EF4-FFF2-40B4-BE49-F238E27FC236}">
+                <a16:creationId xmlns:a16="http://schemas.microsoft.com/office/drawing/2014/main" id="{AF99B1BE-289B-6721-63FD-34F959EC7A7D}"/>
+              </a:ext>
+            </a:extLst>
+          </p:cNvPr>
+          <p:cNvPicPr>
+            <a:picLocks noChangeAspect="1"/>
+          </p:cNvPicPr>
+          <p:nvPr/>
+        </p:nvPicPr>
+        <p:blipFill>
+          <a:blip r:embed="rId3"/>
+          <a:stretch>
+            <a:fillRect/>
+          </a:stretch>
+        </p:blipFill>
+        <p:spPr>
+          <a:xfrm>
+            <a:off x="893518" y="2274957"/>
+            <a:ext cx="4574009" cy="4351132"/>
+          </a:xfrm>
+          <a:prstGeom prst="rect">
+            <a:avLst/>
+          </a:prstGeom>
+        </p:spPr>
+      </p:pic>
+    </p:spTree>
+    <p:extLst>
+      <p:ext uri="{BB962C8B-B14F-4D97-AF65-F5344CB8AC3E}">
+        <p14:creationId xmlns:p14="http://schemas.microsoft.com/office/powerpoint/2010/main" val="1275644113"/>
+      </p:ext>
+    </p:extLst>
+  </p:cSld>
+  <p:clrMapOvr>
+    <a:masterClrMapping/>
+  </p:clrMapOvr>
+  <p:timing>
+    <p:tnLst>
+      <p:par>
+        <p:cTn id="1" dur="indefinite" restart="never" nodeType="tmRoot"/>
+      </p:par>
+    </p:tnLst>
+  </p:timing>
+</p:sld>
+</file>
+
+<file path=ppt/slides/slide20.xml><?xml version="1.0" encoding="utf-8"?>
 <p:sld xmlns:a="http://schemas.openxmlformats.org/drawingml/2006/main" xmlns:r="http://schemas.openxmlformats.org/officeDocument/2006/relationships" xmlns:p="http://schemas.openxmlformats.org/presentationml/2006/main">
   <p:cSld>
     <p:spTree>
@@ -17409,7 +19226,7 @@
                 <a16:creationId xmlns:a16="http://schemas.microsoft.com/office/drawing/2014/main" id="{DCF418F4-183E-6B5C-15B0-0EE0EC9A4793}"/>
               </a:ext>
               <a:ext uri="{C183D7F6-B498-43B3-948B-1728B52AA6E4}">
-                <adec:decorative xmlns="" xmlns:adec="http://schemas.microsoft.com/office/drawing/2017/decorative" val="1"/>
+                <adec:decorative xmlns:adec="http://schemas.microsoft.com/office/drawing/2017/decorative" xmlns="" val="1"/>
               </a:ext>
             </a:extLst>
           </p:cNvPr>
@@ -17783,7 +19600,7 @@
 </p:sld>
 </file>
 
-<file path=ppt/slides/slide19.xml><?xml version="1.0" encoding="utf-8"?>
+<file path=ppt/slides/slide21.xml><?xml version="1.0" encoding="utf-8"?>
 <p:sld xmlns:a="http://schemas.openxmlformats.org/drawingml/2006/main" xmlns:r="http://schemas.openxmlformats.org/officeDocument/2006/relationships" xmlns:p="http://schemas.openxmlformats.org/presentationml/2006/main">
   <p:cSld>
     <p:bg>
@@ -17903,408 +19720,7 @@
 </p:sld>
 </file>
 
-<file path=ppt/slides/slide2.xml><?xml version="1.0" encoding="utf-8"?>
-<p:sld xmlns:a="http://schemas.openxmlformats.org/drawingml/2006/main" xmlns:r="http://schemas.openxmlformats.org/officeDocument/2006/relationships" xmlns:p="http://schemas.openxmlformats.org/presentationml/2006/main">
-  <p:cSld>
-    <p:spTree>
-      <p:nvGrpSpPr>
-        <p:cNvPr id="1" name="">
-          <a:extLst>
-            <a:ext uri="{FF2B5EF4-FFF2-40B4-BE49-F238E27FC236}">
-              <a16:creationId xmlns:a16="http://schemas.microsoft.com/office/drawing/2014/main" id="{58640B40-BA1F-3226-F059-2B755A2983C1}"/>
-            </a:ext>
-          </a:extLst>
-        </p:cNvPr>
-        <p:cNvGrpSpPr/>
-        <p:nvPr/>
-      </p:nvGrpSpPr>
-      <p:grpSpPr>
-        <a:xfrm>
-          <a:off x="0" y="0"/>
-          <a:ext cx="0" cy="0"/>
-          <a:chOff x="0" y="0"/>
-          <a:chExt cx="0" cy="0"/>
-        </a:xfrm>
-      </p:grpSpPr>
-      <p:sp>
-        <p:nvSpPr>
-          <p:cNvPr id="2" name="Title 1">
-            <a:extLst>
-              <a:ext uri="{FF2B5EF4-FFF2-40B4-BE49-F238E27FC236}">
-                <a16:creationId xmlns:a16="http://schemas.microsoft.com/office/drawing/2014/main" id="{F7546441-8AFC-E866-012F-82556C65B4E7}"/>
-              </a:ext>
-            </a:extLst>
-          </p:cNvPr>
-          <p:cNvSpPr>
-            <a:spLocks noGrp="1"/>
-          </p:cNvSpPr>
-          <p:nvPr>
-            <p:ph type="ctrTitle"/>
-          </p:nvPr>
-        </p:nvSpPr>
-        <p:spPr>
-          <a:xfrm>
-            <a:off x="6305729" y="2961616"/>
-            <a:ext cx="5361381" cy="2383399"/>
-          </a:xfrm>
-        </p:spPr>
-        <p:txBody>
-          <a:bodyPr/>
-          <a:lstStyle/>
-          <a:p>
-            <a:r>
-              <a:rPr lang="en-US" sz="2400" i="1" dirty="0">
-                <a:latin typeface="Arial"/>
-                <a:cs typeface="Arial"/>
-              </a:rPr>
-              <a:t/>
-            </a:r>
-            <a:br>
-              <a:rPr lang="en-US" sz="2400" i="1" dirty="0">
-                <a:latin typeface="Arial"/>
-                <a:cs typeface="Arial"/>
-              </a:rPr>
-            </a:br>
-            <a:r>
-              <a:rPr lang="en-US" sz="2400" i="1" dirty="0">
-                <a:latin typeface="Arial"/>
-                <a:cs typeface="Arial"/>
-              </a:rPr>
-              <a:t/>
-            </a:r>
-            <a:br>
-              <a:rPr lang="en-US" sz="2400" i="1" dirty="0">
-                <a:latin typeface="Arial"/>
-                <a:cs typeface="Arial"/>
-              </a:rPr>
-            </a:br>
-            <a:r>
-              <a:rPr lang="en-US" sz="2000" i="1" dirty="0">
-                <a:latin typeface="Arial"/>
-                <a:cs typeface="Arial"/>
-              </a:rPr>
-              <a:t/>
-            </a:r>
-            <a:br>
-              <a:rPr lang="en-US" sz="2000" i="1" dirty="0">
-                <a:latin typeface="Arial"/>
-                <a:cs typeface="Arial"/>
-              </a:rPr>
-            </a:br>
-            <a:r>
-              <a:rPr lang="en-US" sz="2000" i="1" dirty="0">
-                <a:latin typeface="Arial"/>
-                <a:cs typeface="Arial"/>
-              </a:rPr>
-              <a:t/>
-            </a:r>
-            <a:br>
-              <a:rPr lang="en-US" sz="2000" i="1" dirty="0">
-                <a:latin typeface="Arial"/>
-                <a:cs typeface="Arial"/>
-              </a:rPr>
-            </a:br>
-            <a:r>
-              <a:rPr lang="en-US" sz="2000" i="1" dirty="0">
-                <a:latin typeface="Arial"/>
-                <a:cs typeface="Arial"/>
-              </a:rPr>
-              <a:t/>
-            </a:r>
-            <a:br>
-              <a:rPr lang="en-US" sz="2000" i="1" dirty="0">
-                <a:latin typeface="Arial"/>
-                <a:cs typeface="Arial"/>
-              </a:rPr>
-            </a:br>
-            <a:r>
-              <a:rPr lang="en-US" sz="2000" i="1" dirty="0">
-                <a:latin typeface="Arial"/>
-                <a:cs typeface="Arial"/>
-              </a:rPr>
-              <a:t/>
-            </a:r>
-            <a:br>
-              <a:rPr lang="en-US" sz="2000" i="1" dirty="0">
-                <a:latin typeface="Arial"/>
-                <a:cs typeface="Arial"/>
-              </a:rPr>
-            </a:br>
-            <a:r>
-              <a:rPr lang="en-US" sz="2000" i="1" dirty="0">
-                <a:latin typeface="Arial"/>
-                <a:cs typeface="Arial"/>
-              </a:rPr>
-              <a:t/>
-            </a:r>
-            <a:br>
-              <a:rPr lang="en-US" sz="2000" i="1" dirty="0">
-                <a:latin typeface="Arial"/>
-                <a:cs typeface="Arial"/>
-              </a:rPr>
-            </a:br>
-            <a:r>
-              <a:rPr lang="en-US" sz="2000" i="1" dirty="0">
-                <a:latin typeface="Arial"/>
-                <a:cs typeface="Arial"/>
-              </a:rPr>
-              <a:t/>
-            </a:r>
-            <a:br>
-              <a:rPr lang="en-US" sz="2000" i="1" dirty="0">
-                <a:latin typeface="Arial"/>
-                <a:cs typeface="Arial"/>
-              </a:rPr>
-            </a:br>
-            <a:r>
-              <a:rPr lang="en-US" sz="2000" i="1" dirty="0">
-                <a:latin typeface="Arial"/>
-                <a:cs typeface="Arial"/>
-              </a:rPr>
-              <a:t/>
-            </a:r>
-            <a:br>
-              <a:rPr lang="en-US" sz="2000" i="1" dirty="0">
-                <a:latin typeface="Arial"/>
-                <a:cs typeface="Arial"/>
-              </a:rPr>
-            </a:br>
-            <a:r>
-              <a:rPr lang="en-US" sz="2000" i="1" dirty="0">
-                <a:solidFill>
-                  <a:srgbClr val="0070C0"/>
-                </a:solidFill>
-                <a:latin typeface="Franklin Gothic Book"/>
-                <a:ea typeface="Calibri"/>
-                <a:cs typeface="Arial"/>
-              </a:rPr>
-              <a:t>Imagine a Twitter-like platform where users can post freely.</a:t>
-            </a:r>
-            <a:r>
-              <a:rPr lang="en-US" sz="2000" i="1" dirty="0">
-                <a:solidFill>
-                  <a:srgbClr val="0070C0"/>
-                </a:solidFill>
-                <a:latin typeface="Franklin Gothic Book"/>
-                <a:cs typeface="Arial"/>
-              </a:rPr>
-              <a:t/>
-            </a:r>
-            <a:br>
-              <a:rPr lang="en-US" sz="2000" i="1" dirty="0">
-                <a:solidFill>
-                  <a:srgbClr val="0070C0"/>
-                </a:solidFill>
-                <a:latin typeface="Franklin Gothic Book"/>
-                <a:cs typeface="Arial"/>
-              </a:rPr>
-            </a:br>
-            <a:r>
-              <a:rPr lang="en-US" sz="2000" i="1" dirty="0">
-                <a:solidFill>
-                  <a:srgbClr val="0070C0"/>
-                </a:solidFill>
-                <a:latin typeface="Franklin Gothic Book"/>
-                <a:cs typeface="Arial"/>
-              </a:rPr>
-              <a:t/>
-            </a:r>
-            <a:br>
-              <a:rPr lang="en-US" sz="2000" i="1" dirty="0">
-                <a:solidFill>
-                  <a:srgbClr val="0070C0"/>
-                </a:solidFill>
-                <a:latin typeface="Franklin Gothic Book"/>
-                <a:cs typeface="Arial"/>
-              </a:rPr>
-            </a:br>
-            <a:r>
-              <a:rPr lang="en-US" sz="2000" i="1" dirty="0">
-                <a:solidFill>
-                  <a:srgbClr val="0070C0"/>
-                </a:solidFill>
-                <a:latin typeface="Franklin Gothic Book"/>
-                <a:ea typeface="Calibri"/>
-                <a:cs typeface="Arial"/>
-              </a:rPr>
-              <a:t> A place where hate speech posts can be automatically flagged or hidden within seconds—drastically improving the experience for users and reducing platform liability.</a:t>
-            </a:r>
-            <a:endParaRPr lang="en-US" sz="2000" i="1" dirty="0">
-              <a:solidFill>
-                <a:srgbClr val="0070C0"/>
-              </a:solidFill>
-              <a:latin typeface="Franklin Gothic Book"/>
-              <a:ea typeface="Calibri"/>
-            </a:endParaRPr>
-          </a:p>
-        </p:txBody>
-      </p:sp>
-      <p:sp>
-        <p:nvSpPr>
-          <p:cNvPr id="7" name="TextBox 6">
-            <a:extLst>
-              <a:ext uri="{FF2B5EF4-FFF2-40B4-BE49-F238E27FC236}">
-                <a16:creationId xmlns:a16="http://schemas.microsoft.com/office/drawing/2014/main" id="{2948DC3D-5627-7192-1EE4-118CD8E2F193}"/>
-              </a:ext>
-            </a:extLst>
-          </p:cNvPr>
-          <p:cNvSpPr txBox="1"/>
-          <p:nvPr/>
-        </p:nvSpPr>
-        <p:spPr>
-          <a:xfrm>
-            <a:off x="892630" y="1170214"/>
-            <a:ext cx="9544246" cy="718929"/>
-          </a:xfrm>
-          <a:prstGeom prst="rect">
-            <a:avLst/>
-          </a:prstGeom>
-          <a:noFill/>
-        </p:spPr>
-        <p:txBody>
-          <a:bodyPr rot="0" spcFirstLastPara="0" vertOverflow="overflow" horzOverflow="overflow" vert="horz" wrap="square" lIns="91440" tIns="45720" rIns="91440" bIns="45720" numCol="1" spcCol="0" rtlCol="0" fromWordArt="0" anchor="t" anchorCtr="0" forceAA="0" compatLnSpc="1">
-            <a:prstTxWarp prst="textNoShape">
-              <a:avLst/>
-            </a:prstTxWarp>
-            <a:spAutoFit/>
-          </a:bodyPr>
-          <a:lstStyle/>
-          <a:p>
-            <a:r>
-              <a:rPr lang="en-US" sz="2000" dirty="0">
-                <a:solidFill>
-                  <a:schemeClr val="bg1"/>
-                </a:solidFill>
-                <a:latin typeface="Arial"/>
-                <a:cs typeface="Arial"/>
-              </a:rPr>
-              <a:t>In today's digital age, political discourse has increasingly shifted online.​</a:t>
-            </a:r>
-            <a:r>
-              <a:rPr lang="en-US" sz="2000" dirty="0">
-                <a:latin typeface="Arial"/>
-              </a:rPr>
-              <a:t/>
-            </a:r>
-            <a:br>
-              <a:rPr lang="en-US" sz="2000" dirty="0">
-                <a:latin typeface="Arial"/>
-              </a:rPr>
-            </a:br>
-            <a:r>
-              <a:rPr lang="en-US" sz="2000" dirty="0">
-                <a:solidFill>
-                  <a:schemeClr val="bg1"/>
-                </a:solidFill>
-                <a:latin typeface="Arial"/>
-                <a:cs typeface="Arial"/>
-              </a:rPr>
-              <a:t>However, with this shift comes a rise in harmful content — hate speech.</a:t>
-            </a:r>
-            <a:endParaRPr lang="en-US" dirty="0">
-              <a:solidFill>
-                <a:schemeClr val="bg1"/>
-              </a:solidFill>
-              <a:latin typeface="Arial"/>
-              <a:cs typeface="Arial"/>
-            </a:endParaRPr>
-          </a:p>
-        </p:txBody>
-      </p:sp>
-      <p:sp>
-        <p:nvSpPr>
-          <p:cNvPr id="11" name="TextBox 10">
-            <a:extLst>
-              <a:ext uri="{FF2B5EF4-FFF2-40B4-BE49-F238E27FC236}">
-                <a16:creationId xmlns:a16="http://schemas.microsoft.com/office/drawing/2014/main" id="{99777378-6C2A-3718-9ABF-5D2A42DE9E58}"/>
-              </a:ext>
-            </a:extLst>
-          </p:cNvPr>
-          <p:cNvSpPr txBox="1"/>
-          <p:nvPr/>
-        </p:nvSpPr>
-        <p:spPr>
-          <a:xfrm>
-            <a:off x="892629" y="391886"/>
-            <a:ext cx="3135086" cy="584775"/>
-          </a:xfrm>
-          <a:prstGeom prst="rect">
-            <a:avLst/>
-          </a:prstGeom>
-          <a:noFill/>
-        </p:spPr>
-        <p:txBody>
-          <a:bodyPr rot="0" spcFirstLastPara="0" vertOverflow="overflow" horzOverflow="overflow" vert="horz" wrap="square" lIns="91440" tIns="45720" rIns="91440" bIns="45720" numCol="1" spcCol="0" rtlCol="0" fromWordArt="0" anchor="t" anchorCtr="0" forceAA="0" compatLnSpc="1">
-            <a:prstTxWarp prst="textNoShape">
-              <a:avLst/>
-            </a:prstTxWarp>
-            <a:spAutoFit/>
-          </a:bodyPr>
-          <a:lstStyle/>
-          <a:p>
-            <a:r>
-              <a:rPr lang="en-US" sz="3200" b="1" dirty="0">
-                <a:solidFill>
-                  <a:srgbClr val="002060"/>
-                </a:solidFill>
-                <a:latin typeface="Franklin Gothic Demi"/>
-              </a:rPr>
-              <a:t>INTRODUCTION</a:t>
-            </a:r>
-          </a:p>
-        </p:txBody>
-      </p:sp>
-      <p:pic>
-        <p:nvPicPr>
-          <p:cNvPr id="3" name="Picture 2">
-            <a:extLst>
-              <a:ext uri="{FF2B5EF4-FFF2-40B4-BE49-F238E27FC236}">
-                <a16:creationId xmlns:a16="http://schemas.microsoft.com/office/drawing/2014/main" id="{AF99B1BE-289B-6721-63FD-34F959EC7A7D}"/>
-              </a:ext>
-            </a:extLst>
-          </p:cNvPr>
-          <p:cNvPicPr>
-            <a:picLocks noChangeAspect="1"/>
-          </p:cNvPicPr>
-          <p:nvPr/>
-        </p:nvPicPr>
-        <p:blipFill>
-          <a:blip r:embed="rId3"/>
-          <a:stretch>
-            <a:fillRect/>
-          </a:stretch>
-        </p:blipFill>
-        <p:spPr>
-          <a:xfrm>
-            <a:off x="893518" y="2274957"/>
-            <a:ext cx="4574009" cy="4351132"/>
-          </a:xfrm>
-          <a:prstGeom prst="rect">
-            <a:avLst/>
-          </a:prstGeom>
-        </p:spPr>
-      </p:pic>
-    </p:spTree>
-    <p:extLst>
-      <p:ext uri="{BB962C8B-B14F-4D97-AF65-F5344CB8AC3E}">
-        <p14:creationId xmlns:p14="http://schemas.microsoft.com/office/powerpoint/2010/main" val="1275644113"/>
-      </p:ext>
-    </p:extLst>
-  </p:cSld>
-  <p:clrMapOvr>
-    <a:masterClrMapping/>
-  </p:clrMapOvr>
-  <p:timing>
-    <p:tnLst>
-      <p:par>
-        <p:cTn id="1" dur="indefinite" restart="never" nodeType="tmRoot"/>
-      </p:par>
-    </p:tnLst>
-  </p:timing>
-</p:sld>
-</file>
-
-<file path=ppt/slides/slide20.xml><?xml version="1.0" encoding="utf-8"?>
+<file path=ppt/slides/slide22.xml><?xml version="1.0" encoding="utf-8"?>
 <p:sld xmlns:a="http://schemas.openxmlformats.org/drawingml/2006/main" xmlns:r="http://schemas.openxmlformats.org/officeDocument/2006/relationships" xmlns:p="http://schemas.openxmlformats.org/presentationml/2006/main">
   <p:cSld>
     <p:spTree>
@@ -18546,7 +19962,7 @@
                 <a16:creationId xmlns:a16="http://schemas.microsoft.com/office/drawing/2014/main" id="{4E664A0F-DFFA-F4DD-F9BB-14FA4C015E86}"/>
               </a:ext>
               <a:ext uri="{C183D7F6-B498-43B3-948B-1728B52AA6E4}">
-                <adec:decorative xmlns="" xmlns:adec="http://schemas.microsoft.com/office/drawing/2017/decorative" val="1"/>
+                <adec:decorative xmlns:adec="http://schemas.microsoft.com/office/drawing/2017/decorative" xmlns="" val="1"/>
               </a:ext>
             </a:extLst>
           </p:cNvPr>
@@ -18920,7 +20336,7 @@
 </p:sld>
 </file>
 
-<file path=ppt/slides/slide21.xml><?xml version="1.0" encoding="utf-8"?>
+<file path=ppt/slides/slide23.xml><?xml version="1.0" encoding="utf-8"?>
 <p:sld xmlns:a="http://schemas.openxmlformats.org/drawingml/2006/main" xmlns:r="http://schemas.openxmlformats.org/officeDocument/2006/relationships" xmlns:p="http://schemas.openxmlformats.org/presentationml/2006/main">
   <p:cSld>
     <p:spTree>
@@ -19166,7 +20582,7 @@
                 <a16:creationId xmlns:a16="http://schemas.microsoft.com/office/drawing/2014/main" id="{78E5B778-FFFD-BD0F-8C4C-C5415C548479}"/>
               </a:ext>
               <a:ext uri="{C183D7F6-B498-43B3-948B-1728B52AA6E4}">
-                <adec:decorative xmlns="" xmlns:adec="http://schemas.microsoft.com/office/drawing/2017/decorative" val="1"/>
+                <adec:decorative xmlns:adec="http://schemas.microsoft.com/office/drawing/2017/decorative" xmlns="" val="1"/>
               </a:ext>
             </a:extLst>
           </p:cNvPr>
@@ -19510,7 +20926,7 @@
 </p:sld>
 </file>
 
-<file path=ppt/slides/slide22.xml><?xml version="1.0" encoding="utf-8"?>
+<file path=ppt/slides/slide24.xml><?xml version="1.0" encoding="utf-8"?>
 <p:sld xmlns:a="http://schemas.openxmlformats.org/drawingml/2006/main" xmlns:r="http://schemas.openxmlformats.org/officeDocument/2006/relationships" xmlns:p="http://schemas.openxmlformats.org/presentationml/2006/main">
   <p:cSld>
     <p:spTree>
@@ -19541,7 +20957,7 @@
                 <a16:creationId xmlns:a16="http://schemas.microsoft.com/office/drawing/2014/main" id="{DD298FF0-E3F5-BB5F-077C-3EBF818C89DB}"/>
               </a:ext>
               <a:ext uri="{C183D7F6-B498-43B3-948B-1728B52AA6E4}">
-                <adec:decorative xmlns="" xmlns:adec="http://schemas.microsoft.com/office/drawing/2017/decorative" val="1"/>
+                <adec:decorative xmlns:adec="http://schemas.microsoft.com/office/drawing/2017/decorative" xmlns="" val="1"/>
               </a:ext>
             </a:extLst>
           </p:cNvPr>
@@ -20150,7 +21566,7 @@
 </p:sld>
 </file>
 
-<file path=ppt/slides/slide23.xml><?xml version="1.0" encoding="utf-8"?>
+<file path=ppt/slides/slide25.xml><?xml version="1.0" encoding="utf-8"?>
 <p:sld xmlns:a="http://schemas.openxmlformats.org/drawingml/2006/main" xmlns:r="http://schemas.openxmlformats.org/officeDocument/2006/relationships" xmlns:p="http://schemas.openxmlformats.org/presentationml/2006/main">
   <p:cSld>
     <p:spTree>
@@ -20314,7 +21730,7 @@
                 <a16:creationId xmlns:a16="http://schemas.microsoft.com/office/drawing/2014/main" id="{3935DCEA-0F3C-FEC1-C1E4-67FF0E696D67}"/>
               </a:ext>
               <a:ext uri="{C183D7F6-B498-43B3-948B-1728B52AA6E4}">
-                <adec:decorative xmlns="" xmlns:adec="http://schemas.microsoft.com/office/drawing/2017/decorative" val="1"/>
+                <adec:decorative xmlns:adec="http://schemas.microsoft.com/office/drawing/2017/decorative" xmlns="" val="1"/>
               </a:ext>
             </a:extLst>
           </p:cNvPr>
@@ -21047,7 +22463,7 @@
 </p:sld>
 </file>
 
-<file path=ppt/slides/slide24.xml><?xml version="1.0" encoding="utf-8"?>
+<file path=ppt/slides/slide26.xml><?xml version="1.0" encoding="utf-8"?>
 <p:sld xmlns:a="http://schemas.openxmlformats.org/drawingml/2006/main" xmlns:r="http://schemas.openxmlformats.org/officeDocument/2006/relationships" xmlns:p="http://schemas.openxmlformats.org/presentationml/2006/main">
   <p:cSld>
     <p:spTree>
@@ -21164,7 +22580,7 @@
                 <a16:creationId xmlns:a16="http://schemas.microsoft.com/office/drawing/2014/main" id="{8951F156-49B6-5686-E7C7-E9E7FA027EB6}"/>
               </a:ext>
               <a:ext uri="{C183D7F6-B498-43B3-948B-1728B52AA6E4}">
-                <adec:decorative xmlns="" xmlns:adec="http://schemas.microsoft.com/office/drawing/2017/decorative" val="1"/>
+                <adec:decorative xmlns:adec="http://schemas.microsoft.com/office/drawing/2017/decorative" xmlns="" val="1"/>
               </a:ext>
             </a:extLst>
           </p:cNvPr>
@@ -23074,7 +24490,7 @@
 </p:sld>
 </file>
 
-<file path=ppt/slides/slide25.xml><?xml version="1.0" encoding="utf-8"?>
+<file path=ppt/slides/slide27.xml><?xml version="1.0" encoding="utf-8"?>
 <p:sld xmlns:a="http://schemas.openxmlformats.org/drawingml/2006/main" xmlns:r="http://schemas.openxmlformats.org/officeDocument/2006/relationships" xmlns:p="http://schemas.openxmlformats.org/presentationml/2006/main">
   <p:cSld>
     <p:spTree>
@@ -23135,7 +24551,7 @@
                 <a16:creationId xmlns:a16="http://schemas.microsoft.com/office/drawing/2014/main" id="{3935DCEA-0F3C-FEC1-C1E4-67FF0E696D67}"/>
               </a:ext>
               <a:ext uri="{C183D7F6-B498-43B3-948B-1728B52AA6E4}">
-                <adec:decorative xmlns="" xmlns:adec="http://schemas.microsoft.com/office/drawing/2017/decorative" val="1"/>
+                <adec:decorative xmlns:adec="http://schemas.microsoft.com/office/drawing/2017/decorative" xmlns="" val="1"/>
               </a:ext>
             </a:extLst>
           </p:cNvPr>
@@ -23782,7 +25198,7 @@
 </p:sld>
 </file>
 
-<file path=ppt/slides/slide26.xml><?xml version="1.0" encoding="utf-8"?>
+<file path=ppt/slides/slide28.xml><?xml version="1.0" encoding="utf-8"?>
 <p:sld xmlns:a="http://schemas.openxmlformats.org/drawingml/2006/main" xmlns:r="http://schemas.openxmlformats.org/officeDocument/2006/relationships" xmlns:p="http://schemas.openxmlformats.org/presentationml/2006/main">
   <p:cSld>
     <p:spTree>
@@ -23861,7 +25277,7 @@
                 <a16:creationId xmlns:a16="http://schemas.microsoft.com/office/drawing/2014/main" id="{E22CDE69-BF59-869D-46B6-BB25A03F27F9}"/>
               </a:ext>
               <a:ext uri="{C183D7F6-B498-43B3-948B-1728B52AA6E4}">
-                <adec:decorative xmlns="" xmlns:adec="http://schemas.microsoft.com/office/drawing/2017/decorative" val="1"/>
+                <adec:decorative xmlns:adec="http://schemas.microsoft.com/office/drawing/2017/decorative" xmlns="" val="1"/>
               </a:ext>
             </a:extLst>
           </p:cNvPr>
@@ -24618,7 +26034,7 @@
 </p:sld>
 </file>
 
-<file path=ppt/slides/slide27.xml><?xml version="1.0" encoding="utf-8"?>
+<file path=ppt/slides/slide29.xml><?xml version="1.0" encoding="utf-8"?>
 <p:sld xmlns:a="http://schemas.openxmlformats.org/drawingml/2006/main" xmlns:r="http://schemas.openxmlformats.org/officeDocument/2006/relationships" xmlns:p="http://schemas.openxmlformats.org/presentationml/2006/main">
   <p:cSld>
     <p:spTree>
@@ -24679,7 +26095,7 @@
                 <a16:creationId xmlns:a16="http://schemas.microsoft.com/office/drawing/2014/main" id="{3935DCEA-0F3C-FEC1-C1E4-67FF0E696D67}"/>
               </a:ext>
               <a:ext uri="{C183D7F6-B498-43B3-948B-1728B52AA6E4}">
-                <adec:decorative xmlns="" xmlns:adec="http://schemas.microsoft.com/office/drawing/2017/decorative" val="1"/>
+                <adec:decorative xmlns:adec="http://schemas.microsoft.com/office/drawing/2017/decorative" xmlns="" val="1"/>
               </a:ext>
             </a:extLst>
           </p:cNvPr>
@@ -25253,7 +26669,207 @@
 </p:sld>
 </file>
 
-<file path=ppt/slides/slide28.xml><?xml version="1.0" encoding="utf-8"?>
+<file path=ppt/slides/slide3.xml><?xml version="1.0" encoding="utf-8"?>
+<p:sld xmlns:a="http://schemas.openxmlformats.org/drawingml/2006/main" xmlns:r="http://schemas.openxmlformats.org/officeDocument/2006/relationships" xmlns:p="http://schemas.openxmlformats.org/presentationml/2006/main">
+  <p:cSld>
+    <p:spTree>
+      <p:nvGrpSpPr>
+        <p:cNvPr id="1" name=""/>
+        <p:cNvGrpSpPr/>
+        <p:nvPr/>
+      </p:nvGrpSpPr>
+      <p:grpSpPr>
+        <a:xfrm>
+          <a:off x="0" y="0"/>
+          <a:ext cx="0" cy="0"/>
+          <a:chOff x="0" y="0"/>
+          <a:chExt cx="0" cy="0"/>
+        </a:xfrm>
+      </p:grpSpPr>
+      <p:pic>
+        <p:nvPicPr>
+          <p:cNvPr id="4" name="Picture 3" descr="A blue square with a white bird logo&#10;&#10;AI-generated content may be incorrect.">
+            <a:extLst>
+              <a:ext uri="{FF2B5EF4-FFF2-40B4-BE49-F238E27FC236}">
+                <a16:creationId xmlns:a16="http://schemas.microsoft.com/office/drawing/2014/main" id="{F4C92498-CDF4-FCBE-B55A-EBAE3E53F8B4}"/>
+              </a:ext>
+            </a:extLst>
+          </p:cNvPr>
+          <p:cNvPicPr>
+            <a:picLocks noChangeAspect="1"/>
+          </p:cNvPicPr>
+          <p:nvPr/>
+        </p:nvPicPr>
+        <p:blipFill>
+          <a:blip r:embed="rId3"/>
+          <a:stretch>
+            <a:fillRect/>
+          </a:stretch>
+        </p:blipFill>
+        <p:spPr>
+          <a:xfrm>
+            <a:off x="6567371" y="3437039"/>
+            <a:ext cx="5233877" cy="3157663"/>
+          </a:xfrm>
+          <a:prstGeom prst="rect">
+            <a:avLst/>
+          </a:prstGeom>
+        </p:spPr>
+      </p:pic>
+      <p:sp>
+        <p:nvSpPr>
+          <p:cNvPr id="2" name="Title 1">
+            <a:extLst>
+              <a:ext uri="{FF2B5EF4-FFF2-40B4-BE49-F238E27FC236}">
+                <a16:creationId xmlns:a16="http://schemas.microsoft.com/office/drawing/2014/main" id="{B530BF65-C84B-45C3-72CA-AFDA68851174}"/>
+              </a:ext>
+            </a:extLst>
+          </p:cNvPr>
+          <p:cNvSpPr>
+            <a:spLocks noGrp="1"/>
+          </p:cNvSpPr>
+          <p:nvPr>
+            <p:ph type="title"/>
+          </p:nvPr>
+        </p:nvSpPr>
+        <p:spPr>
+          <a:xfrm>
+            <a:off x="594360" y="189572"/>
+            <a:ext cx="6787747" cy="1593507"/>
+          </a:xfrm>
+        </p:spPr>
+        <p:txBody>
+          <a:bodyPr/>
+          <a:lstStyle/>
+          <a:p>
+            <a:r>
+              <a:rPr lang="en-US" dirty="0">
+                <a:solidFill>
+                  <a:srgbClr val="002060"/>
+                </a:solidFill>
+              </a:rPr>
+              <a:t>MEMBERS</a:t>
+            </a:r>
+          </a:p>
+        </p:txBody>
+      </p:sp>
+      <p:sp>
+        <p:nvSpPr>
+          <p:cNvPr id="3" name="Text Placeholder 2">
+            <a:extLst>
+              <a:ext uri="{FF2B5EF4-FFF2-40B4-BE49-F238E27FC236}">
+                <a16:creationId xmlns:a16="http://schemas.microsoft.com/office/drawing/2014/main" id="{3B8EBC2C-6DD7-5003-38EB-40753046FE8C}"/>
+              </a:ext>
+            </a:extLst>
+          </p:cNvPr>
+          <p:cNvSpPr>
+            <a:spLocks noGrp="1"/>
+          </p:cNvSpPr>
+          <p:nvPr>
+            <p:ph sz="quarter" idx="13"/>
+          </p:nvPr>
+        </p:nvSpPr>
+        <p:spPr>
+          <a:xfrm>
+            <a:off x="593725" y="2281238"/>
+            <a:ext cx="6788150" cy="3709987"/>
+          </a:xfrm>
+        </p:spPr>
+        <p:txBody>
+          <a:bodyPr vert="horz" lIns="0" tIns="457200" rIns="0" bIns="0" rtlCol="0" anchor="t">
+            <a:normAutofit/>
+          </a:bodyPr>
+          <a:lstStyle/>
+          <a:p>
+            <a:pPr marL="0" indent="0">
+              <a:buNone/>
+            </a:pPr>
+            <a:r>
+              <a:rPr lang="en-US" dirty="0"/>
+              <a:t>1</a:t>
+            </a:r>
+            <a:r>
+              <a:rPr lang="en-US" sz="2000" dirty="0"/>
+              <a:t>. Kenneth </a:t>
+            </a:r>
+            <a:r>
+              <a:rPr lang="en-US" sz="2000" dirty="0" err="1"/>
+              <a:t>Nyangweso</a:t>
+            </a:r>
+            <a:endParaRPr lang="en-US" sz="2000" dirty="0"/>
+          </a:p>
+          <a:p>
+            <a:pPr marL="0" indent="0">
+              <a:buNone/>
+            </a:pPr>
+            <a:r>
+              <a:rPr lang="en-US" sz="2000" dirty="0"/>
+              <a:t>2. Bernice </a:t>
+            </a:r>
+            <a:r>
+              <a:rPr lang="en-US" sz="2000" dirty="0" err="1"/>
+              <a:t>Kutwa</a:t>
+            </a:r>
+          </a:p>
+          <a:p>
+            <a:pPr marL="0" indent="0">
+              <a:buNone/>
+            </a:pPr>
+            <a:r>
+              <a:rPr lang="en-US" sz="2000" dirty="0"/>
+              <a:t>3. Amani </a:t>
+            </a:r>
+            <a:r>
+              <a:rPr lang="en-US" sz="2000" dirty="0" err="1"/>
+              <a:t>Amkaya</a:t>
+            </a:r>
+          </a:p>
+          <a:p>
+            <a:pPr marL="0" indent="0">
+              <a:buNone/>
+            </a:pPr>
+            <a:r>
+              <a:rPr lang="en-US" sz="2000" dirty="0"/>
+              <a:t>4.Sumaiya Abdullahi</a:t>
+            </a:r>
+          </a:p>
+          <a:p>
+            <a:pPr marL="0" indent="0">
+              <a:buNone/>
+            </a:pPr>
+            <a:r>
+              <a:rPr lang="en-US" sz="2000" dirty="0"/>
+              <a:t>5. Vincent </a:t>
+            </a:r>
+            <a:r>
+              <a:rPr lang="en-US" sz="2000" dirty="0" err="1"/>
+              <a:t>Mutuku</a:t>
+            </a:r>
+            <a:endParaRPr lang="en-US" sz="2000" dirty="0"/>
+          </a:p>
+        </p:txBody>
+      </p:sp>
+    </p:spTree>
+    <p:extLst>
+      <p:ext uri="{BB962C8B-B14F-4D97-AF65-F5344CB8AC3E}">
+        <p14:creationId xmlns:p14="http://schemas.microsoft.com/office/powerpoint/2010/main" val="3346685798"/>
+      </p:ext>
+    </p:extLst>
+  </p:cSld>
+  <p:clrMapOvr>
+    <a:masterClrMapping/>
+  </p:clrMapOvr>
+  <p:timing>
+    <p:tnLst>
+      <p:par>
+        <p:cTn id="1" dur="indefinite" restart="never" nodeType="tmRoot"/>
+      </p:par>
+    </p:tnLst>
+  </p:timing>
+</p:sld>
+</file>
+
+<file path=ppt/slides/slide30.xml><?xml version="1.0" encoding="utf-8"?>
 <p:sld xmlns:a="http://schemas.openxmlformats.org/drawingml/2006/main" xmlns:r="http://schemas.openxmlformats.org/officeDocument/2006/relationships" xmlns:p="http://schemas.openxmlformats.org/presentationml/2006/main">
   <p:cSld>
     <p:spTree>
@@ -25314,7 +26930,7 @@
                 <a16:creationId xmlns:a16="http://schemas.microsoft.com/office/drawing/2014/main" id="{3935DCEA-0F3C-FEC1-C1E4-67FF0E696D67}"/>
               </a:ext>
               <a:ext uri="{C183D7F6-B498-43B3-948B-1728B52AA6E4}">
-                <adec:decorative xmlns="" xmlns:adec="http://schemas.microsoft.com/office/drawing/2017/decorative" val="1"/>
+                <adec:decorative xmlns:adec="http://schemas.microsoft.com/office/drawing/2017/decorative" xmlns="" val="1"/>
               </a:ext>
             </a:extLst>
           </p:cNvPr>
@@ -25884,7 +27500,7 @@
 </p:sld>
 </file>
 
-<file path=ppt/slides/slide29.xml><?xml version="1.0" encoding="utf-8"?>
+<file path=ppt/slides/slide31.xml><?xml version="1.0" encoding="utf-8"?>
 <p:sld xmlns:a="http://schemas.openxmlformats.org/drawingml/2006/main" xmlns:r="http://schemas.openxmlformats.org/officeDocument/2006/relationships" xmlns:p="http://schemas.openxmlformats.org/presentationml/2006/main">
   <p:cSld>
     <p:spTree>
@@ -25915,7 +27531,7 @@
                 <a16:creationId xmlns:a16="http://schemas.microsoft.com/office/drawing/2014/main" id="{3935DCEA-0F3C-FEC1-C1E4-67FF0E696D67}"/>
               </a:ext>
               <a:ext uri="{C183D7F6-B498-43B3-948B-1728B52AA6E4}">
-                <adec:decorative xmlns="" xmlns:adec="http://schemas.microsoft.com/office/drawing/2017/decorative" val="1"/>
+                <adec:decorative xmlns:adec="http://schemas.microsoft.com/office/drawing/2017/decorative" xmlns="" val="1"/>
               </a:ext>
             </a:extLst>
           </p:cNvPr>
@@ -26495,207 +28111,7 @@
 </p:sld>
 </file>
 
-<file path=ppt/slides/slide3.xml><?xml version="1.0" encoding="utf-8"?>
-<p:sld xmlns:a="http://schemas.openxmlformats.org/drawingml/2006/main" xmlns:r="http://schemas.openxmlformats.org/officeDocument/2006/relationships" xmlns:p="http://schemas.openxmlformats.org/presentationml/2006/main">
-  <p:cSld>
-    <p:spTree>
-      <p:nvGrpSpPr>
-        <p:cNvPr id="1" name=""/>
-        <p:cNvGrpSpPr/>
-        <p:nvPr/>
-      </p:nvGrpSpPr>
-      <p:grpSpPr>
-        <a:xfrm>
-          <a:off x="0" y="0"/>
-          <a:ext cx="0" cy="0"/>
-          <a:chOff x="0" y="0"/>
-          <a:chExt cx="0" cy="0"/>
-        </a:xfrm>
-      </p:grpSpPr>
-      <p:pic>
-        <p:nvPicPr>
-          <p:cNvPr id="4" name="Picture 3" descr="A blue square with a white bird logo&#10;&#10;AI-generated content may be incorrect.">
-            <a:extLst>
-              <a:ext uri="{FF2B5EF4-FFF2-40B4-BE49-F238E27FC236}">
-                <a16:creationId xmlns:a16="http://schemas.microsoft.com/office/drawing/2014/main" id="{F4C92498-CDF4-FCBE-B55A-EBAE3E53F8B4}"/>
-              </a:ext>
-            </a:extLst>
-          </p:cNvPr>
-          <p:cNvPicPr>
-            <a:picLocks noChangeAspect="1"/>
-          </p:cNvPicPr>
-          <p:nvPr/>
-        </p:nvPicPr>
-        <p:blipFill>
-          <a:blip r:embed="rId3"/>
-          <a:stretch>
-            <a:fillRect/>
-          </a:stretch>
-        </p:blipFill>
-        <p:spPr>
-          <a:xfrm>
-            <a:off x="6567371" y="3437039"/>
-            <a:ext cx="5233877" cy="3157663"/>
-          </a:xfrm>
-          <a:prstGeom prst="rect">
-            <a:avLst/>
-          </a:prstGeom>
-        </p:spPr>
-      </p:pic>
-      <p:sp>
-        <p:nvSpPr>
-          <p:cNvPr id="2" name="Title 1">
-            <a:extLst>
-              <a:ext uri="{FF2B5EF4-FFF2-40B4-BE49-F238E27FC236}">
-                <a16:creationId xmlns:a16="http://schemas.microsoft.com/office/drawing/2014/main" id="{B530BF65-C84B-45C3-72CA-AFDA68851174}"/>
-              </a:ext>
-            </a:extLst>
-          </p:cNvPr>
-          <p:cNvSpPr>
-            <a:spLocks noGrp="1"/>
-          </p:cNvSpPr>
-          <p:nvPr>
-            <p:ph type="title"/>
-          </p:nvPr>
-        </p:nvSpPr>
-        <p:spPr>
-          <a:xfrm>
-            <a:off x="594360" y="189572"/>
-            <a:ext cx="6787747" cy="1593507"/>
-          </a:xfrm>
-        </p:spPr>
-        <p:txBody>
-          <a:bodyPr/>
-          <a:lstStyle/>
-          <a:p>
-            <a:r>
-              <a:rPr lang="en-US" dirty="0">
-                <a:solidFill>
-                  <a:srgbClr val="002060"/>
-                </a:solidFill>
-              </a:rPr>
-              <a:t>MEMBERS</a:t>
-            </a:r>
-          </a:p>
-        </p:txBody>
-      </p:sp>
-      <p:sp>
-        <p:nvSpPr>
-          <p:cNvPr id="3" name="Text Placeholder 2">
-            <a:extLst>
-              <a:ext uri="{FF2B5EF4-FFF2-40B4-BE49-F238E27FC236}">
-                <a16:creationId xmlns:a16="http://schemas.microsoft.com/office/drawing/2014/main" id="{3B8EBC2C-6DD7-5003-38EB-40753046FE8C}"/>
-              </a:ext>
-            </a:extLst>
-          </p:cNvPr>
-          <p:cNvSpPr>
-            <a:spLocks noGrp="1"/>
-          </p:cNvSpPr>
-          <p:nvPr>
-            <p:ph sz="quarter" idx="13"/>
-          </p:nvPr>
-        </p:nvSpPr>
-        <p:spPr>
-          <a:xfrm>
-            <a:off x="593725" y="2281238"/>
-            <a:ext cx="6788150" cy="3709987"/>
-          </a:xfrm>
-        </p:spPr>
-        <p:txBody>
-          <a:bodyPr vert="horz" lIns="0" tIns="457200" rIns="0" bIns="0" rtlCol="0" anchor="t">
-            <a:normAutofit/>
-          </a:bodyPr>
-          <a:lstStyle/>
-          <a:p>
-            <a:pPr marL="0" indent="0">
-              <a:buNone/>
-            </a:pPr>
-            <a:r>
-              <a:rPr lang="en-US" dirty="0"/>
-              <a:t>1</a:t>
-            </a:r>
-            <a:r>
-              <a:rPr lang="en-US" sz="2000" dirty="0"/>
-              <a:t>. Kenneth </a:t>
-            </a:r>
-            <a:r>
-              <a:rPr lang="en-US" sz="2000" dirty="0" err="1"/>
-              <a:t>Nyangweso</a:t>
-            </a:r>
-            <a:endParaRPr lang="en-US" sz="2000" dirty="0"/>
-          </a:p>
-          <a:p>
-            <a:pPr marL="0" indent="0">
-              <a:buNone/>
-            </a:pPr>
-            <a:r>
-              <a:rPr lang="en-US" sz="2000" dirty="0"/>
-              <a:t>2. Bernice </a:t>
-            </a:r>
-            <a:r>
-              <a:rPr lang="en-US" sz="2000" dirty="0" err="1"/>
-              <a:t>Kutwa</a:t>
-            </a:r>
-          </a:p>
-          <a:p>
-            <a:pPr marL="0" indent="0">
-              <a:buNone/>
-            </a:pPr>
-            <a:r>
-              <a:rPr lang="en-US" sz="2000" dirty="0"/>
-              <a:t>3. Amani </a:t>
-            </a:r>
-            <a:r>
-              <a:rPr lang="en-US" sz="2000" dirty="0" err="1"/>
-              <a:t>Amkaya</a:t>
-            </a:r>
-          </a:p>
-          <a:p>
-            <a:pPr marL="0" indent="0">
-              <a:buNone/>
-            </a:pPr>
-            <a:r>
-              <a:rPr lang="en-US" sz="2000" dirty="0"/>
-              <a:t>4.Sumaiya Abdullahi</a:t>
-            </a:r>
-          </a:p>
-          <a:p>
-            <a:pPr marL="0" indent="0">
-              <a:buNone/>
-            </a:pPr>
-            <a:r>
-              <a:rPr lang="en-US" sz="2000" dirty="0"/>
-              <a:t>5. Vincent </a:t>
-            </a:r>
-            <a:r>
-              <a:rPr lang="en-US" sz="2000" dirty="0" err="1"/>
-              <a:t>Mutuku</a:t>
-            </a:r>
-            <a:endParaRPr lang="en-US" sz="2000" dirty="0"/>
-          </a:p>
-        </p:txBody>
-      </p:sp>
-    </p:spTree>
-    <p:extLst>
-      <p:ext uri="{BB962C8B-B14F-4D97-AF65-F5344CB8AC3E}">
-        <p14:creationId xmlns:p14="http://schemas.microsoft.com/office/powerpoint/2010/main" val="3346685798"/>
-      </p:ext>
-    </p:extLst>
-  </p:cSld>
-  <p:clrMapOvr>
-    <a:masterClrMapping/>
-  </p:clrMapOvr>
-  <p:timing>
-    <p:tnLst>
-      <p:par>
-        <p:cTn id="1" dur="indefinite" restart="never" nodeType="tmRoot"/>
-      </p:par>
-    </p:tnLst>
-  </p:timing>
-</p:sld>
-</file>
-
-<file path=ppt/slides/slide30.xml><?xml version="1.0" encoding="utf-8"?>
+<file path=ppt/slides/slide32.xml><?xml version="1.0" encoding="utf-8"?>
 <p:sld xmlns:a="http://schemas.openxmlformats.org/drawingml/2006/main" xmlns:r="http://schemas.openxmlformats.org/officeDocument/2006/relationships" xmlns:p="http://schemas.openxmlformats.org/presentationml/2006/main">
   <p:cSld>
     <p:spTree>
@@ -26945,7 +28361,7 @@
                 <a16:creationId xmlns:a16="http://schemas.microsoft.com/office/drawing/2014/main" id="{C78CEA4F-D72A-C069-6A51-328B103CA0CA}"/>
               </a:ext>
               <a:ext uri="{C183D7F6-B498-43B3-948B-1728B52AA6E4}">
-                <adec:decorative xmlns="" xmlns:adec="http://schemas.microsoft.com/office/drawing/2017/decorative" val="1"/>
+                <adec:decorative xmlns:adec="http://schemas.microsoft.com/office/drawing/2017/decorative" xmlns="" val="1"/>
               </a:ext>
             </a:extLst>
           </p:cNvPr>
@@ -27661,7 +29077,7 @@
                 <a16:creationId xmlns:a16="http://schemas.microsoft.com/office/drawing/2014/main" id="{7BF8C50D-3461-6B60-E746-FD5EABB5EAC3}"/>
               </a:ext>
               <a:ext uri="{C183D7F6-B498-43B3-948B-1728B52AA6E4}">
-                <adec:decorative xmlns="" xmlns:adec="http://schemas.microsoft.com/office/drawing/2017/decorative" val="1"/>
+                <adec:decorative xmlns:adec="http://schemas.microsoft.com/office/drawing/2017/decorative" xmlns="" val="1"/>
               </a:ext>
             </a:extLst>
           </p:cNvPr>
@@ -28043,6 +29459,1273 @@
         <p:cNvPr id="1" name="">
           <a:extLst>
             <a:ext uri="{FF2B5EF4-FFF2-40B4-BE49-F238E27FC236}">
+              <a16:creationId xmlns:a16="http://schemas.microsoft.com/office/drawing/2014/main" id="{63683CAB-827D-87A8-2153-F75C70D2CCBC}"/>
+            </a:ext>
+          </a:extLst>
+        </p:cNvPr>
+        <p:cNvGrpSpPr/>
+        <p:nvPr/>
+      </p:nvGrpSpPr>
+      <p:grpSpPr>
+        <a:xfrm>
+          <a:off x="0" y="0"/>
+          <a:ext cx="0" cy="0"/>
+          <a:chOff x="0" y="0"/>
+          <a:chExt cx="0" cy="0"/>
+        </a:xfrm>
+      </p:grpSpPr>
+      <p:sp>
+        <p:nvSpPr>
+          <p:cNvPr id="3" name="Title 2">
+            <a:extLst>
+              <a:ext uri="{FF2B5EF4-FFF2-40B4-BE49-F238E27FC236}">
+                <a16:creationId xmlns:a16="http://schemas.microsoft.com/office/drawing/2014/main" id="{5A54F1B9-419A-553D-9065-2340D02E4F84}"/>
+              </a:ext>
+            </a:extLst>
+          </p:cNvPr>
+          <p:cNvSpPr>
+            <a:spLocks noGrp="1"/>
+          </p:cNvSpPr>
+          <p:nvPr>
+            <p:ph type="title"/>
+          </p:nvPr>
+        </p:nvSpPr>
+        <p:spPr>
+          <a:xfrm>
+            <a:off x="484177" y="987457"/>
+            <a:ext cx="9855200" cy="1265382"/>
+          </a:xfrm>
+        </p:spPr>
+        <p:txBody>
+          <a:bodyPr/>
+          <a:lstStyle/>
+          <a:p>
+            <a:r>
+              <a:rPr lang="en-US" dirty="0" smtClean="0">
+                <a:solidFill>
+                  <a:srgbClr val="002060"/>
+                </a:solidFill>
+              </a:rPr>
+              <a:t/>
+            </a:r>
+            <a:br>
+              <a:rPr lang="en-US" dirty="0" smtClean="0">
+                <a:solidFill>
+                  <a:srgbClr val="002060"/>
+                </a:solidFill>
+              </a:rPr>
+            </a:br>
+            <a:r>
+              <a:rPr lang="en-US" dirty="0" smtClean="0">
+                <a:solidFill>
+                  <a:srgbClr val="002060"/>
+                </a:solidFill>
+              </a:rPr>
+              <a:t/>
+            </a:r>
+            <a:br>
+              <a:rPr lang="en-US" dirty="0" smtClean="0">
+                <a:solidFill>
+                  <a:srgbClr val="002060"/>
+                </a:solidFill>
+              </a:rPr>
+            </a:br>
+            <a:r>
+              <a:rPr lang="en-US" dirty="0">
+                <a:solidFill>
+                  <a:srgbClr val="002060"/>
+                </a:solidFill>
+              </a:rPr>
+              <a:t/>
+            </a:r>
+            <a:br>
+              <a:rPr lang="en-US" dirty="0">
+                <a:solidFill>
+                  <a:srgbClr val="002060"/>
+                </a:solidFill>
+              </a:rPr>
+            </a:br>
+            <a:r>
+              <a:rPr lang="en-US" dirty="0" smtClean="0">
+                <a:solidFill>
+                  <a:srgbClr val="002060"/>
+                </a:solidFill>
+              </a:rPr>
+              <a:t>success Metrics</a:t>
+            </a:r>
+            <a:r>
+              <a:rPr lang="en-US" dirty="0"/>
+              <a:t/>
+            </a:r>
+            <a:br>
+              <a:rPr lang="en-US" dirty="0"/>
+            </a:br>
+            <a:endParaRPr lang="en-US" dirty="0">
+              <a:solidFill>
+                <a:srgbClr val="002060"/>
+              </a:solidFill>
+            </a:endParaRPr>
+          </a:p>
+        </p:txBody>
+      </p:sp>
+      <p:sp>
+        <p:nvSpPr>
+          <p:cNvPr id="7" name="Text Placeholder 6">
+            <a:extLst>
+              <a:ext uri="{FF2B5EF4-FFF2-40B4-BE49-F238E27FC236}">
+                <a16:creationId xmlns:a16="http://schemas.microsoft.com/office/drawing/2014/main" id="{10AEBCFC-BDCB-3B74-9084-CAB17F2D9CB2}"/>
+              </a:ext>
+            </a:extLst>
+          </p:cNvPr>
+          <p:cNvSpPr>
+            <a:spLocks noGrp="1"/>
+          </p:cNvSpPr>
+          <p:nvPr>
+            <p:ph sz="quarter" idx="13"/>
+          </p:nvPr>
+        </p:nvSpPr>
+        <p:spPr>
+          <a:xfrm>
+            <a:off x="484177" y="2302020"/>
+            <a:ext cx="7810500" cy="2753405"/>
+          </a:xfrm>
+        </p:spPr>
+        <p:txBody>
+          <a:bodyPr vert="horz" lIns="0" tIns="228600" rIns="0" bIns="0" rtlCol="0" anchor="t">
+            <a:normAutofit lnSpcReduction="10000"/>
+          </a:bodyPr>
+          <a:lstStyle/>
+          <a:p>
+            <a:pPr marL="0" indent="0">
+              <a:buNone/>
+            </a:pPr>
+            <a:endParaRPr lang="en-US" dirty="0"/>
+          </a:p>
+          <a:p>
+            <a:r>
+              <a:rPr lang="en-US" b="1" dirty="0" smtClean="0"/>
+              <a:t>Macro </a:t>
+            </a:r>
+            <a:r>
+              <a:rPr lang="en-US" b="1" dirty="0"/>
+              <a:t>F1-Score ≥ 65%</a:t>
+            </a:r>
+            <a:r>
+              <a:rPr lang="en-US" dirty="0"/>
+              <a:t>, with improved </a:t>
+            </a:r>
+            <a:r>
+              <a:rPr lang="en-US" b="1" dirty="0"/>
+              <a:t>recall for the hate class</a:t>
+            </a:r>
+            <a:r>
+              <a:rPr lang="en-US" dirty="0"/>
+              <a:t>.</a:t>
+            </a:r>
+          </a:p>
+          <a:p>
+            <a:r>
+              <a:rPr lang="en-US" dirty="0"/>
+              <a:t>Demonstrate ability to handle </a:t>
+            </a:r>
+            <a:r>
+              <a:rPr lang="en-US" b="1" dirty="0"/>
+              <a:t>imbalanced data</a:t>
+            </a:r>
+            <a:r>
+              <a:rPr lang="en-US" dirty="0"/>
+              <a:t> effectively.</a:t>
+            </a:r>
+          </a:p>
+          <a:p>
+            <a:r>
+              <a:rPr lang="en-US" dirty="0"/>
+              <a:t>Show improved detection of </a:t>
+            </a:r>
+            <a:r>
+              <a:rPr lang="en-US" b="1" dirty="0"/>
+              <a:t>multilingual and nuanced hate speech</a:t>
+            </a:r>
+            <a:r>
+              <a:rPr lang="en-US" dirty="0"/>
+              <a:t> compared to baseline models.</a:t>
+            </a:r>
+          </a:p>
+          <a:p>
+            <a:pPr marL="283210" indent="-283210">
+              <a:buFont typeface="Arial"/>
+              <a:buChar char="•"/>
+            </a:pPr>
+            <a:r>
+              <a:rPr lang="en-US" dirty="0" smtClean="0">
+                <a:ea typeface="+mn-lt"/>
+                <a:cs typeface="+mn-lt"/>
+              </a:rPr>
+              <a:t>.</a:t>
+            </a:r>
+            <a:endParaRPr lang="en-US" dirty="0"/>
+          </a:p>
+          <a:p>
+            <a:pPr marL="283210" indent="-283210">
+              <a:buFont typeface="Arial"/>
+              <a:buChar char="•"/>
+            </a:pPr>
+            <a:endParaRPr lang="en-US" dirty="0"/>
+          </a:p>
+          <a:p>
+            <a:pPr marL="0" indent="0">
+              <a:buNone/>
+            </a:pPr>
+            <a:endParaRPr lang="en-US" dirty="0"/>
+          </a:p>
+          <a:p>
+            <a:pPr marL="283210" indent="-283210"/>
+            <a:endParaRPr lang="en-US" dirty="0"/>
+          </a:p>
+          <a:p>
+            <a:pPr marL="283210" indent="-283210"/>
+            <a:endParaRPr lang="en-US" dirty="0"/>
+          </a:p>
+        </p:txBody>
+      </p:sp>
+      <p:grpSp>
+        <p:nvGrpSpPr>
+          <p:cNvPr id="19" name="Group 18">
+            <a:extLst>
+              <a:ext uri="{FF2B5EF4-FFF2-40B4-BE49-F238E27FC236}">
+                <a16:creationId xmlns:a16="http://schemas.microsoft.com/office/drawing/2014/main" id="{7BF8C50D-3461-6B60-E746-FD5EABB5EAC3}"/>
+              </a:ext>
+              <a:ext uri="{C183D7F6-B498-43B3-948B-1728B52AA6E4}">
+                <adec:decorative xmlns:adec="http://schemas.microsoft.com/office/drawing/2017/decorative" xmlns="" val="1"/>
+              </a:ext>
+            </a:extLst>
+          </p:cNvPr>
+          <p:cNvGrpSpPr>
+            <a:grpSpLocks/>
+          </p:cNvGrpSpPr>
+          <p:nvPr/>
+        </p:nvGrpSpPr>
+        <p:grpSpPr bwMode="auto">
+          <a:xfrm rot="16200000" flipV="1">
+            <a:off x="0" y="3900132"/>
+            <a:ext cx="2959226" cy="2959226"/>
+            <a:chOff x="0" y="12289"/>
+            <a:chExt cx="3550" cy="3551"/>
+          </a:xfrm>
+        </p:grpSpPr>
+        <p:sp>
+          <p:nvSpPr>
+            <p:cNvPr id="20" name="Freeform 19">
+              <a:extLst>
+                <a:ext uri="{FF2B5EF4-FFF2-40B4-BE49-F238E27FC236}">
+                  <a16:creationId xmlns:a16="http://schemas.microsoft.com/office/drawing/2014/main" id="{736446DB-9DA8-969B-EBB6-CCC3336C9CB0}"/>
+                </a:ext>
+              </a:extLst>
+            </p:cNvPr>
+            <p:cNvSpPr>
+              <a:spLocks/>
+            </p:cNvSpPr>
+            <p:nvPr/>
+          </p:nvSpPr>
+          <p:spPr bwMode="auto">
+            <a:xfrm>
+              <a:off x="0" y="12289"/>
+              <a:ext cx="1789" cy="2386"/>
+            </a:xfrm>
+            <a:custGeom>
+              <a:avLst/>
+              <a:gdLst>
+                <a:gd name="T0" fmla="*/ 0 w 1789"/>
+                <a:gd name="T1" fmla="+- 0 12290 12290"/>
+                <a:gd name="T2" fmla="*/ 12290 h 2386"/>
+                <a:gd name="T3" fmla="*/ 0 w 1789"/>
+                <a:gd name="T4" fmla="+- 0 13484 12290"/>
+                <a:gd name="T5" fmla="*/ 13484 h 2386"/>
+                <a:gd name="T6" fmla="*/ 1192 w 1789"/>
+                <a:gd name="T7" fmla="+- 0 14676 12290"/>
+                <a:gd name="T8" fmla="*/ 14676 h 2386"/>
+                <a:gd name="T9" fmla="*/ 1789 w 1789"/>
+                <a:gd name="T10" fmla="+- 0 14079 12290"/>
+                <a:gd name="T11" fmla="*/ 14079 h 2386"/>
+                <a:gd name="T12" fmla="*/ 0 w 1789"/>
+                <a:gd name="T13" fmla="+- 0 12290 12290"/>
+                <a:gd name="T14" fmla="*/ 12290 h 2386"/>
+              </a:gdLst>
+              <a:ahLst/>
+              <a:cxnLst>
+                <a:cxn ang="0">
+                  <a:pos x="T0" y="T2"/>
+                </a:cxn>
+                <a:cxn ang="0">
+                  <a:pos x="T3" y="T5"/>
+                </a:cxn>
+                <a:cxn ang="0">
+                  <a:pos x="T6" y="T8"/>
+                </a:cxn>
+                <a:cxn ang="0">
+                  <a:pos x="T9" y="T11"/>
+                </a:cxn>
+                <a:cxn ang="0">
+                  <a:pos x="T12" y="T14"/>
+                </a:cxn>
+              </a:cxnLst>
+              <a:rect l="0" t="0" r="r" b="b"/>
+              <a:pathLst>
+                <a:path w="1789" h="2386">
+                  <a:moveTo>
+                    <a:pt x="0" y="0"/>
+                  </a:moveTo>
+                  <a:lnTo>
+                    <a:pt x="0" y="1194"/>
+                  </a:lnTo>
+                  <a:lnTo>
+                    <a:pt x="1192" y="2386"/>
+                  </a:lnTo>
+                  <a:lnTo>
+                    <a:pt x="1789" y="1789"/>
+                  </a:lnTo>
+                  <a:lnTo>
+                    <a:pt x="0" y="0"/>
+                  </a:lnTo>
+                  <a:close/>
+                </a:path>
+              </a:pathLst>
+            </a:custGeom>
+            <a:solidFill>
+              <a:schemeClr val="accent6"/>
+            </a:solidFill>
+            <a:ln>
+              <a:noFill/>
+            </a:ln>
+            <a:extLst>
+              <a:ext uri="{91240B29-F687-4F45-9708-019B960494DF}">
+                <a14:hiddenLine xmlns:a14="http://schemas.microsoft.com/office/drawing/2010/main" w="9525">
+                  <a:solidFill>
+                    <a:srgbClr val="000000"/>
+                  </a:solidFill>
+                  <a:round/>
+                  <a:headEnd/>
+                  <a:tailEnd/>
+                </a14:hiddenLine>
+              </a:ext>
+            </a:extLst>
+          </p:spPr>
+          <p:txBody>
+            <a:bodyPr rot="0" vert="horz" wrap="square" lIns="91440" tIns="45720" rIns="91440" bIns="45720" anchor="t" anchorCtr="0" upright="1">
+              <a:noAutofit/>
+            </a:bodyPr>
+            <a:lstStyle/>
+            <a:p>
+              <a:endParaRPr lang="en-US" dirty="0"/>
+            </a:p>
+          </p:txBody>
+        </p:sp>
+        <p:sp>
+          <p:nvSpPr>
+            <p:cNvPr id="21" name="Freeform 20">
+              <a:extLst>
+                <a:ext uri="{FF2B5EF4-FFF2-40B4-BE49-F238E27FC236}">
+                  <a16:creationId xmlns:a16="http://schemas.microsoft.com/office/drawing/2014/main" id="{788FA98A-5002-6FFC-6F92-CC433C128DB9}"/>
+                </a:ext>
+              </a:extLst>
+            </p:cNvPr>
+            <p:cNvSpPr>
+              <a:spLocks/>
+            </p:cNvSpPr>
+            <p:nvPr/>
+          </p:nvSpPr>
+          <p:spPr bwMode="auto">
+            <a:xfrm>
+              <a:off x="0" y="14678"/>
+              <a:ext cx="1162" cy="1162"/>
+            </a:xfrm>
+            <a:custGeom>
+              <a:avLst/>
+              <a:gdLst>
+                <a:gd name="T0" fmla="*/ 0 w 1162"/>
+                <a:gd name="T1" fmla="+- 0 14679 14679"/>
+                <a:gd name="T2" fmla="*/ 14679 h 1162"/>
+                <a:gd name="T3" fmla="*/ 0 w 1162"/>
+                <a:gd name="T4" fmla="+- 0 15840 14679"/>
+                <a:gd name="T5" fmla="*/ 15840 h 1162"/>
+                <a:gd name="T6" fmla="*/ 1161 w 1162"/>
+                <a:gd name="T7" fmla="+- 0 15840 14679"/>
+                <a:gd name="T8" fmla="*/ 15840 h 1162"/>
+                <a:gd name="T9" fmla="*/ 0 w 1162"/>
+                <a:gd name="T10" fmla="+- 0 14679 14679"/>
+                <a:gd name="T11" fmla="*/ 14679 h 1162"/>
+              </a:gdLst>
+              <a:ahLst/>
+              <a:cxnLst>
+                <a:cxn ang="0">
+                  <a:pos x="T0" y="T2"/>
+                </a:cxn>
+                <a:cxn ang="0">
+                  <a:pos x="T3" y="T5"/>
+                </a:cxn>
+                <a:cxn ang="0">
+                  <a:pos x="T6" y="T8"/>
+                </a:cxn>
+                <a:cxn ang="0">
+                  <a:pos x="T9" y="T11"/>
+                </a:cxn>
+              </a:cxnLst>
+              <a:rect l="0" t="0" r="r" b="b"/>
+              <a:pathLst>
+                <a:path w="1162" h="1162">
+                  <a:moveTo>
+                    <a:pt x="0" y="0"/>
+                  </a:moveTo>
+                  <a:lnTo>
+                    <a:pt x="0" y="1161"/>
+                  </a:lnTo>
+                  <a:lnTo>
+                    <a:pt x="1161" y="1161"/>
+                  </a:lnTo>
+                  <a:lnTo>
+                    <a:pt x="0" y="0"/>
+                  </a:lnTo>
+                  <a:close/>
+                </a:path>
+              </a:pathLst>
+            </a:custGeom>
+            <a:solidFill>
+              <a:schemeClr val="tx2"/>
+            </a:solidFill>
+            <a:ln>
+              <a:noFill/>
+            </a:ln>
+            <a:extLst>
+              <a:ext uri="{91240B29-F687-4F45-9708-019B960494DF}">
+                <a14:hiddenLine xmlns:a14="http://schemas.microsoft.com/office/drawing/2010/main" w="9525">
+                  <a:solidFill>
+                    <a:srgbClr val="000000"/>
+                  </a:solidFill>
+                  <a:round/>
+                  <a:headEnd/>
+                  <a:tailEnd/>
+                </a14:hiddenLine>
+              </a:ext>
+            </a:extLst>
+          </p:spPr>
+          <p:txBody>
+            <a:bodyPr rot="0" vert="horz" wrap="square" lIns="91440" tIns="45720" rIns="91440" bIns="45720" anchor="t" anchorCtr="0" upright="1">
+              <a:noAutofit/>
+            </a:bodyPr>
+            <a:lstStyle/>
+            <a:p>
+              <a:endParaRPr lang="en-US" dirty="0"/>
+            </a:p>
+          </p:txBody>
+        </p:sp>
+        <p:sp>
+          <p:nvSpPr>
+            <p:cNvPr id="22" name="Freeform 21">
+              <a:extLst>
+                <a:ext uri="{FF2B5EF4-FFF2-40B4-BE49-F238E27FC236}">
+                  <a16:creationId xmlns:a16="http://schemas.microsoft.com/office/drawing/2014/main" id="{61DBC4EF-1816-7A55-7332-762E1C8007C0}"/>
+                </a:ext>
+              </a:extLst>
+            </p:cNvPr>
+            <p:cNvSpPr>
+              <a:spLocks/>
+            </p:cNvSpPr>
+            <p:nvPr/>
+          </p:nvSpPr>
+          <p:spPr bwMode="auto">
+            <a:xfrm>
+              <a:off x="1221" y="14675"/>
+              <a:ext cx="2329" cy="1165"/>
+            </a:xfrm>
+            <a:custGeom>
+              <a:avLst/>
+              <a:gdLst>
+                <a:gd name="T0" fmla="+- 0 3550 1221"/>
+                <a:gd name="T1" fmla="*/ T0 w 2329"/>
+                <a:gd name="T2" fmla="+- 0 15840 14676"/>
+                <a:gd name="T3" fmla="*/ 15840 h 1165"/>
+                <a:gd name="T4" fmla="+- 0 2386 1221"/>
+                <a:gd name="T5" fmla="*/ T4 w 2329"/>
+                <a:gd name="T6" fmla="+- 0 14676 14676"/>
+                <a:gd name="T7" fmla="*/ 14676 h 1165"/>
+                <a:gd name="T8" fmla="+- 0 1221 1221"/>
+                <a:gd name="T9" fmla="*/ T8 w 2329"/>
+                <a:gd name="T10" fmla="+- 0 15840 14676"/>
+                <a:gd name="T11" fmla="*/ 15840 h 1165"/>
+                <a:gd name="T12" fmla="+- 0 3550 1221"/>
+                <a:gd name="T13" fmla="*/ T12 w 2329"/>
+                <a:gd name="T14" fmla="+- 0 15840 14676"/>
+                <a:gd name="T15" fmla="*/ 15840 h 1165"/>
+              </a:gdLst>
+              <a:ahLst/>
+              <a:cxnLst>
+                <a:cxn ang="0">
+                  <a:pos x="T1" y="T3"/>
+                </a:cxn>
+                <a:cxn ang="0">
+                  <a:pos x="T5" y="T7"/>
+                </a:cxn>
+                <a:cxn ang="0">
+                  <a:pos x="T9" y="T11"/>
+                </a:cxn>
+                <a:cxn ang="0">
+                  <a:pos x="T13" y="T15"/>
+                </a:cxn>
+              </a:cxnLst>
+              <a:rect l="0" t="0" r="r" b="b"/>
+              <a:pathLst>
+                <a:path w="2329" h="1165">
+                  <a:moveTo>
+                    <a:pt x="2329" y="1164"/>
+                  </a:moveTo>
+                  <a:lnTo>
+                    <a:pt x="1165" y="0"/>
+                  </a:lnTo>
+                  <a:lnTo>
+                    <a:pt x="0" y="1164"/>
+                  </a:lnTo>
+                  <a:lnTo>
+                    <a:pt x="2329" y="1164"/>
+                  </a:lnTo>
+                </a:path>
+              </a:pathLst>
+            </a:custGeom>
+            <a:solidFill>
+              <a:schemeClr val="accent3"/>
+            </a:solidFill>
+            <a:ln>
+              <a:noFill/>
+            </a:ln>
+            <a:extLst>
+              <a:ext uri="{91240B29-F687-4F45-9708-019B960494DF}">
+                <a14:hiddenLine xmlns:a14="http://schemas.microsoft.com/office/drawing/2010/main" w="9525">
+                  <a:solidFill>
+                    <a:srgbClr val="000000"/>
+                  </a:solidFill>
+                  <a:round/>
+                  <a:headEnd/>
+                  <a:tailEnd/>
+                </a14:hiddenLine>
+              </a:ext>
+            </a:extLst>
+          </p:spPr>
+          <p:txBody>
+            <a:bodyPr rot="0" vert="horz" wrap="square" lIns="91440" tIns="45720" rIns="91440" bIns="45720" anchor="t" anchorCtr="0" upright="1">
+              <a:noAutofit/>
+            </a:bodyPr>
+            <a:lstStyle/>
+            <a:p>
+              <a:endParaRPr lang="en-US" dirty="0"/>
+            </a:p>
+          </p:txBody>
+        </p:sp>
+      </p:grpSp>
+      <p:pic>
+        <p:nvPicPr>
+          <p:cNvPr id="4" name="Picture 3" descr="A blue square with a white bird logo&#10;&#10;AI-generated content may be incorrect.">
+            <a:extLst>
+              <a:ext uri="{FF2B5EF4-FFF2-40B4-BE49-F238E27FC236}">
+                <a16:creationId xmlns:a16="http://schemas.microsoft.com/office/drawing/2014/main" id="{E9D7E13D-2AF3-FDF1-12A3-5E8C465CDE88}"/>
+              </a:ext>
+            </a:extLst>
+          </p:cNvPr>
+          <p:cNvPicPr>
+            <a:picLocks noChangeAspect="1"/>
+          </p:cNvPicPr>
+          <p:nvPr/>
+        </p:nvPicPr>
+        <p:blipFill>
+          <a:blip r:embed="rId3"/>
+          <a:stretch>
+            <a:fillRect/>
+          </a:stretch>
+        </p:blipFill>
+        <p:spPr>
+          <a:xfrm>
+            <a:off x="8217582" y="4149498"/>
+            <a:ext cx="3971925" cy="2466975"/>
+          </a:xfrm>
+          <a:prstGeom prst="rect">
+            <a:avLst/>
+          </a:prstGeom>
+        </p:spPr>
+      </p:pic>
+    </p:spTree>
+    <p:extLst>
+      <p:ext uri="{BB962C8B-B14F-4D97-AF65-F5344CB8AC3E}">
+        <p14:creationId xmlns:p14="http://schemas.microsoft.com/office/powerpoint/2010/main" val="2274853320"/>
+      </p:ext>
+    </p:extLst>
+  </p:cSld>
+  <p:clrMapOvr>
+    <a:masterClrMapping/>
+  </p:clrMapOvr>
+  <p:timing>
+    <p:tnLst>
+      <p:par>
+        <p:cTn id="1" dur="indefinite" restart="never" nodeType="tmRoot"/>
+      </p:par>
+    </p:tnLst>
+  </p:timing>
+</p:sld>
+</file>
+
+<file path=ppt/slides/slide8.xml><?xml version="1.0" encoding="utf-8"?>
+<p:sld xmlns:a="http://schemas.openxmlformats.org/drawingml/2006/main" xmlns:r="http://schemas.openxmlformats.org/officeDocument/2006/relationships" xmlns:p="http://schemas.openxmlformats.org/presentationml/2006/main">
+  <p:cSld>
+    <p:spTree>
+      <p:nvGrpSpPr>
+        <p:cNvPr id="1" name="">
+          <a:extLst>
+            <a:ext uri="{FF2B5EF4-FFF2-40B4-BE49-F238E27FC236}">
+              <a16:creationId xmlns:a16="http://schemas.microsoft.com/office/drawing/2014/main" id="{63683CAB-827D-87A8-2153-F75C70D2CCBC}"/>
+            </a:ext>
+          </a:extLst>
+        </p:cNvPr>
+        <p:cNvGrpSpPr/>
+        <p:nvPr/>
+      </p:nvGrpSpPr>
+      <p:grpSpPr>
+        <a:xfrm>
+          <a:off x="0" y="0"/>
+          <a:ext cx="0" cy="0"/>
+          <a:chOff x="0" y="0"/>
+          <a:chExt cx="0" cy="0"/>
+        </a:xfrm>
+      </p:grpSpPr>
+      <p:sp>
+        <p:nvSpPr>
+          <p:cNvPr id="3" name="Title 2">
+            <a:extLst>
+              <a:ext uri="{FF2B5EF4-FFF2-40B4-BE49-F238E27FC236}">
+                <a16:creationId xmlns:a16="http://schemas.microsoft.com/office/drawing/2014/main" id="{5A54F1B9-419A-553D-9065-2340D02E4F84}"/>
+              </a:ext>
+            </a:extLst>
+          </p:cNvPr>
+          <p:cNvSpPr>
+            <a:spLocks noGrp="1"/>
+          </p:cNvSpPr>
+          <p:nvPr>
+            <p:ph type="title"/>
+          </p:nvPr>
+        </p:nvSpPr>
+        <p:spPr>
+          <a:xfrm>
+            <a:off x="591127" y="682549"/>
+            <a:ext cx="9388031" cy="1265382"/>
+          </a:xfrm>
+        </p:spPr>
+        <p:txBody>
+          <a:bodyPr/>
+          <a:lstStyle/>
+          <a:p>
+            <a:r>
+              <a:rPr lang="en-US" dirty="0" smtClean="0">
+                <a:solidFill>
+                  <a:srgbClr val="002060"/>
+                </a:solidFill>
+              </a:rPr>
+              <a:t/>
+            </a:r>
+            <a:br>
+              <a:rPr lang="en-US" dirty="0" smtClean="0">
+                <a:solidFill>
+                  <a:srgbClr val="002060"/>
+                </a:solidFill>
+              </a:rPr>
+            </a:br>
+            <a:r>
+              <a:rPr lang="en-US" dirty="0" smtClean="0">
+                <a:solidFill>
+                  <a:srgbClr val="002060"/>
+                </a:solidFill>
+              </a:rPr>
+              <a:t/>
+            </a:r>
+            <a:br>
+              <a:rPr lang="en-US" dirty="0" smtClean="0">
+                <a:solidFill>
+                  <a:srgbClr val="002060"/>
+                </a:solidFill>
+              </a:rPr>
+            </a:br>
+            <a:r>
+              <a:rPr lang="en-US" dirty="0" smtClean="0">
+                <a:solidFill>
+                  <a:srgbClr val="002060"/>
+                </a:solidFill>
+              </a:rPr>
+              <a:t/>
+            </a:r>
+            <a:br>
+              <a:rPr lang="en-US" dirty="0" smtClean="0">
+                <a:solidFill>
+                  <a:srgbClr val="002060"/>
+                </a:solidFill>
+              </a:rPr>
+            </a:br>
+            <a:r>
+              <a:rPr lang="en-US" dirty="0"/>
+              <a:t/>
+            </a:r>
+            <a:br>
+              <a:rPr lang="en-US" dirty="0"/>
+            </a:br>
+            <a:r>
+              <a:rPr lang="en-US" dirty="0" smtClean="0">
+                <a:solidFill>
+                  <a:srgbClr val="002060"/>
+                </a:solidFill>
+              </a:rPr>
+              <a:t/>
+            </a:r>
+            <a:br>
+              <a:rPr lang="en-US" dirty="0" smtClean="0">
+                <a:solidFill>
+                  <a:srgbClr val="002060"/>
+                </a:solidFill>
+              </a:rPr>
+            </a:br>
+            <a:r>
+              <a:rPr lang="en-US" dirty="0" smtClean="0">
+                <a:solidFill>
+                  <a:srgbClr val="002060"/>
+                </a:solidFill>
+              </a:rPr>
+              <a:t>Business </a:t>
+            </a:r>
+            <a:r>
+              <a:rPr lang="en-US" dirty="0">
+                <a:solidFill>
+                  <a:srgbClr val="002060"/>
+                </a:solidFill>
+              </a:rPr>
+              <a:t>Impact</a:t>
+            </a:r>
+          </a:p>
+        </p:txBody>
+      </p:sp>
+      <p:sp>
+        <p:nvSpPr>
+          <p:cNvPr id="7" name="Text Placeholder 6">
+            <a:extLst>
+              <a:ext uri="{FF2B5EF4-FFF2-40B4-BE49-F238E27FC236}">
+                <a16:creationId xmlns:a16="http://schemas.microsoft.com/office/drawing/2014/main" id="{10AEBCFC-BDCB-3B74-9084-CAB17F2D9CB2}"/>
+              </a:ext>
+            </a:extLst>
+          </p:cNvPr>
+          <p:cNvSpPr>
+            <a:spLocks noGrp="1"/>
+          </p:cNvSpPr>
+          <p:nvPr>
+            <p:ph sz="quarter" idx="13"/>
+          </p:nvPr>
+        </p:nvSpPr>
+        <p:spPr>
+          <a:xfrm>
+            <a:off x="591127" y="2252839"/>
+            <a:ext cx="8005146" cy="2781933"/>
+          </a:xfrm>
+        </p:spPr>
+        <p:txBody>
+          <a:bodyPr vert="horz" lIns="0" tIns="228600" rIns="0" bIns="0" rtlCol="0" anchor="t">
+            <a:normAutofit fontScale="92500" lnSpcReduction="20000"/>
+          </a:bodyPr>
+          <a:lstStyle/>
+          <a:p>
+            <a:pPr marL="0" indent="0">
+              <a:buNone/>
+            </a:pPr>
+            <a:endParaRPr lang="en-US" dirty="0"/>
+          </a:p>
+          <a:p>
+            <a:r>
+              <a:rPr lang="en-US" sz="2200" dirty="0"/>
+              <a:t>Enables </a:t>
+            </a:r>
+            <a:r>
+              <a:rPr lang="en-US" sz="2200" b="1" dirty="0"/>
+              <a:t>real-time moderation</a:t>
+            </a:r>
+            <a:r>
+              <a:rPr lang="en-US" sz="2200" dirty="0"/>
+              <a:t> of harmful political content</a:t>
+            </a:r>
+            <a:r>
+              <a:rPr lang="en-US" sz="2200" dirty="0" smtClean="0"/>
+              <a:t>.</a:t>
+            </a:r>
+            <a:endParaRPr lang="en-US" sz="2200" dirty="0"/>
+          </a:p>
+          <a:p>
+            <a:r>
+              <a:rPr lang="en-US" sz="2200" dirty="0"/>
+              <a:t>Reduces </a:t>
+            </a:r>
+            <a:r>
+              <a:rPr lang="en-US" sz="2200" b="1" dirty="0"/>
+              <a:t>platform liability</a:t>
+            </a:r>
+            <a:r>
+              <a:rPr lang="en-US" sz="2200" dirty="0"/>
+              <a:t> for hosting hate speech.</a:t>
+            </a:r>
+          </a:p>
+          <a:p>
+            <a:r>
+              <a:rPr lang="en-US" sz="2200" dirty="0"/>
+              <a:t>Improves </a:t>
+            </a:r>
+            <a:r>
+              <a:rPr lang="en-US" sz="2200" b="1" dirty="0"/>
+              <a:t>user trust</a:t>
+            </a:r>
+            <a:r>
+              <a:rPr lang="en-US" sz="2200" dirty="0"/>
+              <a:t> and engagement by creating a safer online space.</a:t>
+            </a:r>
+          </a:p>
+          <a:p>
+            <a:r>
+              <a:rPr lang="en-US" sz="2200" dirty="0"/>
+              <a:t>Supports </a:t>
+            </a:r>
+            <a:r>
+              <a:rPr lang="en-US" sz="2200" b="1" dirty="0"/>
+              <a:t>regulatory compliance</a:t>
+            </a:r>
+            <a:r>
+              <a:rPr lang="en-US" sz="2200" dirty="0"/>
+              <a:t> in high-risk political environments.</a:t>
+            </a:r>
+          </a:p>
+          <a:p>
+            <a:pPr marL="283210" indent="-283210">
+              <a:buFont typeface="Arial"/>
+              <a:buChar char="•"/>
+            </a:pPr>
+            <a:r>
+              <a:rPr lang="en-US" sz="2200" dirty="0" smtClean="0">
+                <a:ea typeface="+mn-lt"/>
+                <a:cs typeface="+mn-lt"/>
+              </a:rPr>
+              <a:t>.</a:t>
+            </a:r>
+            <a:endParaRPr lang="en-US" sz="2200" dirty="0"/>
+          </a:p>
+          <a:p>
+            <a:pPr marL="283210" indent="-283210">
+              <a:buFont typeface="Arial"/>
+              <a:buChar char="•"/>
+            </a:pPr>
+            <a:endParaRPr lang="en-US" dirty="0"/>
+          </a:p>
+          <a:p>
+            <a:pPr marL="0" indent="0">
+              <a:buNone/>
+            </a:pPr>
+            <a:endParaRPr lang="en-US" dirty="0"/>
+          </a:p>
+          <a:p>
+            <a:pPr marL="283210" indent="-283210"/>
+            <a:endParaRPr lang="en-US" dirty="0"/>
+          </a:p>
+          <a:p>
+            <a:pPr marL="283210" indent="-283210"/>
+            <a:endParaRPr lang="en-US" dirty="0"/>
+          </a:p>
+        </p:txBody>
+      </p:sp>
+      <p:grpSp>
+        <p:nvGrpSpPr>
+          <p:cNvPr id="19" name="Group 18">
+            <a:extLst>
+              <a:ext uri="{FF2B5EF4-FFF2-40B4-BE49-F238E27FC236}">
+                <a16:creationId xmlns:a16="http://schemas.microsoft.com/office/drawing/2014/main" id="{7BF8C50D-3461-6B60-E746-FD5EABB5EAC3}"/>
+              </a:ext>
+              <a:ext uri="{C183D7F6-B498-43B3-948B-1728B52AA6E4}">
+                <adec:decorative xmlns:adec="http://schemas.microsoft.com/office/drawing/2017/decorative" xmlns="" val="1"/>
+              </a:ext>
+            </a:extLst>
+          </p:cNvPr>
+          <p:cNvGrpSpPr>
+            <a:grpSpLocks/>
+          </p:cNvGrpSpPr>
+          <p:nvPr/>
+        </p:nvGrpSpPr>
+        <p:grpSpPr bwMode="auto">
+          <a:xfrm rot="16200000" flipV="1">
+            <a:off x="0" y="3900132"/>
+            <a:ext cx="2959226" cy="2959226"/>
+            <a:chOff x="0" y="12289"/>
+            <a:chExt cx="3550" cy="3551"/>
+          </a:xfrm>
+        </p:grpSpPr>
+        <p:sp>
+          <p:nvSpPr>
+            <p:cNvPr id="20" name="Freeform 19">
+              <a:extLst>
+                <a:ext uri="{FF2B5EF4-FFF2-40B4-BE49-F238E27FC236}">
+                  <a16:creationId xmlns:a16="http://schemas.microsoft.com/office/drawing/2014/main" id="{736446DB-9DA8-969B-EBB6-CCC3336C9CB0}"/>
+                </a:ext>
+              </a:extLst>
+            </p:cNvPr>
+            <p:cNvSpPr>
+              <a:spLocks/>
+            </p:cNvSpPr>
+            <p:nvPr/>
+          </p:nvSpPr>
+          <p:spPr bwMode="auto">
+            <a:xfrm>
+              <a:off x="0" y="12289"/>
+              <a:ext cx="1789" cy="2386"/>
+            </a:xfrm>
+            <a:custGeom>
+              <a:avLst/>
+              <a:gdLst>
+                <a:gd name="T0" fmla="*/ 0 w 1789"/>
+                <a:gd name="T1" fmla="+- 0 12290 12290"/>
+                <a:gd name="T2" fmla="*/ 12290 h 2386"/>
+                <a:gd name="T3" fmla="*/ 0 w 1789"/>
+                <a:gd name="T4" fmla="+- 0 13484 12290"/>
+                <a:gd name="T5" fmla="*/ 13484 h 2386"/>
+                <a:gd name="T6" fmla="*/ 1192 w 1789"/>
+                <a:gd name="T7" fmla="+- 0 14676 12290"/>
+                <a:gd name="T8" fmla="*/ 14676 h 2386"/>
+                <a:gd name="T9" fmla="*/ 1789 w 1789"/>
+                <a:gd name="T10" fmla="+- 0 14079 12290"/>
+                <a:gd name="T11" fmla="*/ 14079 h 2386"/>
+                <a:gd name="T12" fmla="*/ 0 w 1789"/>
+                <a:gd name="T13" fmla="+- 0 12290 12290"/>
+                <a:gd name="T14" fmla="*/ 12290 h 2386"/>
+              </a:gdLst>
+              <a:ahLst/>
+              <a:cxnLst>
+                <a:cxn ang="0">
+                  <a:pos x="T0" y="T2"/>
+                </a:cxn>
+                <a:cxn ang="0">
+                  <a:pos x="T3" y="T5"/>
+                </a:cxn>
+                <a:cxn ang="0">
+                  <a:pos x="T6" y="T8"/>
+                </a:cxn>
+                <a:cxn ang="0">
+                  <a:pos x="T9" y="T11"/>
+                </a:cxn>
+                <a:cxn ang="0">
+                  <a:pos x="T12" y="T14"/>
+                </a:cxn>
+              </a:cxnLst>
+              <a:rect l="0" t="0" r="r" b="b"/>
+              <a:pathLst>
+                <a:path w="1789" h="2386">
+                  <a:moveTo>
+                    <a:pt x="0" y="0"/>
+                  </a:moveTo>
+                  <a:lnTo>
+                    <a:pt x="0" y="1194"/>
+                  </a:lnTo>
+                  <a:lnTo>
+                    <a:pt x="1192" y="2386"/>
+                  </a:lnTo>
+                  <a:lnTo>
+                    <a:pt x="1789" y="1789"/>
+                  </a:lnTo>
+                  <a:lnTo>
+                    <a:pt x="0" y="0"/>
+                  </a:lnTo>
+                  <a:close/>
+                </a:path>
+              </a:pathLst>
+            </a:custGeom>
+            <a:solidFill>
+              <a:schemeClr val="accent6"/>
+            </a:solidFill>
+            <a:ln>
+              <a:noFill/>
+            </a:ln>
+            <a:extLst>
+              <a:ext uri="{91240B29-F687-4F45-9708-019B960494DF}">
+                <a14:hiddenLine xmlns:a14="http://schemas.microsoft.com/office/drawing/2010/main" w="9525">
+                  <a:solidFill>
+                    <a:srgbClr val="000000"/>
+                  </a:solidFill>
+                  <a:round/>
+                  <a:headEnd/>
+                  <a:tailEnd/>
+                </a14:hiddenLine>
+              </a:ext>
+            </a:extLst>
+          </p:spPr>
+          <p:txBody>
+            <a:bodyPr rot="0" vert="horz" wrap="square" lIns="91440" tIns="45720" rIns="91440" bIns="45720" anchor="t" anchorCtr="0" upright="1">
+              <a:noAutofit/>
+            </a:bodyPr>
+            <a:lstStyle/>
+            <a:p>
+              <a:endParaRPr lang="en-US" dirty="0"/>
+            </a:p>
+          </p:txBody>
+        </p:sp>
+        <p:sp>
+          <p:nvSpPr>
+            <p:cNvPr id="21" name="Freeform 20">
+              <a:extLst>
+                <a:ext uri="{FF2B5EF4-FFF2-40B4-BE49-F238E27FC236}">
+                  <a16:creationId xmlns:a16="http://schemas.microsoft.com/office/drawing/2014/main" id="{788FA98A-5002-6FFC-6F92-CC433C128DB9}"/>
+                </a:ext>
+              </a:extLst>
+            </p:cNvPr>
+            <p:cNvSpPr>
+              <a:spLocks/>
+            </p:cNvSpPr>
+            <p:nvPr/>
+          </p:nvSpPr>
+          <p:spPr bwMode="auto">
+            <a:xfrm>
+              <a:off x="0" y="14678"/>
+              <a:ext cx="1162" cy="1162"/>
+            </a:xfrm>
+            <a:custGeom>
+              <a:avLst/>
+              <a:gdLst>
+                <a:gd name="T0" fmla="*/ 0 w 1162"/>
+                <a:gd name="T1" fmla="+- 0 14679 14679"/>
+                <a:gd name="T2" fmla="*/ 14679 h 1162"/>
+                <a:gd name="T3" fmla="*/ 0 w 1162"/>
+                <a:gd name="T4" fmla="+- 0 15840 14679"/>
+                <a:gd name="T5" fmla="*/ 15840 h 1162"/>
+                <a:gd name="T6" fmla="*/ 1161 w 1162"/>
+                <a:gd name="T7" fmla="+- 0 15840 14679"/>
+                <a:gd name="T8" fmla="*/ 15840 h 1162"/>
+                <a:gd name="T9" fmla="*/ 0 w 1162"/>
+                <a:gd name="T10" fmla="+- 0 14679 14679"/>
+                <a:gd name="T11" fmla="*/ 14679 h 1162"/>
+              </a:gdLst>
+              <a:ahLst/>
+              <a:cxnLst>
+                <a:cxn ang="0">
+                  <a:pos x="T0" y="T2"/>
+                </a:cxn>
+                <a:cxn ang="0">
+                  <a:pos x="T3" y="T5"/>
+                </a:cxn>
+                <a:cxn ang="0">
+                  <a:pos x="T6" y="T8"/>
+                </a:cxn>
+                <a:cxn ang="0">
+                  <a:pos x="T9" y="T11"/>
+                </a:cxn>
+              </a:cxnLst>
+              <a:rect l="0" t="0" r="r" b="b"/>
+              <a:pathLst>
+                <a:path w="1162" h="1162">
+                  <a:moveTo>
+                    <a:pt x="0" y="0"/>
+                  </a:moveTo>
+                  <a:lnTo>
+                    <a:pt x="0" y="1161"/>
+                  </a:lnTo>
+                  <a:lnTo>
+                    <a:pt x="1161" y="1161"/>
+                  </a:lnTo>
+                  <a:lnTo>
+                    <a:pt x="0" y="0"/>
+                  </a:lnTo>
+                  <a:close/>
+                </a:path>
+              </a:pathLst>
+            </a:custGeom>
+            <a:solidFill>
+              <a:schemeClr val="tx2"/>
+            </a:solidFill>
+            <a:ln>
+              <a:noFill/>
+            </a:ln>
+            <a:extLst>
+              <a:ext uri="{91240B29-F687-4F45-9708-019B960494DF}">
+                <a14:hiddenLine xmlns:a14="http://schemas.microsoft.com/office/drawing/2010/main" w="9525">
+                  <a:solidFill>
+                    <a:srgbClr val="000000"/>
+                  </a:solidFill>
+                  <a:round/>
+                  <a:headEnd/>
+                  <a:tailEnd/>
+                </a14:hiddenLine>
+              </a:ext>
+            </a:extLst>
+          </p:spPr>
+          <p:txBody>
+            <a:bodyPr rot="0" vert="horz" wrap="square" lIns="91440" tIns="45720" rIns="91440" bIns="45720" anchor="t" anchorCtr="0" upright="1">
+              <a:noAutofit/>
+            </a:bodyPr>
+            <a:lstStyle/>
+            <a:p>
+              <a:endParaRPr lang="en-US" dirty="0"/>
+            </a:p>
+          </p:txBody>
+        </p:sp>
+        <p:sp>
+          <p:nvSpPr>
+            <p:cNvPr id="22" name="Freeform 21">
+              <a:extLst>
+                <a:ext uri="{FF2B5EF4-FFF2-40B4-BE49-F238E27FC236}">
+                  <a16:creationId xmlns:a16="http://schemas.microsoft.com/office/drawing/2014/main" id="{61DBC4EF-1816-7A55-7332-762E1C8007C0}"/>
+                </a:ext>
+              </a:extLst>
+            </p:cNvPr>
+            <p:cNvSpPr>
+              <a:spLocks/>
+            </p:cNvSpPr>
+            <p:nvPr/>
+          </p:nvSpPr>
+          <p:spPr bwMode="auto">
+            <a:xfrm>
+              <a:off x="1221" y="14675"/>
+              <a:ext cx="2329" cy="1165"/>
+            </a:xfrm>
+            <a:custGeom>
+              <a:avLst/>
+              <a:gdLst>
+                <a:gd name="T0" fmla="+- 0 3550 1221"/>
+                <a:gd name="T1" fmla="*/ T0 w 2329"/>
+                <a:gd name="T2" fmla="+- 0 15840 14676"/>
+                <a:gd name="T3" fmla="*/ 15840 h 1165"/>
+                <a:gd name="T4" fmla="+- 0 2386 1221"/>
+                <a:gd name="T5" fmla="*/ T4 w 2329"/>
+                <a:gd name="T6" fmla="+- 0 14676 14676"/>
+                <a:gd name="T7" fmla="*/ 14676 h 1165"/>
+                <a:gd name="T8" fmla="+- 0 1221 1221"/>
+                <a:gd name="T9" fmla="*/ T8 w 2329"/>
+                <a:gd name="T10" fmla="+- 0 15840 14676"/>
+                <a:gd name="T11" fmla="*/ 15840 h 1165"/>
+                <a:gd name="T12" fmla="+- 0 3550 1221"/>
+                <a:gd name="T13" fmla="*/ T12 w 2329"/>
+                <a:gd name="T14" fmla="+- 0 15840 14676"/>
+                <a:gd name="T15" fmla="*/ 15840 h 1165"/>
+              </a:gdLst>
+              <a:ahLst/>
+              <a:cxnLst>
+                <a:cxn ang="0">
+                  <a:pos x="T1" y="T3"/>
+                </a:cxn>
+                <a:cxn ang="0">
+                  <a:pos x="T5" y="T7"/>
+                </a:cxn>
+                <a:cxn ang="0">
+                  <a:pos x="T9" y="T11"/>
+                </a:cxn>
+                <a:cxn ang="0">
+                  <a:pos x="T13" y="T15"/>
+                </a:cxn>
+              </a:cxnLst>
+              <a:rect l="0" t="0" r="r" b="b"/>
+              <a:pathLst>
+                <a:path w="2329" h="1165">
+                  <a:moveTo>
+                    <a:pt x="2329" y="1164"/>
+                  </a:moveTo>
+                  <a:lnTo>
+                    <a:pt x="1165" y="0"/>
+                  </a:lnTo>
+                  <a:lnTo>
+                    <a:pt x="0" y="1164"/>
+                  </a:lnTo>
+                  <a:lnTo>
+                    <a:pt x="2329" y="1164"/>
+                  </a:lnTo>
+                </a:path>
+              </a:pathLst>
+            </a:custGeom>
+            <a:solidFill>
+              <a:schemeClr val="accent3"/>
+            </a:solidFill>
+            <a:ln>
+              <a:noFill/>
+            </a:ln>
+            <a:extLst>
+              <a:ext uri="{91240B29-F687-4F45-9708-019B960494DF}">
+                <a14:hiddenLine xmlns:a14="http://schemas.microsoft.com/office/drawing/2010/main" w="9525">
+                  <a:solidFill>
+                    <a:srgbClr val="000000"/>
+                  </a:solidFill>
+                  <a:round/>
+                  <a:headEnd/>
+                  <a:tailEnd/>
+                </a14:hiddenLine>
+              </a:ext>
+            </a:extLst>
+          </p:spPr>
+          <p:txBody>
+            <a:bodyPr rot="0" vert="horz" wrap="square" lIns="91440" tIns="45720" rIns="91440" bIns="45720" anchor="t" anchorCtr="0" upright="1">
+              <a:noAutofit/>
+            </a:bodyPr>
+            <a:lstStyle/>
+            <a:p>
+              <a:endParaRPr lang="en-US" dirty="0"/>
+            </a:p>
+          </p:txBody>
+        </p:sp>
+      </p:grpSp>
+      <p:pic>
+        <p:nvPicPr>
+          <p:cNvPr id="4" name="Picture 3" descr="A blue square with a white bird logo&#10;&#10;AI-generated content may be incorrect.">
+            <a:extLst>
+              <a:ext uri="{FF2B5EF4-FFF2-40B4-BE49-F238E27FC236}">
+                <a16:creationId xmlns:a16="http://schemas.microsoft.com/office/drawing/2014/main" id="{E9D7E13D-2AF3-FDF1-12A3-5E8C465CDE88}"/>
+              </a:ext>
+            </a:extLst>
+          </p:cNvPr>
+          <p:cNvPicPr>
+            <a:picLocks noChangeAspect="1"/>
+          </p:cNvPicPr>
+          <p:nvPr/>
+        </p:nvPicPr>
+        <p:blipFill>
+          <a:blip r:embed="rId3"/>
+          <a:stretch>
+            <a:fillRect/>
+          </a:stretch>
+        </p:blipFill>
+        <p:spPr>
+          <a:xfrm>
+            <a:off x="8217582" y="4149498"/>
+            <a:ext cx="3971925" cy="2466975"/>
+          </a:xfrm>
+          <a:prstGeom prst="rect">
+            <a:avLst/>
+          </a:prstGeom>
+        </p:spPr>
+      </p:pic>
+    </p:spTree>
+    <p:extLst>
+      <p:ext uri="{BB962C8B-B14F-4D97-AF65-F5344CB8AC3E}">
+        <p14:creationId xmlns:p14="http://schemas.microsoft.com/office/powerpoint/2010/main" val="2971913284"/>
+      </p:ext>
+    </p:extLst>
+  </p:cSld>
+  <p:clrMapOvr>
+    <a:masterClrMapping/>
+  </p:clrMapOvr>
+  <p:timing>
+    <p:tnLst>
+      <p:par>
+        <p:cTn id="1" dur="indefinite" restart="never" nodeType="tmRoot"/>
+      </p:par>
+    </p:tnLst>
+  </p:timing>
+</p:sld>
+</file>
+
+<file path=ppt/slides/slide9.xml><?xml version="1.0" encoding="utf-8"?>
+<p:sld xmlns:a="http://schemas.openxmlformats.org/drawingml/2006/main" xmlns:r="http://schemas.openxmlformats.org/officeDocument/2006/relationships" xmlns:p="http://schemas.openxmlformats.org/presentationml/2006/main">
+  <p:cSld>
+    <p:spTree>
+      <p:nvGrpSpPr>
+        <p:cNvPr id="1" name="">
+          <a:extLst>
+            <a:ext uri="{FF2B5EF4-FFF2-40B4-BE49-F238E27FC236}">
               <a16:creationId xmlns:a16="http://schemas.microsoft.com/office/drawing/2014/main" id="{0D39D94D-278C-2022-1AA5-D29D2783752F}"/>
             </a:ext>
           </a:extLst>
@@ -28273,7 +30956,7 @@
                 <a16:creationId xmlns:a16="http://schemas.microsoft.com/office/drawing/2014/main" id="{B28C7EA0-5C4F-AEAF-2CDC-B105DF4D9F1B}"/>
               </a:ext>
               <a:ext uri="{C183D7F6-B498-43B3-948B-1728B52AA6E4}">
-                <adec:decorative xmlns="" xmlns:adec="http://schemas.microsoft.com/office/drawing/2017/decorative" val="1"/>
+                <adec:decorative xmlns:adec="http://schemas.microsoft.com/office/drawing/2017/decorative" xmlns="" val="1"/>
               </a:ext>
             </a:extLst>
           </p:cNvPr>
@@ -28631,1204 +31314,6 @@
     <p:extLst>
       <p:ext uri="{BB962C8B-B14F-4D97-AF65-F5344CB8AC3E}">
         <p14:creationId xmlns:p14="http://schemas.microsoft.com/office/powerpoint/2010/main" val="3013182020"/>
-      </p:ext>
-    </p:extLst>
-  </p:cSld>
-  <p:clrMapOvr>
-    <a:masterClrMapping/>
-  </p:clrMapOvr>
-  <p:timing>
-    <p:tnLst>
-      <p:par>
-        <p:cTn id="1" dur="indefinite" restart="never" nodeType="tmRoot"/>
-      </p:par>
-    </p:tnLst>
-  </p:timing>
-</p:sld>
-</file>
-
-<file path=ppt/slides/slide8.xml><?xml version="1.0" encoding="utf-8"?>
-<p:sld xmlns:a="http://schemas.openxmlformats.org/drawingml/2006/main" xmlns:r="http://schemas.openxmlformats.org/officeDocument/2006/relationships" xmlns:p="http://schemas.openxmlformats.org/presentationml/2006/main">
-  <p:cSld>
-    <p:spTree>
-      <p:nvGrpSpPr>
-        <p:cNvPr id="1" name="">
-          <a:extLst>
-            <a:ext uri="{FF2B5EF4-FFF2-40B4-BE49-F238E27FC236}">
-              <a16:creationId xmlns:a16="http://schemas.microsoft.com/office/drawing/2014/main" id="{A1CA9DEB-1659-1720-6331-90A181A99134}"/>
-            </a:ext>
-          </a:extLst>
-        </p:cNvPr>
-        <p:cNvGrpSpPr/>
-        <p:nvPr/>
-      </p:nvGrpSpPr>
-      <p:grpSpPr>
-        <a:xfrm>
-          <a:off x="0" y="0"/>
-          <a:ext cx="0" cy="0"/>
-          <a:chOff x="0" y="0"/>
-          <a:chExt cx="0" cy="0"/>
-        </a:xfrm>
-      </p:grpSpPr>
-      <p:grpSp>
-        <p:nvGrpSpPr>
-          <p:cNvPr id="19" name="Group 18">
-            <a:extLst>
-              <a:ext uri="{FF2B5EF4-FFF2-40B4-BE49-F238E27FC236}">
-                <a16:creationId xmlns:a16="http://schemas.microsoft.com/office/drawing/2014/main" id="{60E31E3B-F309-CAB4-A260-3DC8009D8D1F}"/>
-              </a:ext>
-              <a:ext uri="{C183D7F6-B498-43B3-948B-1728B52AA6E4}">
-                <adec:decorative xmlns="" xmlns:adec="http://schemas.microsoft.com/office/drawing/2017/decorative" val="1"/>
-              </a:ext>
-            </a:extLst>
-          </p:cNvPr>
-          <p:cNvGrpSpPr>
-            <a:grpSpLocks/>
-          </p:cNvGrpSpPr>
-          <p:nvPr/>
-        </p:nvGrpSpPr>
-        <p:grpSpPr bwMode="auto">
-          <a:xfrm rot="16200000" flipV="1">
-            <a:off x="0" y="3900132"/>
-            <a:ext cx="2959226" cy="2959226"/>
-            <a:chOff x="0" y="12289"/>
-            <a:chExt cx="3550" cy="3551"/>
-          </a:xfrm>
-        </p:grpSpPr>
-        <p:sp>
-          <p:nvSpPr>
-            <p:cNvPr id="20" name="Freeform 19">
-              <a:extLst>
-                <a:ext uri="{FF2B5EF4-FFF2-40B4-BE49-F238E27FC236}">
-                  <a16:creationId xmlns:a16="http://schemas.microsoft.com/office/drawing/2014/main" id="{5B142E7E-60DA-5D74-6895-694B531BF2AF}"/>
-                </a:ext>
-              </a:extLst>
-            </p:cNvPr>
-            <p:cNvSpPr>
-              <a:spLocks/>
-            </p:cNvSpPr>
-            <p:nvPr/>
-          </p:nvSpPr>
-          <p:spPr bwMode="auto">
-            <a:xfrm>
-              <a:off x="0" y="12289"/>
-              <a:ext cx="1789" cy="2386"/>
-            </a:xfrm>
-            <a:custGeom>
-              <a:avLst/>
-              <a:gdLst>
-                <a:gd name="T0" fmla="*/ 0 w 1789"/>
-                <a:gd name="T1" fmla="+- 0 12290 12290"/>
-                <a:gd name="T2" fmla="*/ 12290 h 2386"/>
-                <a:gd name="T3" fmla="*/ 0 w 1789"/>
-                <a:gd name="T4" fmla="+- 0 13484 12290"/>
-                <a:gd name="T5" fmla="*/ 13484 h 2386"/>
-                <a:gd name="T6" fmla="*/ 1192 w 1789"/>
-                <a:gd name="T7" fmla="+- 0 14676 12290"/>
-                <a:gd name="T8" fmla="*/ 14676 h 2386"/>
-                <a:gd name="T9" fmla="*/ 1789 w 1789"/>
-                <a:gd name="T10" fmla="+- 0 14079 12290"/>
-                <a:gd name="T11" fmla="*/ 14079 h 2386"/>
-                <a:gd name="T12" fmla="*/ 0 w 1789"/>
-                <a:gd name="T13" fmla="+- 0 12290 12290"/>
-                <a:gd name="T14" fmla="*/ 12290 h 2386"/>
-              </a:gdLst>
-              <a:ahLst/>
-              <a:cxnLst>
-                <a:cxn ang="0">
-                  <a:pos x="T0" y="T2"/>
-                </a:cxn>
-                <a:cxn ang="0">
-                  <a:pos x="T3" y="T5"/>
-                </a:cxn>
-                <a:cxn ang="0">
-                  <a:pos x="T6" y="T8"/>
-                </a:cxn>
-                <a:cxn ang="0">
-                  <a:pos x="T9" y="T11"/>
-                </a:cxn>
-                <a:cxn ang="0">
-                  <a:pos x="T12" y="T14"/>
-                </a:cxn>
-              </a:cxnLst>
-              <a:rect l="0" t="0" r="r" b="b"/>
-              <a:pathLst>
-                <a:path w="1789" h="2386">
-                  <a:moveTo>
-                    <a:pt x="0" y="0"/>
-                  </a:moveTo>
-                  <a:lnTo>
-                    <a:pt x="0" y="1194"/>
-                  </a:lnTo>
-                  <a:lnTo>
-                    <a:pt x="1192" y="2386"/>
-                  </a:lnTo>
-                  <a:lnTo>
-                    <a:pt x="1789" y="1789"/>
-                  </a:lnTo>
-                  <a:lnTo>
-                    <a:pt x="0" y="0"/>
-                  </a:lnTo>
-                  <a:close/>
-                </a:path>
-              </a:pathLst>
-            </a:custGeom>
-            <a:solidFill>
-              <a:schemeClr val="accent6"/>
-            </a:solidFill>
-            <a:ln>
-              <a:noFill/>
-            </a:ln>
-            <a:extLst>
-              <a:ext uri="{91240B29-F687-4F45-9708-019B960494DF}">
-                <a14:hiddenLine xmlns:a14="http://schemas.microsoft.com/office/drawing/2010/main" w="9525">
-                  <a:solidFill>
-                    <a:srgbClr val="000000"/>
-                  </a:solidFill>
-                  <a:round/>
-                  <a:headEnd/>
-                  <a:tailEnd/>
-                </a14:hiddenLine>
-              </a:ext>
-            </a:extLst>
-          </p:spPr>
-          <p:txBody>
-            <a:bodyPr rot="0" vert="horz" wrap="square" lIns="91440" tIns="45720" rIns="91440" bIns="45720" anchor="t" anchorCtr="0" upright="1">
-              <a:noAutofit/>
-            </a:bodyPr>
-            <a:lstStyle/>
-            <a:p>
-              <a:endParaRPr lang="en-US" dirty="0"/>
-            </a:p>
-          </p:txBody>
-        </p:sp>
-        <p:sp>
-          <p:nvSpPr>
-            <p:cNvPr id="21" name="Freeform 20">
-              <a:extLst>
-                <a:ext uri="{FF2B5EF4-FFF2-40B4-BE49-F238E27FC236}">
-                  <a16:creationId xmlns:a16="http://schemas.microsoft.com/office/drawing/2014/main" id="{DBD51F7C-CF3F-FF6F-2B71-A709970EB8BB}"/>
-                </a:ext>
-              </a:extLst>
-            </p:cNvPr>
-            <p:cNvSpPr>
-              <a:spLocks/>
-            </p:cNvSpPr>
-            <p:nvPr/>
-          </p:nvSpPr>
-          <p:spPr bwMode="auto">
-            <a:xfrm>
-              <a:off x="0" y="14678"/>
-              <a:ext cx="1162" cy="1162"/>
-            </a:xfrm>
-            <a:custGeom>
-              <a:avLst/>
-              <a:gdLst>
-                <a:gd name="T0" fmla="*/ 0 w 1162"/>
-                <a:gd name="T1" fmla="+- 0 14679 14679"/>
-                <a:gd name="T2" fmla="*/ 14679 h 1162"/>
-                <a:gd name="T3" fmla="*/ 0 w 1162"/>
-                <a:gd name="T4" fmla="+- 0 15840 14679"/>
-                <a:gd name="T5" fmla="*/ 15840 h 1162"/>
-                <a:gd name="T6" fmla="*/ 1161 w 1162"/>
-                <a:gd name="T7" fmla="+- 0 15840 14679"/>
-                <a:gd name="T8" fmla="*/ 15840 h 1162"/>
-                <a:gd name="T9" fmla="*/ 0 w 1162"/>
-                <a:gd name="T10" fmla="+- 0 14679 14679"/>
-                <a:gd name="T11" fmla="*/ 14679 h 1162"/>
-              </a:gdLst>
-              <a:ahLst/>
-              <a:cxnLst>
-                <a:cxn ang="0">
-                  <a:pos x="T0" y="T2"/>
-                </a:cxn>
-                <a:cxn ang="0">
-                  <a:pos x="T3" y="T5"/>
-                </a:cxn>
-                <a:cxn ang="0">
-                  <a:pos x="T6" y="T8"/>
-                </a:cxn>
-                <a:cxn ang="0">
-                  <a:pos x="T9" y="T11"/>
-                </a:cxn>
-              </a:cxnLst>
-              <a:rect l="0" t="0" r="r" b="b"/>
-              <a:pathLst>
-                <a:path w="1162" h="1162">
-                  <a:moveTo>
-                    <a:pt x="0" y="0"/>
-                  </a:moveTo>
-                  <a:lnTo>
-                    <a:pt x="0" y="1161"/>
-                  </a:lnTo>
-                  <a:lnTo>
-                    <a:pt x="1161" y="1161"/>
-                  </a:lnTo>
-                  <a:lnTo>
-                    <a:pt x="0" y="0"/>
-                  </a:lnTo>
-                  <a:close/>
-                </a:path>
-              </a:pathLst>
-            </a:custGeom>
-            <a:solidFill>
-              <a:schemeClr val="tx2"/>
-            </a:solidFill>
-            <a:ln>
-              <a:noFill/>
-            </a:ln>
-            <a:extLst>
-              <a:ext uri="{91240B29-F687-4F45-9708-019B960494DF}">
-                <a14:hiddenLine xmlns:a14="http://schemas.microsoft.com/office/drawing/2010/main" w="9525">
-                  <a:solidFill>
-                    <a:srgbClr val="000000"/>
-                  </a:solidFill>
-                  <a:round/>
-                  <a:headEnd/>
-                  <a:tailEnd/>
-                </a14:hiddenLine>
-              </a:ext>
-            </a:extLst>
-          </p:spPr>
-          <p:txBody>
-            <a:bodyPr rot="0" vert="horz" wrap="square" lIns="91440" tIns="45720" rIns="91440" bIns="45720" anchor="t" anchorCtr="0" upright="1">
-              <a:noAutofit/>
-            </a:bodyPr>
-            <a:lstStyle/>
-            <a:p>
-              <a:endParaRPr lang="en-US" dirty="0"/>
-            </a:p>
-          </p:txBody>
-        </p:sp>
-        <p:sp>
-          <p:nvSpPr>
-            <p:cNvPr id="22" name="Freeform 21">
-              <a:extLst>
-                <a:ext uri="{FF2B5EF4-FFF2-40B4-BE49-F238E27FC236}">
-                  <a16:creationId xmlns:a16="http://schemas.microsoft.com/office/drawing/2014/main" id="{2A6D4575-C877-AB24-D303-E0DA6B915DB2}"/>
-                </a:ext>
-              </a:extLst>
-            </p:cNvPr>
-            <p:cNvSpPr>
-              <a:spLocks/>
-            </p:cNvSpPr>
-            <p:nvPr/>
-          </p:nvSpPr>
-          <p:spPr bwMode="auto">
-            <a:xfrm>
-              <a:off x="1221" y="14675"/>
-              <a:ext cx="2329" cy="1165"/>
-            </a:xfrm>
-            <a:custGeom>
-              <a:avLst/>
-              <a:gdLst>
-                <a:gd name="T0" fmla="+- 0 3550 1221"/>
-                <a:gd name="T1" fmla="*/ T0 w 2329"/>
-                <a:gd name="T2" fmla="+- 0 15840 14676"/>
-                <a:gd name="T3" fmla="*/ 15840 h 1165"/>
-                <a:gd name="T4" fmla="+- 0 2386 1221"/>
-                <a:gd name="T5" fmla="*/ T4 w 2329"/>
-                <a:gd name="T6" fmla="+- 0 14676 14676"/>
-                <a:gd name="T7" fmla="*/ 14676 h 1165"/>
-                <a:gd name="T8" fmla="+- 0 1221 1221"/>
-                <a:gd name="T9" fmla="*/ T8 w 2329"/>
-                <a:gd name="T10" fmla="+- 0 15840 14676"/>
-                <a:gd name="T11" fmla="*/ 15840 h 1165"/>
-                <a:gd name="T12" fmla="+- 0 3550 1221"/>
-                <a:gd name="T13" fmla="*/ T12 w 2329"/>
-                <a:gd name="T14" fmla="+- 0 15840 14676"/>
-                <a:gd name="T15" fmla="*/ 15840 h 1165"/>
-              </a:gdLst>
-              <a:ahLst/>
-              <a:cxnLst>
-                <a:cxn ang="0">
-                  <a:pos x="T1" y="T3"/>
-                </a:cxn>
-                <a:cxn ang="0">
-                  <a:pos x="T5" y="T7"/>
-                </a:cxn>
-                <a:cxn ang="0">
-                  <a:pos x="T9" y="T11"/>
-                </a:cxn>
-                <a:cxn ang="0">
-                  <a:pos x="T13" y="T15"/>
-                </a:cxn>
-              </a:cxnLst>
-              <a:rect l="0" t="0" r="r" b="b"/>
-              <a:pathLst>
-                <a:path w="2329" h="1165">
-                  <a:moveTo>
-                    <a:pt x="2329" y="1164"/>
-                  </a:moveTo>
-                  <a:lnTo>
-                    <a:pt x="1165" y="0"/>
-                  </a:lnTo>
-                  <a:lnTo>
-                    <a:pt x="0" y="1164"/>
-                  </a:lnTo>
-                  <a:lnTo>
-                    <a:pt x="2329" y="1164"/>
-                  </a:lnTo>
-                </a:path>
-              </a:pathLst>
-            </a:custGeom>
-            <a:solidFill>
-              <a:schemeClr val="accent3"/>
-            </a:solidFill>
-            <a:ln>
-              <a:noFill/>
-            </a:ln>
-            <a:extLst>
-              <a:ext uri="{91240B29-F687-4F45-9708-019B960494DF}">
-                <a14:hiddenLine xmlns:a14="http://schemas.microsoft.com/office/drawing/2010/main" w="9525">
-                  <a:solidFill>
-                    <a:srgbClr val="000000"/>
-                  </a:solidFill>
-                  <a:round/>
-                  <a:headEnd/>
-                  <a:tailEnd/>
-                </a14:hiddenLine>
-              </a:ext>
-            </a:extLst>
-          </p:spPr>
-          <p:txBody>
-            <a:bodyPr rot="0" vert="horz" wrap="square" lIns="91440" tIns="45720" rIns="91440" bIns="45720" anchor="t" anchorCtr="0" upright="1">
-              <a:noAutofit/>
-            </a:bodyPr>
-            <a:lstStyle/>
-            <a:p>
-              <a:endParaRPr lang="en-US" dirty="0"/>
-            </a:p>
-          </p:txBody>
-        </p:sp>
-      </p:grpSp>
-      <p:sp>
-        <p:nvSpPr>
-          <p:cNvPr id="3" name="Title 2">
-            <a:extLst>
-              <a:ext uri="{FF2B5EF4-FFF2-40B4-BE49-F238E27FC236}">
-                <a16:creationId xmlns:a16="http://schemas.microsoft.com/office/drawing/2014/main" id="{0B47985B-C67E-0EBE-39A8-190432713717}"/>
-              </a:ext>
-            </a:extLst>
-          </p:cNvPr>
-          <p:cNvSpPr>
-            <a:spLocks noGrp="1"/>
-          </p:cNvSpPr>
-          <p:nvPr>
-            <p:ph type="title"/>
-          </p:nvPr>
-        </p:nvSpPr>
-        <p:spPr>
-          <a:xfrm>
-            <a:off x="594360" y="102875"/>
-            <a:ext cx="10873740" cy="1680205"/>
-          </a:xfrm>
-        </p:spPr>
-        <p:txBody>
-          <a:bodyPr/>
-          <a:lstStyle/>
-          <a:p>
-            <a:r>
-              <a:rPr lang="en-US" dirty="0">
-                <a:solidFill>
-                  <a:srgbClr val="002060"/>
-                </a:solidFill>
-              </a:rPr>
-              <a:t>Data Understanding</a:t>
-            </a:r>
-          </a:p>
-        </p:txBody>
-      </p:sp>
-      <p:sp>
-        <p:nvSpPr>
-          <p:cNvPr id="7" name="Text Placeholder 6">
-            <a:extLst>
-              <a:ext uri="{FF2B5EF4-FFF2-40B4-BE49-F238E27FC236}">
-                <a16:creationId xmlns:a16="http://schemas.microsoft.com/office/drawing/2014/main" id="{ACF687D9-FAA5-114A-5A40-B2DF6D29A276}"/>
-              </a:ext>
-            </a:extLst>
-          </p:cNvPr>
-          <p:cNvSpPr>
-            <a:spLocks noGrp="1"/>
-          </p:cNvSpPr>
-          <p:nvPr>
-            <p:ph sz="quarter" idx="13"/>
-          </p:nvPr>
-        </p:nvSpPr>
-        <p:spPr>
-          <a:xfrm>
-            <a:off x="1001487" y="2422752"/>
-            <a:ext cx="8452757" cy="3624261"/>
-          </a:xfrm>
-        </p:spPr>
-        <p:txBody>
-          <a:bodyPr vert="horz" lIns="0" tIns="228600" rIns="0" bIns="0" rtlCol="0" anchor="t">
-            <a:normAutofit/>
-          </a:bodyPr>
-          <a:lstStyle/>
-          <a:p>
-            <a:pPr marL="0" indent="0">
-              <a:buNone/>
-            </a:pPr>
-            <a:r>
-              <a:rPr lang="en-US" b="1" dirty="0">
-                <a:ea typeface="+mn-lt"/>
-                <a:cs typeface="+mn-lt"/>
-              </a:rPr>
-              <a:t>The data contains :</a:t>
-            </a:r>
-          </a:p>
-          <a:p>
-            <a:pPr marL="283210" indent="-283210">
-              <a:buFont typeface="Arial"/>
-              <a:buChar char="•"/>
-            </a:pPr>
-            <a:r>
-              <a:rPr lang="en-US" b="1" dirty="0">
-                <a:ea typeface="+mn-lt"/>
-                <a:cs typeface="+mn-lt"/>
-              </a:rPr>
-              <a:t>Tweet ID</a:t>
-            </a:r>
-            <a:r>
-              <a:rPr lang="en-US" dirty="0">
-                <a:ea typeface="+mn-lt"/>
-                <a:cs typeface="+mn-lt"/>
-              </a:rPr>
-              <a:t>: Unique tweet identifier for traceability.</a:t>
-            </a:r>
-            <a:endParaRPr lang="en-US" dirty="0"/>
-          </a:p>
-          <a:p>
-            <a:pPr marL="283210" indent="-283210">
-              <a:buFont typeface="Arial"/>
-              <a:buChar char="•"/>
-            </a:pPr>
-            <a:r>
-              <a:rPr lang="en-US" b="1" dirty="0">
-                <a:ea typeface="+mn-lt"/>
-                <a:cs typeface="+mn-lt"/>
-              </a:rPr>
-              <a:t>Likes</a:t>
-            </a:r>
-            <a:r>
-              <a:rPr lang="en-US" dirty="0">
-                <a:ea typeface="+mn-lt"/>
-                <a:cs typeface="+mn-lt"/>
-              </a:rPr>
-              <a:t>: Number of likes — measures tweet popularity.</a:t>
-            </a:r>
-            <a:endParaRPr lang="en-US" dirty="0"/>
-          </a:p>
-          <a:p>
-            <a:pPr marL="283210" indent="-283210">
-              <a:buFont typeface="Arial"/>
-              <a:buChar char="•"/>
-            </a:pPr>
-            <a:r>
-              <a:rPr lang="en-US" b="1" dirty="0">
-                <a:ea typeface="+mn-lt"/>
-                <a:cs typeface="+mn-lt"/>
-              </a:rPr>
-              <a:t>Retweets</a:t>
-            </a:r>
-            <a:r>
-              <a:rPr lang="en-US" dirty="0">
-                <a:ea typeface="+mn-lt"/>
-                <a:cs typeface="+mn-lt"/>
-              </a:rPr>
-              <a:t>: Number of retweets — indicates content spread.</a:t>
-            </a:r>
-            <a:endParaRPr lang="en-US" dirty="0"/>
-          </a:p>
-          <a:p>
-            <a:pPr marL="283210" indent="-283210">
-              <a:buFont typeface="Arial"/>
-              <a:buChar char="•"/>
-            </a:pPr>
-            <a:r>
-              <a:rPr lang="en-US" b="1" dirty="0">
-                <a:ea typeface="+mn-lt"/>
-                <a:cs typeface="+mn-lt"/>
-              </a:rPr>
-              <a:t>Total Replies</a:t>
-            </a:r>
-            <a:r>
-              <a:rPr lang="en-US" dirty="0">
-                <a:ea typeface="+mn-lt"/>
-                <a:cs typeface="+mn-lt"/>
-              </a:rPr>
-              <a:t>: Direct user responses — reflects engagement/controversy.</a:t>
-            </a:r>
-            <a:endParaRPr lang="en-US" dirty="0"/>
-          </a:p>
-          <a:p>
-            <a:pPr marL="283210" indent="-283210">
-              <a:buFont typeface="Arial"/>
-              <a:buChar char="•"/>
-            </a:pPr>
-            <a:r>
-              <a:rPr lang="en-US" b="1" dirty="0">
-                <a:ea typeface="+mn-lt"/>
-                <a:cs typeface="+mn-lt"/>
-              </a:rPr>
-              <a:t>Texts</a:t>
-            </a:r>
-            <a:r>
-              <a:rPr lang="en-US" dirty="0">
-                <a:ea typeface="+mn-lt"/>
-                <a:cs typeface="+mn-lt"/>
-              </a:rPr>
-              <a:t>: Full tweet text — primary input for NLP tasks.</a:t>
-            </a:r>
-            <a:endParaRPr lang="en-US" dirty="0"/>
-          </a:p>
-          <a:p>
-            <a:pPr marL="283210" indent="-283210">
-              <a:buFont typeface="Arial"/>
-              <a:buChar char="•"/>
-            </a:pPr>
-            <a:r>
-              <a:rPr lang="en-US" b="1" dirty="0">
-                <a:ea typeface="+mn-lt"/>
-                <a:cs typeface="+mn-lt"/>
-              </a:rPr>
-              <a:t>Created At</a:t>
-            </a:r>
-            <a:r>
-              <a:rPr lang="en-US" dirty="0">
-                <a:ea typeface="+mn-lt"/>
-                <a:cs typeface="+mn-lt"/>
-              </a:rPr>
-              <a:t>: Timestamp — enables temporal analysis.</a:t>
-            </a:r>
-            <a:endParaRPr lang="en-US" dirty="0"/>
-          </a:p>
-          <a:p>
-            <a:pPr marL="0" indent="0">
-              <a:buNone/>
-            </a:pPr>
-            <a:endParaRPr lang="en-US" dirty="0"/>
-          </a:p>
-          <a:p>
-            <a:pPr marL="283210" indent="-283210"/>
-            <a:endParaRPr lang="en-US" dirty="0"/>
-          </a:p>
-          <a:p>
-            <a:pPr marL="283210" indent="-283210"/>
-            <a:endParaRPr lang="en-US" dirty="0"/>
-          </a:p>
-        </p:txBody>
-      </p:sp>
-      <p:pic>
-        <p:nvPicPr>
-          <p:cNvPr id="4" name="Picture 3" descr="A blue square with a white bird logo&#10;&#10;AI-generated content may be incorrect.">
-            <a:extLst>
-              <a:ext uri="{FF2B5EF4-FFF2-40B4-BE49-F238E27FC236}">
-                <a16:creationId xmlns:a16="http://schemas.microsoft.com/office/drawing/2014/main" id="{B0A3373C-5403-C70E-6EDD-F9BE42FA591C}"/>
-              </a:ext>
-            </a:extLst>
-          </p:cNvPr>
-          <p:cNvPicPr>
-            <a:picLocks noChangeAspect="1"/>
-          </p:cNvPicPr>
-          <p:nvPr/>
-        </p:nvPicPr>
-        <p:blipFill>
-          <a:blip r:embed="rId3"/>
-          <a:stretch>
-            <a:fillRect/>
-          </a:stretch>
-        </p:blipFill>
-        <p:spPr>
-          <a:xfrm>
-            <a:off x="9034010" y="4225699"/>
-            <a:ext cx="3155496" cy="2369003"/>
-          </a:xfrm>
-          <a:prstGeom prst="rect">
-            <a:avLst/>
-          </a:prstGeom>
-        </p:spPr>
-      </p:pic>
-    </p:spTree>
-    <p:extLst>
-      <p:ext uri="{BB962C8B-B14F-4D97-AF65-F5344CB8AC3E}">
-        <p14:creationId xmlns:p14="http://schemas.microsoft.com/office/powerpoint/2010/main" val="3968324975"/>
-      </p:ext>
-    </p:extLst>
-  </p:cSld>
-  <p:clrMapOvr>
-    <a:masterClrMapping/>
-  </p:clrMapOvr>
-  <p:timing>
-    <p:tnLst>
-      <p:par>
-        <p:cTn id="1" dur="indefinite" restart="never" nodeType="tmRoot"/>
-      </p:par>
-    </p:tnLst>
-  </p:timing>
-</p:sld>
-</file>
-
-<file path=ppt/slides/slide9.xml><?xml version="1.0" encoding="utf-8"?>
-<p:sld xmlns:a="http://schemas.openxmlformats.org/drawingml/2006/main" xmlns:r="http://schemas.openxmlformats.org/officeDocument/2006/relationships" xmlns:p="http://schemas.openxmlformats.org/presentationml/2006/main">
-  <p:cSld>
-    <p:spTree>
-      <p:nvGrpSpPr>
-        <p:cNvPr id="1" name="">
-          <a:extLst>
-            <a:ext uri="{FF2B5EF4-FFF2-40B4-BE49-F238E27FC236}">
-              <a16:creationId xmlns:a16="http://schemas.microsoft.com/office/drawing/2014/main" id="{847D763C-E7AB-9F20-A672-2DE83D823D22}"/>
-            </a:ext>
-          </a:extLst>
-        </p:cNvPr>
-        <p:cNvGrpSpPr/>
-        <p:nvPr/>
-      </p:nvGrpSpPr>
-      <p:grpSpPr>
-        <a:xfrm>
-          <a:off x="0" y="0"/>
-          <a:ext cx="0" cy="0"/>
-          <a:chOff x="0" y="0"/>
-          <a:chExt cx="0" cy="0"/>
-        </a:xfrm>
-      </p:grpSpPr>
-      <p:grpSp>
-        <p:nvGrpSpPr>
-          <p:cNvPr id="19" name="Group 18">
-            <a:extLst>
-              <a:ext uri="{FF2B5EF4-FFF2-40B4-BE49-F238E27FC236}">
-                <a16:creationId xmlns:a16="http://schemas.microsoft.com/office/drawing/2014/main" id="{206733B7-37B0-C9E5-F87F-9265485614CF}"/>
-              </a:ext>
-              <a:ext uri="{C183D7F6-B498-43B3-948B-1728B52AA6E4}">
-                <adec:decorative xmlns="" xmlns:adec="http://schemas.microsoft.com/office/drawing/2017/decorative" val="1"/>
-              </a:ext>
-            </a:extLst>
-          </p:cNvPr>
-          <p:cNvGrpSpPr>
-            <a:grpSpLocks/>
-          </p:cNvGrpSpPr>
-          <p:nvPr/>
-        </p:nvGrpSpPr>
-        <p:grpSpPr bwMode="auto">
-          <a:xfrm rot="16200000" flipV="1">
-            <a:off x="0" y="3900132"/>
-            <a:ext cx="2959226" cy="2959226"/>
-            <a:chOff x="0" y="12289"/>
-            <a:chExt cx="3550" cy="3551"/>
-          </a:xfrm>
-        </p:grpSpPr>
-        <p:sp>
-          <p:nvSpPr>
-            <p:cNvPr id="20" name="Freeform 19">
-              <a:extLst>
-                <a:ext uri="{FF2B5EF4-FFF2-40B4-BE49-F238E27FC236}">
-                  <a16:creationId xmlns:a16="http://schemas.microsoft.com/office/drawing/2014/main" id="{B70F7061-45AA-88B6-E0FE-B75D760B2945}"/>
-                </a:ext>
-              </a:extLst>
-            </p:cNvPr>
-            <p:cNvSpPr>
-              <a:spLocks/>
-            </p:cNvSpPr>
-            <p:nvPr/>
-          </p:nvSpPr>
-          <p:spPr bwMode="auto">
-            <a:xfrm>
-              <a:off x="0" y="12289"/>
-              <a:ext cx="1789" cy="2386"/>
-            </a:xfrm>
-            <a:custGeom>
-              <a:avLst/>
-              <a:gdLst>
-                <a:gd name="T0" fmla="*/ 0 w 1789"/>
-                <a:gd name="T1" fmla="+- 0 12290 12290"/>
-                <a:gd name="T2" fmla="*/ 12290 h 2386"/>
-                <a:gd name="T3" fmla="*/ 0 w 1789"/>
-                <a:gd name="T4" fmla="+- 0 13484 12290"/>
-                <a:gd name="T5" fmla="*/ 13484 h 2386"/>
-                <a:gd name="T6" fmla="*/ 1192 w 1789"/>
-                <a:gd name="T7" fmla="+- 0 14676 12290"/>
-                <a:gd name="T8" fmla="*/ 14676 h 2386"/>
-                <a:gd name="T9" fmla="*/ 1789 w 1789"/>
-                <a:gd name="T10" fmla="+- 0 14079 12290"/>
-                <a:gd name="T11" fmla="*/ 14079 h 2386"/>
-                <a:gd name="T12" fmla="*/ 0 w 1789"/>
-                <a:gd name="T13" fmla="+- 0 12290 12290"/>
-                <a:gd name="T14" fmla="*/ 12290 h 2386"/>
-              </a:gdLst>
-              <a:ahLst/>
-              <a:cxnLst>
-                <a:cxn ang="0">
-                  <a:pos x="T0" y="T2"/>
-                </a:cxn>
-                <a:cxn ang="0">
-                  <a:pos x="T3" y="T5"/>
-                </a:cxn>
-                <a:cxn ang="0">
-                  <a:pos x="T6" y="T8"/>
-                </a:cxn>
-                <a:cxn ang="0">
-                  <a:pos x="T9" y="T11"/>
-                </a:cxn>
-                <a:cxn ang="0">
-                  <a:pos x="T12" y="T14"/>
-                </a:cxn>
-              </a:cxnLst>
-              <a:rect l="0" t="0" r="r" b="b"/>
-              <a:pathLst>
-                <a:path w="1789" h="2386">
-                  <a:moveTo>
-                    <a:pt x="0" y="0"/>
-                  </a:moveTo>
-                  <a:lnTo>
-                    <a:pt x="0" y="1194"/>
-                  </a:lnTo>
-                  <a:lnTo>
-                    <a:pt x="1192" y="2386"/>
-                  </a:lnTo>
-                  <a:lnTo>
-                    <a:pt x="1789" y="1789"/>
-                  </a:lnTo>
-                  <a:lnTo>
-                    <a:pt x="0" y="0"/>
-                  </a:lnTo>
-                  <a:close/>
-                </a:path>
-              </a:pathLst>
-            </a:custGeom>
-            <a:solidFill>
-              <a:schemeClr val="accent6"/>
-            </a:solidFill>
-            <a:ln>
-              <a:noFill/>
-            </a:ln>
-            <a:extLst>
-              <a:ext uri="{91240B29-F687-4F45-9708-019B960494DF}">
-                <a14:hiddenLine xmlns:a14="http://schemas.microsoft.com/office/drawing/2010/main" w="9525">
-                  <a:solidFill>
-                    <a:srgbClr val="000000"/>
-                  </a:solidFill>
-                  <a:round/>
-                  <a:headEnd/>
-                  <a:tailEnd/>
-                </a14:hiddenLine>
-              </a:ext>
-            </a:extLst>
-          </p:spPr>
-          <p:txBody>
-            <a:bodyPr rot="0" vert="horz" wrap="square" lIns="91440" tIns="45720" rIns="91440" bIns="45720" anchor="t" anchorCtr="0" upright="1">
-              <a:noAutofit/>
-            </a:bodyPr>
-            <a:lstStyle/>
-            <a:p>
-              <a:endParaRPr lang="en-US" dirty="0"/>
-            </a:p>
-          </p:txBody>
-        </p:sp>
-        <p:sp>
-          <p:nvSpPr>
-            <p:cNvPr id="21" name="Freeform 20">
-              <a:extLst>
-                <a:ext uri="{FF2B5EF4-FFF2-40B4-BE49-F238E27FC236}">
-                  <a16:creationId xmlns:a16="http://schemas.microsoft.com/office/drawing/2014/main" id="{4086AA96-8B04-2CAA-2C0E-4E834BD02308}"/>
-                </a:ext>
-              </a:extLst>
-            </p:cNvPr>
-            <p:cNvSpPr>
-              <a:spLocks/>
-            </p:cNvSpPr>
-            <p:nvPr/>
-          </p:nvSpPr>
-          <p:spPr bwMode="auto">
-            <a:xfrm>
-              <a:off x="0" y="14678"/>
-              <a:ext cx="1162" cy="1162"/>
-            </a:xfrm>
-            <a:custGeom>
-              <a:avLst/>
-              <a:gdLst>
-                <a:gd name="T0" fmla="*/ 0 w 1162"/>
-                <a:gd name="T1" fmla="+- 0 14679 14679"/>
-                <a:gd name="T2" fmla="*/ 14679 h 1162"/>
-                <a:gd name="T3" fmla="*/ 0 w 1162"/>
-                <a:gd name="T4" fmla="+- 0 15840 14679"/>
-                <a:gd name="T5" fmla="*/ 15840 h 1162"/>
-                <a:gd name="T6" fmla="*/ 1161 w 1162"/>
-                <a:gd name="T7" fmla="+- 0 15840 14679"/>
-                <a:gd name="T8" fmla="*/ 15840 h 1162"/>
-                <a:gd name="T9" fmla="*/ 0 w 1162"/>
-                <a:gd name="T10" fmla="+- 0 14679 14679"/>
-                <a:gd name="T11" fmla="*/ 14679 h 1162"/>
-              </a:gdLst>
-              <a:ahLst/>
-              <a:cxnLst>
-                <a:cxn ang="0">
-                  <a:pos x="T0" y="T2"/>
-                </a:cxn>
-                <a:cxn ang="0">
-                  <a:pos x="T3" y="T5"/>
-                </a:cxn>
-                <a:cxn ang="0">
-                  <a:pos x="T6" y="T8"/>
-                </a:cxn>
-                <a:cxn ang="0">
-                  <a:pos x="T9" y="T11"/>
-                </a:cxn>
-              </a:cxnLst>
-              <a:rect l="0" t="0" r="r" b="b"/>
-              <a:pathLst>
-                <a:path w="1162" h="1162">
-                  <a:moveTo>
-                    <a:pt x="0" y="0"/>
-                  </a:moveTo>
-                  <a:lnTo>
-                    <a:pt x="0" y="1161"/>
-                  </a:lnTo>
-                  <a:lnTo>
-                    <a:pt x="1161" y="1161"/>
-                  </a:lnTo>
-                  <a:lnTo>
-                    <a:pt x="0" y="0"/>
-                  </a:lnTo>
-                  <a:close/>
-                </a:path>
-              </a:pathLst>
-            </a:custGeom>
-            <a:solidFill>
-              <a:schemeClr val="tx2"/>
-            </a:solidFill>
-            <a:ln>
-              <a:noFill/>
-            </a:ln>
-            <a:extLst>
-              <a:ext uri="{91240B29-F687-4F45-9708-019B960494DF}">
-                <a14:hiddenLine xmlns:a14="http://schemas.microsoft.com/office/drawing/2010/main" w="9525">
-                  <a:solidFill>
-                    <a:srgbClr val="000000"/>
-                  </a:solidFill>
-                  <a:round/>
-                  <a:headEnd/>
-                  <a:tailEnd/>
-                </a14:hiddenLine>
-              </a:ext>
-            </a:extLst>
-          </p:spPr>
-          <p:txBody>
-            <a:bodyPr rot="0" vert="horz" wrap="square" lIns="91440" tIns="45720" rIns="91440" bIns="45720" anchor="t" anchorCtr="0" upright="1">
-              <a:noAutofit/>
-            </a:bodyPr>
-            <a:lstStyle/>
-            <a:p>
-              <a:endParaRPr lang="en-US" dirty="0"/>
-            </a:p>
-          </p:txBody>
-        </p:sp>
-        <p:sp>
-          <p:nvSpPr>
-            <p:cNvPr id="22" name="Freeform 21">
-              <a:extLst>
-                <a:ext uri="{FF2B5EF4-FFF2-40B4-BE49-F238E27FC236}">
-                  <a16:creationId xmlns:a16="http://schemas.microsoft.com/office/drawing/2014/main" id="{342B55F3-43AC-E164-4459-A2A3CE1B2A6A}"/>
-                </a:ext>
-              </a:extLst>
-            </p:cNvPr>
-            <p:cNvSpPr>
-              <a:spLocks/>
-            </p:cNvSpPr>
-            <p:nvPr/>
-          </p:nvSpPr>
-          <p:spPr bwMode="auto">
-            <a:xfrm>
-              <a:off x="1221" y="14675"/>
-              <a:ext cx="2329" cy="1165"/>
-            </a:xfrm>
-            <a:custGeom>
-              <a:avLst/>
-              <a:gdLst>
-                <a:gd name="T0" fmla="+- 0 3550 1221"/>
-                <a:gd name="T1" fmla="*/ T0 w 2329"/>
-                <a:gd name="T2" fmla="+- 0 15840 14676"/>
-                <a:gd name="T3" fmla="*/ 15840 h 1165"/>
-                <a:gd name="T4" fmla="+- 0 2386 1221"/>
-                <a:gd name="T5" fmla="*/ T4 w 2329"/>
-                <a:gd name="T6" fmla="+- 0 14676 14676"/>
-                <a:gd name="T7" fmla="*/ 14676 h 1165"/>
-                <a:gd name="T8" fmla="+- 0 1221 1221"/>
-                <a:gd name="T9" fmla="*/ T8 w 2329"/>
-                <a:gd name="T10" fmla="+- 0 15840 14676"/>
-                <a:gd name="T11" fmla="*/ 15840 h 1165"/>
-                <a:gd name="T12" fmla="+- 0 3550 1221"/>
-                <a:gd name="T13" fmla="*/ T12 w 2329"/>
-                <a:gd name="T14" fmla="+- 0 15840 14676"/>
-                <a:gd name="T15" fmla="*/ 15840 h 1165"/>
-              </a:gdLst>
-              <a:ahLst/>
-              <a:cxnLst>
-                <a:cxn ang="0">
-                  <a:pos x="T1" y="T3"/>
-                </a:cxn>
-                <a:cxn ang="0">
-                  <a:pos x="T5" y="T7"/>
-                </a:cxn>
-                <a:cxn ang="0">
-                  <a:pos x="T9" y="T11"/>
-                </a:cxn>
-                <a:cxn ang="0">
-                  <a:pos x="T13" y="T15"/>
-                </a:cxn>
-              </a:cxnLst>
-              <a:rect l="0" t="0" r="r" b="b"/>
-              <a:pathLst>
-                <a:path w="2329" h="1165">
-                  <a:moveTo>
-                    <a:pt x="2329" y="1164"/>
-                  </a:moveTo>
-                  <a:lnTo>
-                    <a:pt x="1165" y="0"/>
-                  </a:lnTo>
-                  <a:lnTo>
-                    <a:pt x="0" y="1164"/>
-                  </a:lnTo>
-                  <a:lnTo>
-                    <a:pt x="2329" y="1164"/>
-                  </a:lnTo>
-                </a:path>
-              </a:pathLst>
-            </a:custGeom>
-            <a:solidFill>
-              <a:schemeClr val="accent3"/>
-            </a:solidFill>
-            <a:ln>
-              <a:noFill/>
-            </a:ln>
-            <a:extLst>
-              <a:ext uri="{91240B29-F687-4F45-9708-019B960494DF}">
-                <a14:hiddenLine xmlns:a14="http://schemas.microsoft.com/office/drawing/2010/main" w="9525">
-                  <a:solidFill>
-                    <a:srgbClr val="000000"/>
-                  </a:solidFill>
-                  <a:round/>
-                  <a:headEnd/>
-                  <a:tailEnd/>
-                </a14:hiddenLine>
-              </a:ext>
-            </a:extLst>
-          </p:spPr>
-          <p:txBody>
-            <a:bodyPr rot="0" vert="horz" wrap="square" lIns="91440" tIns="45720" rIns="91440" bIns="45720" anchor="t" anchorCtr="0" upright="1">
-              <a:noAutofit/>
-            </a:bodyPr>
-            <a:lstStyle/>
-            <a:p>
-              <a:endParaRPr lang="en-US" dirty="0"/>
-            </a:p>
-          </p:txBody>
-        </p:sp>
-      </p:grpSp>
-      <p:pic>
-        <p:nvPicPr>
-          <p:cNvPr id="5" name="Picture 4" descr="A diagram of a pie chart&#10;&#10;AI-generated content may be incorrect.">
-            <a:extLst>
-              <a:ext uri="{FF2B5EF4-FFF2-40B4-BE49-F238E27FC236}">
-                <a16:creationId xmlns:a16="http://schemas.microsoft.com/office/drawing/2014/main" id="{E6442F42-3522-8187-F66B-6AF40323BD0C}"/>
-              </a:ext>
-            </a:extLst>
-          </p:cNvPr>
-          <p:cNvPicPr>
-            <a:picLocks noChangeAspect="1"/>
-          </p:cNvPicPr>
-          <p:nvPr/>
-        </p:nvPicPr>
-        <p:blipFill>
-          <a:blip r:embed="rId3"/>
-          <a:stretch>
-            <a:fillRect/>
-          </a:stretch>
-        </p:blipFill>
-        <p:spPr>
-          <a:xfrm>
-            <a:off x="1507516" y="2645317"/>
-            <a:ext cx="4446222" cy="4201785"/>
-          </a:xfrm>
-          <a:prstGeom prst="rect">
-            <a:avLst/>
-          </a:prstGeom>
-        </p:spPr>
-      </p:pic>
-      <p:sp>
-        <p:nvSpPr>
-          <p:cNvPr id="3" name="Title 2">
-            <a:extLst>
-              <a:ext uri="{FF2B5EF4-FFF2-40B4-BE49-F238E27FC236}">
-                <a16:creationId xmlns:a16="http://schemas.microsoft.com/office/drawing/2014/main" id="{B26B39E3-5356-78C1-CF2E-8EE5C5C73854}"/>
-              </a:ext>
-            </a:extLst>
-          </p:cNvPr>
-          <p:cNvSpPr>
-            <a:spLocks noGrp="1"/>
-          </p:cNvSpPr>
-          <p:nvPr>
-            <p:ph type="title"/>
-          </p:nvPr>
-        </p:nvSpPr>
-        <p:spPr>
-          <a:xfrm>
-            <a:off x="594360" y="529078"/>
-            <a:ext cx="10718757" cy="1202341"/>
-          </a:xfrm>
-        </p:spPr>
-        <p:txBody>
-          <a:bodyPr/>
-          <a:lstStyle/>
-          <a:p>
-            <a:r>
-              <a:rPr lang="en-US" b="0" dirty="0">
-                <a:solidFill>
-                  <a:srgbClr val="002060"/>
-                </a:solidFill>
-                <a:ea typeface="+mj-lt"/>
-                <a:cs typeface="+mj-lt"/>
-              </a:rPr>
-              <a:t>Class Distribution</a:t>
-            </a:r>
-            <a:endParaRPr lang="en-US" dirty="0">
-              <a:solidFill>
-                <a:srgbClr val="002060"/>
-              </a:solidFill>
-            </a:endParaRPr>
-          </a:p>
-        </p:txBody>
-      </p:sp>
-      <p:pic>
-        <p:nvPicPr>
-          <p:cNvPr id="4" name="Picture 3" descr="A blue square with a white bird logo&#10;&#10;AI-generated content may be incorrect.">
-            <a:extLst>
-              <a:ext uri="{FF2B5EF4-FFF2-40B4-BE49-F238E27FC236}">
-                <a16:creationId xmlns:a16="http://schemas.microsoft.com/office/drawing/2014/main" id="{71753ED9-6ECE-2964-B238-0F17DA3ED728}"/>
-              </a:ext>
-            </a:extLst>
-          </p:cNvPr>
-          <p:cNvPicPr>
-            <a:picLocks noChangeAspect="1"/>
-          </p:cNvPicPr>
-          <p:nvPr/>
-        </p:nvPicPr>
-        <p:blipFill>
-          <a:blip r:embed="rId4"/>
-          <a:stretch>
-            <a:fillRect/>
-          </a:stretch>
-        </p:blipFill>
-        <p:spPr>
-          <a:xfrm>
-            <a:off x="9242499" y="5183639"/>
-            <a:ext cx="2947008" cy="1663463"/>
-          </a:xfrm>
-          <a:prstGeom prst="rect">
-            <a:avLst/>
-          </a:prstGeom>
-        </p:spPr>
-      </p:pic>
-      <p:sp>
-        <p:nvSpPr>
-          <p:cNvPr id="6" name="TextBox 5">
-            <a:extLst>
-              <a:ext uri="{FF2B5EF4-FFF2-40B4-BE49-F238E27FC236}">
-                <a16:creationId xmlns:a16="http://schemas.microsoft.com/office/drawing/2014/main" id="{64F96A85-6FDD-F0DD-06BC-BC24EFE2CFF3}"/>
-              </a:ext>
-            </a:extLst>
-          </p:cNvPr>
-          <p:cNvSpPr txBox="1"/>
-          <p:nvPr/>
-        </p:nvSpPr>
-        <p:spPr>
-          <a:xfrm>
-            <a:off x="7564627" y="2064497"/>
-            <a:ext cx="4459829" cy="2215991"/>
-          </a:xfrm>
-          <a:prstGeom prst="rect">
-            <a:avLst/>
-          </a:prstGeom>
-          <a:noFill/>
-        </p:spPr>
-        <p:txBody>
-          <a:bodyPr rot="0" spcFirstLastPara="0" vertOverflow="overflow" horzOverflow="overflow" vert="horz" wrap="square" lIns="91440" tIns="45720" rIns="91440" bIns="45720" numCol="1" spcCol="0" rtlCol="0" fromWordArt="0" anchor="t" anchorCtr="0" forceAA="0" compatLnSpc="1">
-            <a:prstTxWarp prst="textNoShape">
-              <a:avLst/>
-            </a:prstTxWarp>
-            <a:spAutoFit/>
-          </a:bodyPr>
-          <a:lstStyle/>
-          <a:p>
-            <a:r>
-              <a:rPr lang="en-US" sz="2000" b="1" dirty="0">
-                <a:solidFill>
-                  <a:srgbClr val="000000"/>
-                </a:solidFill>
-                <a:highlight>
-                  <a:srgbClr val="FFFFFF"/>
-                </a:highlight>
-                <a:latin typeface="Arial"/>
-                <a:cs typeface="Arial"/>
-              </a:rPr>
-              <a:t>Observations</a:t>
-            </a:r>
-          </a:p>
-          <a:p>
-            <a:endParaRPr lang="en-US" sz="2000" b="1" dirty="0">
-              <a:solidFill>
-                <a:srgbClr val="000000"/>
-              </a:solidFill>
-              <a:highlight>
-                <a:srgbClr val="FFFFFF"/>
-              </a:highlight>
-              <a:latin typeface="Arial"/>
-              <a:cs typeface="Arial"/>
-            </a:endParaRPr>
-          </a:p>
-          <a:p>
-            <a:r>
-              <a:rPr lang="en-US" sz="2000" dirty="0">
-                <a:solidFill>
-                  <a:srgbClr val="000000"/>
-                </a:solidFill>
-                <a:highlight>
-                  <a:srgbClr val="FFFFFF"/>
-                </a:highlight>
-                <a:ea typeface="+mn-lt"/>
-                <a:cs typeface="+mn-lt"/>
-              </a:rPr>
-              <a:t>The chart visually depicts a significant class imbalance in the dataset.</a:t>
-            </a:r>
-            <a:endParaRPr lang="en-US" dirty="0">
-              <a:ea typeface="+mn-lt"/>
-              <a:cs typeface="+mn-lt"/>
-            </a:endParaRPr>
-          </a:p>
-          <a:p>
-            <a:endParaRPr lang="en-US" dirty="0"/>
-          </a:p>
-          <a:p>
-            <a:r>
-              <a:rPr lang="en-US" sz="2000" dirty="0">
-                <a:solidFill>
-                  <a:srgbClr val="000000"/>
-                </a:solidFill>
-                <a:highlight>
-                  <a:srgbClr val="FFFFFF"/>
-                </a:highlight>
-                <a:ea typeface="+mn-lt"/>
-                <a:cs typeface="+mn-lt"/>
-              </a:rPr>
-              <a:t>The "neutral" class has the highest percentage of 62.0%, and "hate" 38.0% </a:t>
-            </a:r>
-          </a:p>
-        </p:txBody>
-      </p:sp>
-    </p:spTree>
-    <p:extLst>
-      <p:ext uri="{BB962C8B-B14F-4D97-AF65-F5344CB8AC3E}">
-        <p14:creationId xmlns:p14="http://schemas.microsoft.com/office/powerpoint/2010/main" val="4094257643"/>
       </p:ext>
     </p:extLst>
   </p:cSld>
@@ -30657,6 +32142,15 @@
 </file>
 
 <file path=customXml/item2.xml><?xml version="1.0" encoding="utf-8"?>
+<?mso-contentType ?>
+<FormTemplates xmlns="http://schemas.microsoft.com/sharepoint/v3/contenttype/forms">
+  <Display>DocumentLibraryForm</Display>
+  <Edit>DocumentLibraryForm</Edit>
+  <New>DocumentLibraryForm</New>
+</FormTemplates>
+</file>
+
+<file path=customXml/item3.xml><?xml version="1.0" encoding="utf-8"?>
 <ct:contentTypeSchema xmlns:ct="http://schemas.microsoft.com/office/2006/metadata/contentType" xmlns:ma="http://schemas.microsoft.com/office/2006/metadata/properties/metaAttributes" ct:_="" ma:_="" ma:contentTypeName="Document" ma:contentTypeID="0x01010079F111ED35F8CC479449609E8A0923A6" ma:contentTypeVersion="28" ma:contentTypeDescription="Create a new document." ma:contentTypeScope="" ma:versionID="60f5a4f2d2b0abadcf532d48ebf9cb71">
   <xsd:schema xmlns:xsd="http://www.w3.org/2001/XMLSchema" xmlns:xs="http://www.w3.org/2001/XMLSchema" xmlns:p="http://schemas.microsoft.com/office/2006/metadata/properties" xmlns:ns1="http://schemas.microsoft.com/sharepoint/v3" xmlns:ns2="71af3243-3dd4-4a8d-8c0d-dd76da1f02a5" xmlns:ns3="16c05727-aa75-4e4a-9b5f-8a80a1165891" xmlns:ns4="230e9df3-be65-4c73-a93b-d1236ebd677e" targetNamespace="http://schemas.microsoft.com/office/2006/metadata/properties" ma:root="true" ma:fieldsID="7dd78129e6a1811f84807ad11c651531" ns1:_="" ns2:_="" ns3:_="" ns4:_="">
     <xsd:import namespace="http://schemas.microsoft.com/sharepoint/v3"/>
@@ -30968,35 +32462,34 @@
 </ct:contentTypeSchema>
 </file>
 
-<file path=customXml/item3.xml><?xml version="1.0" encoding="utf-8"?>
-<?mso-contentType ?>
-<FormTemplates xmlns="http://schemas.microsoft.com/sharepoint/v3/contenttype/forms">
-  <Display>DocumentLibraryForm</Display>
-  <Edit>DocumentLibraryForm</Edit>
-  <New>DocumentLibraryForm</New>
-</FormTemplates>
-</file>
-
 <file path=customXml/itemProps1.xml><?xml version="1.0" encoding="utf-8"?>
 <ds:datastoreItem xmlns:ds="http://schemas.openxmlformats.org/officeDocument/2006/customXml" ds:itemID="{CA0FE134-9032-4C7F-BC57-C7DE3F833363}">
   <ds:schemaRefs>
-    <ds:schemaRef ds:uri="16c05727-aa75-4e4a-9b5f-8a80a1165891"/>
-    <ds:schemaRef ds:uri="http://schemas.microsoft.com/office/2006/documentManagement/types"/>
+    <ds:schemaRef ds:uri="http://purl.org/dc/dcmitype/"/>
+    <ds:schemaRef ds:uri="http://www.w3.org/XML/1998/namespace"/>
+    <ds:schemaRef ds:uri="http://schemas.microsoft.com/office/infopath/2007/PartnerControls"/>
+    <ds:schemaRef ds:uri="http://schemas.microsoft.com/office/2006/metadata/properties"/>
+    <ds:schemaRef ds:uri="http://schemas.openxmlformats.org/package/2006/metadata/core-properties"/>
     <ds:schemaRef ds:uri="230e9df3-be65-4c73-a93b-d1236ebd677e"/>
     <ds:schemaRef ds:uri="http://purl.org/dc/terms/"/>
     <ds:schemaRef ds:uri="71af3243-3dd4-4a8d-8c0d-dd76da1f02a5"/>
+    <ds:schemaRef ds:uri="http://schemas.microsoft.com/office/2006/documentManagement/types"/>
+    <ds:schemaRef ds:uri="16c05727-aa75-4e4a-9b5f-8a80a1165891"/>
+    <ds:schemaRef ds:uri="http://schemas.microsoft.com/sharepoint/v3"/>
     <ds:schemaRef ds:uri="http://purl.org/dc/elements/1.1/"/>
-    <ds:schemaRef ds:uri="http://schemas.microsoft.com/office/infopath/2007/PartnerControls"/>
-    <ds:schemaRef ds:uri="http://schemas.openxmlformats.org/package/2006/metadata/core-properties"/>
-    <ds:schemaRef ds:uri="http://schemas.microsoft.com/office/2006/metadata/properties"/>
-    <ds:schemaRef ds:uri="http://schemas.microsoft.com/sharepoint/v3"/>
-    <ds:schemaRef ds:uri="http://www.w3.org/XML/1998/namespace"/>
-    <ds:schemaRef ds:uri="http://purl.org/dc/dcmitype/"/>
   </ds:schemaRefs>
 </ds:datastoreItem>
 </file>
 
 <file path=customXml/itemProps2.xml><?xml version="1.0" encoding="utf-8"?>
+<ds:datastoreItem xmlns:ds="http://schemas.openxmlformats.org/officeDocument/2006/customXml" ds:itemID="{36D24F1A-6251-4B9A-A918-7D6F3A8F7E2A}">
+  <ds:schemaRefs>
+    <ds:schemaRef ds:uri="http://schemas.microsoft.com/sharepoint/v3/contenttype/forms"/>
+  </ds:schemaRefs>
+</ds:datastoreItem>
+</file>
+
+<file path=customXml/itemProps3.xml><?xml version="1.0" encoding="utf-8"?>
 <ds:datastoreItem xmlns:ds="http://schemas.openxmlformats.org/officeDocument/2006/customXml" ds:itemID="{A8A8ECD1-788F-484B-9043-D957FCFDF1FA}">
   <ds:schemaRefs>
     <ds:schemaRef ds:uri="http://schemas.microsoft.com/office/2006/metadata/contentType"/>
@@ -31017,14 +32510,6 @@
 </ds:datastoreItem>
 </file>
 
-<file path=customXml/itemProps3.xml><?xml version="1.0" encoding="utf-8"?>
-<ds:datastoreItem xmlns:ds="http://schemas.openxmlformats.org/officeDocument/2006/customXml" ds:itemID="{36D24F1A-6251-4B9A-A918-7D6F3A8F7E2A}">
-  <ds:schemaRefs>
-    <ds:schemaRef ds:uri="http://schemas.microsoft.com/sharepoint/v3/contenttype/forms"/>
-  </ds:schemaRefs>
-</ds:datastoreItem>
-</file>
-
 <file path=docMetadata/LabelInfo.xml><?xml version="1.0" encoding="utf-8"?>
 <clbl:labelList xmlns:clbl="http://schemas.microsoft.com/office/2020/mipLabelMetadata"/>
 </file>